--- a/开题/中期答辩.pptx
+++ b/开题/中期答辩.pptx
@@ -6,7 +6,7 @@
     <p:sldMasterId id="2147483679" r:id="rId2"/>
   </p:sldMasterIdLst>
   <p:notesMasterIdLst>
-    <p:notesMasterId r:id="rId35"/>
+    <p:notesMasterId r:id="rId38"/>
   </p:notesMasterIdLst>
   <p:sldIdLst>
     <p:sldId id="283" r:id="rId3"/>
@@ -23,24 +23,27 @@
     <p:sldId id="326" r:id="rId14"/>
     <p:sldId id="327" r:id="rId15"/>
     <p:sldId id="328" r:id="rId16"/>
-    <p:sldId id="302" r:id="rId17"/>
-    <p:sldId id="303" r:id="rId18"/>
-    <p:sldId id="329" r:id="rId19"/>
-    <p:sldId id="308" r:id="rId20"/>
-    <p:sldId id="304" r:id="rId21"/>
-    <p:sldId id="330" r:id="rId22"/>
-    <p:sldId id="331" r:id="rId23"/>
-    <p:sldId id="332" r:id="rId24"/>
-    <p:sldId id="341" r:id="rId25"/>
-    <p:sldId id="340" r:id="rId26"/>
-    <p:sldId id="333" r:id="rId27"/>
-    <p:sldId id="334" r:id="rId28"/>
-    <p:sldId id="335" r:id="rId29"/>
-    <p:sldId id="336" r:id="rId30"/>
-    <p:sldId id="339" r:id="rId31"/>
-    <p:sldId id="337" r:id="rId32"/>
-    <p:sldId id="338" r:id="rId33"/>
-    <p:sldId id="278" r:id="rId34"/>
+    <p:sldId id="343" r:id="rId17"/>
+    <p:sldId id="302" r:id="rId18"/>
+    <p:sldId id="303" r:id="rId19"/>
+    <p:sldId id="329" r:id="rId20"/>
+    <p:sldId id="308" r:id="rId21"/>
+    <p:sldId id="304" r:id="rId22"/>
+    <p:sldId id="330" r:id="rId23"/>
+    <p:sldId id="331" r:id="rId24"/>
+    <p:sldId id="332" r:id="rId25"/>
+    <p:sldId id="341" r:id="rId26"/>
+    <p:sldId id="340" r:id="rId27"/>
+    <p:sldId id="333" r:id="rId28"/>
+    <p:sldId id="334" r:id="rId29"/>
+    <p:sldId id="344" r:id="rId30"/>
+    <p:sldId id="336" r:id="rId31"/>
+    <p:sldId id="345" r:id="rId32"/>
+    <p:sldId id="335" r:id="rId33"/>
+    <p:sldId id="339" r:id="rId34"/>
+    <p:sldId id="337" r:id="rId35"/>
+    <p:sldId id="338" r:id="rId36"/>
+    <p:sldId id="278" r:id="rId37"/>
   </p:sldIdLst>
   <p:sldSz cx="12192000" cy="6858000"/>
   <p:notesSz cx="6858000" cy="9144000"/>
@@ -232,7 +235,7 @@
           <a:p>
             <a:fld id="{67D9E515-D702-764B-A215-79B14312EF65}" type="datetimeFigureOut">
               <a:rPr kumimoji="1" lang="zh-CN" altLang="en-US" smtClean="0"/>
-              <a:t>2019/6/25</a:t>
+              <a:t>2019/6/26</a:t>
             </a:fld>
             <a:endParaRPr kumimoji="1" lang="zh-CN" altLang="en-US"/>
           </a:p>
@@ -543,10 +546,38 @@
           <a:bodyPr/>
           <a:lstStyle/>
           <a:p>
+            <a:pPr marL="0" marR="0" lvl="0" indent="0" algn="l" defTabSz="914400" rtl="0" eaLnBrk="1" fontAlgn="auto" latinLnBrk="0" hangingPunct="1">
+              <a:lnSpc>
+                <a:spcPct val="100000"/>
+              </a:lnSpc>
+              <a:spcBef>
+                <a:spcPts val="0"/>
+              </a:spcBef>
+              <a:spcAft>
+                <a:spcPts val="0"/>
+              </a:spcAft>
+              <a:buClrTx/>
+              <a:buSzTx/>
+              <a:buFontTx/>
+              <a:buNone/>
+              <a:tabLst/>
+              <a:defRPr/>
+            </a:pPr>
             <a:r>
               <a:rPr kumimoji="1" lang="zh-CN" altLang="en-US" dirty="0"/>
-              <a:t>各位老师下午好，我今天要讲的内容主题是基于可搜索加密的新型云存储系统研究</a:t>
-            </a:r>
+              <a:t>各位老师下午好，我今天要讲的内容主题是</a:t>
+            </a:r>
+            <a:r>
+              <a:rPr lang="zh-CN" altLang="en-US" dirty="0">
+                <a:solidFill>
+                  <a:prstClr val="white"/>
+                </a:solidFill>
+              </a:rPr>
+              <a:t>动态可搜索加密模型的优化与应用</a:t>
+            </a:r>
+          </a:p>
+          <a:p>
+            <a:endParaRPr kumimoji="1" lang="zh-CN" altLang="en-US" dirty="0"/>
           </a:p>
         </p:txBody>
       </p:sp>
@@ -727,7 +758,7 @@
             </a:r>
             <a:r>
               <a:rPr lang="zh-CN" altLang="en-US" dirty="0"/>
-              <a:t>算法作为陷门函数的过程</a:t>
+              <a:t>加密作为陷门函数的过程</a:t>
             </a:r>
           </a:p>
         </p:txBody>
@@ -814,23 +845,7 @@
           <a:p>
             <a:r>
               <a:rPr lang="zh-CN" altLang="en-US" dirty="0"/>
-              <a:t>建立索引的过程主要是存储文件与相关关键词的信息又称为建立数据字典，当然这里并不会使用原文的</a:t>
-            </a:r>
-            <a:r>
-              <a:rPr lang="en-US" altLang="zh-CN" dirty="0"/>
-              <a:t>keyword</a:t>
-            </a:r>
-            <a:r>
-              <a:rPr lang="zh-CN" altLang="en-US" dirty="0"/>
-              <a:t>而是会基于原有</a:t>
-            </a:r>
-            <a:r>
-              <a:rPr lang="en-US" altLang="zh-CN" dirty="0"/>
-              <a:t>keyword</a:t>
-            </a:r>
-            <a:r>
-              <a:rPr lang="zh-CN" altLang="en-US" dirty="0"/>
-              <a:t>进行一系列加密运算。经典的索引结构主要分为两种，一种是基于文件</a:t>
+              <a:t>建立索引的过程主要是存储文件与相关关键词的信息。经典的索引结构主要分为两种，一种是基于文件</a:t>
             </a:r>
             <a:r>
               <a:rPr lang="en-US" altLang="zh-CN" dirty="0"/>
@@ -838,7 +853,7 @@
             </a:r>
             <a:r>
               <a:rPr lang="zh-CN" altLang="en-US" dirty="0"/>
-              <a:t>陷门的索引，另外一种是一个个名为反向索引的结构</a:t>
+              <a:t>关键词的索引又称数据字典，另外一种是反向索引</a:t>
             </a:r>
           </a:p>
         </p:txBody>
@@ -925,15 +940,7 @@
           <a:p>
             <a:r>
               <a:rPr lang="zh-CN" altLang="en-US" dirty="0"/>
-              <a:t>这是两个索引的结构，其中文件</a:t>
-            </a:r>
-            <a:r>
-              <a:rPr lang="en-US" altLang="zh-CN" dirty="0"/>
-              <a:t>-</a:t>
-            </a:r>
-            <a:r>
-              <a:rPr lang="zh-CN" altLang="en-US" dirty="0"/>
-              <a:t>陷门索引以</a:t>
+              <a:t>上面两幅图是这两个索引的结构，其中数据字典索引以</a:t>
             </a:r>
             <a:r>
               <a:rPr lang="en-US" altLang="zh-CN" dirty="0"/>
@@ -981,7 +988,7 @@
             </a:r>
             <a:r>
               <a:rPr lang="zh-CN" altLang="en-US" dirty="0"/>
-              <a:t>结构的其中</a:t>
+              <a:t>结构，其中</a:t>
             </a:r>
             <a:r>
               <a:rPr lang="en-US" altLang="zh-CN" dirty="0"/>
@@ -997,7 +1004,7 @@
             </a:r>
             <a:r>
               <a:rPr lang="zh-CN" altLang="en-US" dirty="0"/>
-              <a:t>则是包含该陷门文件的个数</a:t>
+              <a:t>则是包含该陷门文件的标识符</a:t>
             </a:r>
             <a:endParaRPr lang="en-US" altLang="zh-CN" dirty="0"/>
           </a:p>
@@ -1083,7 +1090,18 @@
           <a:bodyPr/>
           <a:lstStyle/>
           <a:p>
-            <a:endParaRPr lang="zh-CN" altLang="en-US"/>
+            <a:r>
+              <a:rPr lang="zh-CN" altLang="en-US" dirty="0"/>
+              <a:t>经典的查询过程分为两种情况，第一种是反向索引命中的情况，另外一种是反向索引没有命中的情况。首先第一种情况是查询过程中在反向索引找到了陷门对应的信息，因此直接返回该陷门对应记录中存储的文件</a:t>
+            </a:r>
+            <a:r>
+              <a:rPr lang="en-US" altLang="zh-CN" dirty="0"/>
+              <a:t>ID</a:t>
+            </a:r>
+            <a:r>
+              <a:rPr lang="zh-CN" altLang="en-US" dirty="0"/>
+              <a:t>列表</a:t>
+            </a:r>
           </a:p>
         </p:txBody>
       </p:sp>
@@ -1094,7 +1112,7 @@
             <a:spLocks noGrp="1"/>
           </p:cNvSpPr>
           <p:nvPr>
-            <p:ph type="sldNum" sz="quarter" idx="10"/>
+            <p:ph type="sldNum" sz="quarter" idx="5"/>
           </p:nvPr>
         </p:nvSpPr>
         <p:spPr/>
@@ -1104,7 +1122,7 @@
           <a:p>
             <a:fld id="{C81F7DB2-B8EC-9C47-885B-C7A5EAB3413F}" type="slidenum">
               <a:rPr kumimoji="1" lang="zh-CN" altLang="en-US" smtClean="0"/>
-              <a:t>15</a:t>
+              <a:t>14</a:t>
             </a:fld>
             <a:endParaRPr kumimoji="1" lang="zh-CN" altLang="en-US"/>
           </a:p>
@@ -1113,7 +1131,7 @@
     </p:spTree>
     <p:extLst>
       <p:ext uri="{BB962C8B-B14F-4D97-AF65-F5344CB8AC3E}">
-        <p14:creationId xmlns:p14="http://schemas.microsoft.com/office/powerpoint/2010/main" val="3177834648"/>
+        <p14:creationId xmlns:p14="http://schemas.microsoft.com/office/powerpoint/2010/main" val="4152105118"/>
       </p:ext>
     </p:extLst>
   </p:cSld>
@@ -1169,14 +1187,23 @@
           <a:p>
             <a:r>
               <a:rPr lang="zh-CN" altLang="en-US" dirty="0"/>
-              <a:t>因此我们的创新点主要从两个方面出发，第一个是如何对现有可搜索加密模型中的查询过程进行改进。此外，可搜索加密技术的提出是为了解决服务端无法在密文上检索的弊端，因此如何将可搜索加密应用于实际环境中？</a:t>
-            </a:r>
-            <a:endParaRPr lang="en-US" altLang="zh-CN" dirty="0"/>
-          </a:p>
-          <a:p>
+              <a:t>第二种情况是在反向索引没有命中的情况下，只能够去数据字典中遍历每个文件中的记录并进行</a:t>
+            </a:r>
+            <a:r>
+              <a:rPr lang="en-US" altLang="zh-CN" dirty="0"/>
+              <a:t>hash</a:t>
+            </a:r>
             <a:r>
               <a:rPr lang="zh-CN" altLang="en-US" dirty="0"/>
-              <a:t>结合上述内容，我们工作主要从两个方面出发，一个是引入密码学中的累加器来改进现有可搜索加密模型中的查询过程，另外一方面我们提出一个具有可搜索加密的新型云存储系统</a:t>
+              <a:t>和加密计算确认该文件是否包含陷门信息，查找过程中会记录包含该陷门的文件列表，之后会将该陷门对应的文件</a:t>
+            </a:r>
+            <a:r>
+              <a:rPr lang="en-US" altLang="zh-CN" dirty="0"/>
+              <a:t>ID</a:t>
+            </a:r>
+            <a:r>
+              <a:rPr lang="zh-CN" altLang="en-US" dirty="0"/>
+              <a:t>信息插入到反向索引中并返回给客户端</a:t>
             </a:r>
           </a:p>
         </p:txBody>
@@ -1198,7 +1225,7 @@
           <a:p>
             <a:fld id="{C81F7DB2-B8EC-9C47-885B-C7A5EAB3413F}" type="slidenum">
               <a:rPr kumimoji="1" lang="zh-CN" altLang="en-US" smtClean="0"/>
-              <a:t>16</a:t>
+              <a:t>15</a:t>
             </a:fld>
             <a:endParaRPr kumimoji="1" lang="zh-CN" altLang="en-US"/>
           </a:p>
@@ -1207,7 +1234,7 @@
     </p:spTree>
     <p:extLst>
       <p:ext uri="{BB962C8B-B14F-4D97-AF65-F5344CB8AC3E}">
-        <p14:creationId xmlns:p14="http://schemas.microsoft.com/office/powerpoint/2010/main" val="1983967844"/>
+        <p14:creationId xmlns:p14="http://schemas.microsoft.com/office/powerpoint/2010/main" val="2815474877"/>
       </p:ext>
     </p:extLst>
   </p:cSld>
@@ -1261,38 +1288,7 @@
           <a:bodyPr/>
           <a:lstStyle/>
           <a:p>
-            <a:r>
-              <a:rPr lang="zh-CN" altLang="en-US" dirty="0"/>
-              <a:t>因此我们面临的主要问题有</a:t>
-            </a:r>
-            <a:endParaRPr lang="en-US" altLang="zh-CN" dirty="0"/>
-          </a:p>
-          <a:p>
-            <a:r>
-              <a:rPr lang="zh-CN" altLang="en-US" dirty="0"/>
-              <a:t>如何将动态累加器引入到我们现有的可搜索加密模型中？</a:t>
-            </a:r>
-            <a:endParaRPr lang="en-US" altLang="zh-CN" dirty="0"/>
-          </a:p>
-          <a:p>
-            <a:r>
-              <a:rPr lang="zh-CN" altLang="en-US" dirty="0"/>
-              <a:t>对于原有可搜索加密模型中的查询过程如何进行优化？</a:t>
-            </a:r>
-            <a:endParaRPr lang="en-US" altLang="zh-CN" dirty="0"/>
-          </a:p>
-          <a:p>
-            <a:r>
-              <a:rPr lang="zh-CN" altLang="en-US" dirty="0"/>
-              <a:t>如何定义安全云存储系统？</a:t>
-            </a:r>
-            <a:endParaRPr lang="en-US" altLang="zh-CN" dirty="0"/>
-          </a:p>
-          <a:p>
-            <a:r>
-              <a:rPr lang="zh-CN" altLang="en-US" dirty="0"/>
-              <a:t>如何设计一个具有可搜索加密功能的安全云存储系统。</a:t>
-            </a:r>
+            <a:endParaRPr lang="zh-CN" altLang="en-US"/>
           </a:p>
         </p:txBody>
       </p:sp>
@@ -1303,7 +1299,7 @@
             <a:spLocks noGrp="1"/>
           </p:cNvSpPr>
           <p:nvPr>
-            <p:ph type="sldNum" sz="quarter" idx="5"/>
+            <p:ph type="sldNum" sz="quarter" idx="10"/>
           </p:nvPr>
         </p:nvSpPr>
         <p:spPr/>
@@ -1313,7 +1309,7 @@
           <a:p>
             <a:fld id="{C81F7DB2-B8EC-9C47-885B-C7A5EAB3413F}" type="slidenum">
               <a:rPr kumimoji="1" lang="zh-CN" altLang="en-US" smtClean="0"/>
-              <a:t>17</a:t>
+              <a:t>16</a:t>
             </a:fld>
             <a:endParaRPr kumimoji="1" lang="zh-CN" altLang="en-US"/>
           </a:p>
@@ -1322,7 +1318,7 @@
     </p:spTree>
     <p:extLst>
       <p:ext uri="{BB962C8B-B14F-4D97-AF65-F5344CB8AC3E}">
-        <p14:creationId xmlns:p14="http://schemas.microsoft.com/office/powerpoint/2010/main" val="4181650017"/>
+        <p14:creationId xmlns:p14="http://schemas.microsoft.com/office/powerpoint/2010/main" val="3177834648"/>
       </p:ext>
     </p:extLst>
   </p:cSld>
@@ -1376,7 +1372,17 @@
           <a:bodyPr/>
           <a:lstStyle/>
           <a:p>
-            <a:endParaRPr lang="zh-CN" altLang="en-US"/>
+            <a:r>
+              <a:rPr lang="zh-CN" altLang="en-US" dirty="0"/>
+              <a:t>因此我们的创新点主要从两个方面出发，第一个是如何对现有可搜索加密模型中的查询过程进行改进。此外，可搜索加密技术的提出是为了解决服务端无法在密文上检索的弊端，我们能否提出一个新的云存储系统架构来模拟可搜索加密技术在现实中的应用？</a:t>
+            </a:r>
+            <a:endParaRPr lang="en-US" altLang="zh-CN" dirty="0"/>
+          </a:p>
+          <a:p>
+            <a:r>
+              <a:rPr lang="zh-CN" altLang="en-US" dirty="0"/>
+              <a:t>结合上述内容，我们工作主要从两个方面出发，一个是引入密码学中的累加器来改进现有可搜索加密模型中的查询过程，另外一方面我们提出一个具有可搜索加密功能的新型云存储系统</a:t>
+            </a:r>
           </a:p>
         </p:txBody>
       </p:sp>
@@ -1387,7 +1393,7 @@
             <a:spLocks noGrp="1"/>
           </p:cNvSpPr>
           <p:nvPr>
-            <p:ph type="sldNum" sz="quarter" idx="10"/>
+            <p:ph type="sldNum" sz="quarter" idx="5"/>
           </p:nvPr>
         </p:nvSpPr>
         <p:spPr/>
@@ -1397,7 +1403,7 @@
           <a:p>
             <a:fld id="{C81F7DB2-B8EC-9C47-885B-C7A5EAB3413F}" type="slidenum">
               <a:rPr kumimoji="1" lang="zh-CN" altLang="en-US" smtClean="0"/>
-              <a:t>18</a:t>
+              <a:t>17</a:t>
             </a:fld>
             <a:endParaRPr kumimoji="1" lang="zh-CN" altLang="en-US"/>
           </a:p>
@@ -1406,7 +1412,7 @@
     </p:spTree>
     <p:extLst>
       <p:ext uri="{BB962C8B-B14F-4D97-AF65-F5344CB8AC3E}">
-        <p14:creationId xmlns:p14="http://schemas.microsoft.com/office/powerpoint/2010/main" val="114684772"/>
+        <p14:creationId xmlns:p14="http://schemas.microsoft.com/office/powerpoint/2010/main" val="1983967844"/>
       </p:ext>
     </p:extLst>
   </p:cSld>
@@ -1462,21 +1468,35 @@
           <a:p>
             <a:r>
               <a:rPr lang="zh-CN" altLang="en-US" dirty="0"/>
-              <a:t>一个密码学上的累加器是一个单项隶属函数。对于指定的查询可以判断该成员是否在集合内，在判断的过程不会暴露集合内部其他成员。</a:t>
+              <a:t>因此我们面临的主要问题有</a:t>
             </a:r>
             <a:endParaRPr lang="en-US" altLang="zh-CN" dirty="0"/>
           </a:p>
           <a:p>
             <a:r>
               <a:rPr lang="zh-CN" altLang="en-US" dirty="0"/>
-              <a:t>动态累加器是指在普通累加器基础上可以动态的增加和删除集合内部元素。</a:t>
+              <a:t>如何将动态累加器引入到我们现有的可搜索加密模型中？</a:t>
             </a:r>
             <a:endParaRPr lang="en-US" altLang="zh-CN" dirty="0"/>
           </a:p>
           <a:p>
             <a:r>
               <a:rPr lang="zh-CN" altLang="en-US" dirty="0"/>
-              <a:t>综上所述动态累加器的特点是可以动态的增加或者减少集合内成员，第二点就是证明过程不会暴露集合内部成员</a:t>
+              <a:t>对于原有可搜索加密模型中的查询过程如何进行优化？</a:t>
+            </a:r>
+            <a:endParaRPr lang="en-US" altLang="zh-CN" dirty="0"/>
+          </a:p>
+          <a:p>
+            <a:r>
+              <a:rPr lang="zh-CN" altLang="en-US" dirty="0"/>
+              <a:t>如何定义安全云存储系统？</a:t>
+            </a:r>
+            <a:endParaRPr lang="en-US" altLang="zh-CN" dirty="0"/>
+          </a:p>
+          <a:p>
+            <a:r>
+              <a:rPr lang="zh-CN" altLang="en-US" dirty="0"/>
+              <a:t>如何设计一个具有可搜索加密功能的安全云存储系统。</a:t>
             </a:r>
           </a:p>
         </p:txBody>
@@ -1498,7 +1518,7 @@
           <a:p>
             <a:fld id="{C81F7DB2-B8EC-9C47-885B-C7A5EAB3413F}" type="slidenum">
               <a:rPr kumimoji="1" lang="zh-CN" altLang="en-US" smtClean="0"/>
-              <a:t>19</a:t>
+              <a:t>18</a:t>
             </a:fld>
             <a:endParaRPr kumimoji="1" lang="zh-CN" altLang="en-US"/>
           </a:p>
@@ -1507,7 +1527,7 @@
     </p:spTree>
     <p:extLst>
       <p:ext uri="{BB962C8B-B14F-4D97-AF65-F5344CB8AC3E}">
-        <p14:creationId xmlns:p14="http://schemas.microsoft.com/office/powerpoint/2010/main" val="3322685047"/>
+        <p14:creationId xmlns:p14="http://schemas.microsoft.com/office/powerpoint/2010/main" val="4181650017"/>
       </p:ext>
     </p:extLst>
   </p:cSld>
@@ -1561,10 +1581,7 @@
           <a:bodyPr/>
           <a:lstStyle/>
           <a:p>
-            <a:r>
-              <a:rPr lang="zh-CN" altLang="en-US" dirty="0"/>
-              <a:t>借助动态累加器以上的特点。在现有的可搜索加密模型中，基于陷门的查找过程中数据字典与陷门之间的比对过程涉及大量的哈希和加密计算，因此提升查找过程效率的关键在于减少陷门与数据字典内容的比对次数。我们的想法是将单个文件关键词信息借助动态累加器累加在一起，查找过程中不再让陷门直接与数据字典进行运算而是先比对单个文件的累加值。</a:t>
-            </a:r>
+            <a:endParaRPr lang="zh-CN" altLang="en-US"/>
           </a:p>
         </p:txBody>
       </p:sp>
@@ -1575,7 +1592,7 @@
             <a:spLocks noGrp="1"/>
           </p:cNvSpPr>
           <p:nvPr>
-            <p:ph type="sldNum" sz="quarter" idx="5"/>
+            <p:ph type="sldNum" sz="quarter" idx="10"/>
           </p:nvPr>
         </p:nvSpPr>
         <p:spPr/>
@@ -1585,7 +1602,7 @@
           <a:p>
             <a:fld id="{C81F7DB2-B8EC-9C47-885B-C7A5EAB3413F}" type="slidenum">
               <a:rPr kumimoji="1" lang="zh-CN" altLang="en-US" smtClean="0"/>
-              <a:t>20</a:t>
+              <a:t>19</a:t>
             </a:fld>
             <a:endParaRPr kumimoji="1" lang="zh-CN" altLang="en-US"/>
           </a:p>
@@ -1594,7 +1611,7 @@
     </p:spTree>
     <p:extLst>
       <p:ext uri="{BB962C8B-B14F-4D97-AF65-F5344CB8AC3E}">
-        <p14:creationId xmlns:p14="http://schemas.microsoft.com/office/powerpoint/2010/main" val="275509236"/>
+        <p14:creationId xmlns:p14="http://schemas.microsoft.com/office/powerpoint/2010/main" val="114684772"/>
       </p:ext>
     </p:extLst>
   </p:cSld>
@@ -1734,7 +1751,21 @@
           <a:p>
             <a:r>
               <a:rPr lang="zh-CN" altLang="en-US" dirty="0"/>
-              <a:t>因此我们提出在现有可搜索加密模型建立新的索引结构，新的索引结构在理论上可以大幅度减少陷门与数据字典之间的复杂运算的次数提升运行时间</a:t>
+              <a:t>一个密码学上的累加器是一个单项隶属函数。对于指定的查询可以判断该成员是否在集合内，在判断的过程不会暴露集合内部其他成员。</a:t>
+            </a:r>
+            <a:endParaRPr lang="en-US" altLang="zh-CN" dirty="0"/>
+          </a:p>
+          <a:p>
+            <a:r>
+              <a:rPr lang="zh-CN" altLang="en-US" dirty="0"/>
+              <a:t>动态累加器是指在普通累加器基础上可以动态的增加和删除集合内部元素。</a:t>
+            </a:r>
+            <a:endParaRPr lang="en-US" altLang="zh-CN" dirty="0"/>
+          </a:p>
+          <a:p>
+            <a:r>
+              <a:rPr lang="zh-CN" altLang="en-US" dirty="0"/>
+              <a:t>综上所述动态累加器的特点是可以动态的增加或者减少集合内成员，第二点就是证明过程不会暴露集合内部成员</a:t>
             </a:r>
           </a:p>
         </p:txBody>
@@ -1756,7 +1787,7 @@
           <a:p>
             <a:fld id="{C81F7DB2-B8EC-9C47-885B-C7A5EAB3413F}" type="slidenum">
               <a:rPr kumimoji="1" lang="zh-CN" altLang="en-US" smtClean="0"/>
-              <a:t>21</a:t>
+              <a:t>20</a:t>
             </a:fld>
             <a:endParaRPr kumimoji="1" lang="zh-CN" altLang="en-US"/>
           </a:p>
@@ -1765,7 +1796,7 @@
     </p:spTree>
     <p:extLst>
       <p:ext uri="{BB962C8B-B14F-4D97-AF65-F5344CB8AC3E}">
-        <p14:creationId xmlns:p14="http://schemas.microsoft.com/office/powerpoint/2010/main" val="4143494188"/>
+        <p14:creationId xmlns:p14="http://schemas.microsoft.com/office/powerpoint/2010/main" val="3322685047"/>
       </p:ext>
     </p:extLst>
   </p:cSld>
@@ -1819,7 +1850,10 @@
           <a:bodyPr/>
           <a:lstStyle/>
           <a:p>
-            <a:endParaRPr lang="zh-CN" altLang="en-US" dirty="0"/>
+            <a:r>
+              <a:rPr lang="zh-CN" altLang="en-US" dirty="0"/>
+              <a:t>借助动态累加器以上的特点。在现有的可搜索加密模型中，基于陷门的查找过程中数据字典与陷门之间的比对过程涉及大量的哈希和加密计算，因此提升查找过程效率的关键在于减少陷门与数据字典内容的比对次数。我们的想法是将单个文件关键词信息借助动态累加器累加在一起，查找过程中不再让陷门直接与数据字典进行运算而是先比对单个文件的累加值。</a:t>
+            </a:r>
           </a:p>
         </p:txBody>
       </p:sp>
@@ -1840,7 +1874,7 @@
           <a:p>
             <a:fld id="{C81F7DB2-B8EC-9C47-885B-C7A5EAB3413F}" type="slidenum">
               <a:rPr kumimoji="1" lang="zh-CN" altLang="en-US" smtClean="0"/>
-              <a:t>22</a:t>
+              <a:t>21</a:t>
             </a:fld>
             <a:endParaRPr kumimoji="1" lang="zh-CN" altLang="en-US"/>
           </a:p>
@@ -1849,7 +1883,7 @@
     </p:spTree>
     <p:extLst>
       <p:ext uri="{BB962C8B-B14F-4D97-AF65-F5344CB8AC3E}">
-        <p14:creationId xmlns:p14="http://schemas.microsoft.com/office/powerpoint/2010/main" val="2127924802"/>
+        <p14:creationId xmlns:p14="http://schemas.microsoft.com/office/powerpoint/2010/main" val="275509236"/>
       </p:ext>
     </p:extLst>
   </p:cSld>
@@ -1905,28 +1939,31 @@
           <a:p>
             <a:r>
               <a:rPr lang="zh-CN" altLang="en-US" dirty="0"/>
-              <a:t>第三个问题就是如何定义一个安全的云存储系统，这里我们主要分析现有云存储系统的威胁模型。</a:t>
-            </a:r>
-            <a:endParaRPr lang="en-US" altLang="zh-CN" dirty="0"/>
-          </a:p>
-          <a:p>
+              <a:t>因此我们提出在现有可搜索加密模型建立新的索引结构，新的索引结构在理论上有以下优点：</a:t>
+            </a:r>
+            <a:r>
+              <a:rPr lang="en-US" altLang="zh-CN" dirty="0"/>
+              <a:t>1.</a:t>
+            </a:r>
             <a:r>
               <a:rPr lang="zh-CN" altLang="en-US" dirty="0"/>
-              <a:t>现有云存储系统中，数据主要会流动在三个层面，分别是用户、服务端和网络信道。这里我们默认数据在用户的手中是安全的，因此数据的安全问题主要聚焦在服务端和网络信道上。</a:t>
-            </a:r>
-            <a:endParaRPr lang="en-US" altLang="zh-CN" dirty="0"/>
-          </a:p>
-          <a:p>
+              <a:t>快速定位关键词所在的文件 </a:t>
+            </a:r>
+            <a:r>
+              <a:rPr lang="en-US" altLang="zh-CN" dirty="0"/>
+              <a:t>2.</a:t>
+            </a:r>
             <a:r>
               <a:rPr lang="zh-CN" altLang="en-US" dirty="0"/>
-              <a:t>因此为了确保用户存储在服务端的安全，用户应先将数据进行加密然后再上传</a:t>
-            </a:r>
-            <a:endParaRPr lang="en-US" altLang="zh-CN" dirty="0"/>
-          </a:p>
-          <a:p>
+              <a:t>每个文件在查找过程中只需要比对一次就确定是否包含关键词</a:t>
+            </a:r>
+            <a:r>
+              <a:rPr lang="en-US" altLang="zh-CN" dirty="0"/>
+              <a:t> 3.</a:t>
+            </a:r>
             <a:r>
               <a:rPr lang="zh-CN" altLang="en-US" dirty="0"/>
-              <a:t>在应对复杂不可信的网络信道方面，我们需要对传输内容进行加密防止他人从网络信道中截取我们的数据 </a:t>
+              <a:t>降低了大量的哈希和加密运算</a:t>
             </a:r>
           </a:p>
         </p:txBody>
@@ -1948,7 +1985,7 @@
           <a:p>
             <a:fld id="{C81F7DB2-B8EC-9C47-885B-C7A5EAB3413F}" type="slidenum">
               <a:rPr kumimoji="1" lang="zh-CN" altLang="en-US" smtClean="0"/>
-              <a:t>25</a:t>
+              <a:t>22</a:t>
             </a:fld>
             <a:endParaRPr kumimoji="1" lang="zh-CN" altLang="en-US"/>
           </a:p>
@@ -1957,7 +1994,7 @@
     </p:spTree>
     <p:extLst>
       <p:ext uri="{BB962C8B-B14F-4D97-AF65-F5344CB8AC3E}">
-        <p14:creationId xmlns:p14="http://schemas.microsoft.com/office/powerpoint/2010/main" val="3423748131"/>
+        <p14:creationId xmlns:p14="http://schemas.microsoft.com/office/powerpoint/2010/main" val="4143494188"/>
       </p:ext>
     </p:extLst>
   </p:cSld>
@@ -2013,47 +2050,15 @@
           <a:p>
             <a:r>
               <a:rPr lang="zh-CN" altLang="en-US" dirty="0"/>
-              <a:t>第四个挑战是如何设计一个具有可搜索加密功能的安全云存储系统</a:t>
-            </a:r>
-            <a:endParaRPr lang="en-US" altLang="zh-CN" dirty="0"/>
-          </a:p>
-          <a:p>
+              <a:t>新索引建立过程分为两步骤，第一步是借助累加器将单个文件中全部关键词累加到一个值，同时对于每个关键词生成一个证据用于后续的存在证明。下一步就是按照文件标识符</a:t>
+            </a:r>
+            <a:r>
+              <a:rPr lang="en-US" altLang="zh-CN" dirty="0"/>
+              <a:t>-</a:t>
+            </a:r>
             <a:r>
               <a:rPr lang="zh-CN" altLang="en-US" dirty="0"/>
-              <a:t>结合我们之前的讨论，新的系统应该具有以下特点：</a:t>
-            </a:r>
-            <a:endParaRPr lang="en-US" altLang="zh-CN" dirty="0"/>
-          </a:p>
-          <a:p>
-            <a:r>
-              <a:rPr lang="en-US" altLang="zh-CN" dirty="0"/>
-              <a:t>1</a:t>
-            </a:r>
-            <a:r>
-              <a:rPr lang="zh-CN" altLang="en-US" dirty="0"/>
-              <a:t>、数据应该安全的存储在服务端</a:t>
-            </a:r>
-            <a:endParaRPr lang="en-US" altLang="zh-CN" dirty="0"/>
-          </a:p>
-          <a:p>
-            <a:r>
-              <a:rPr lang="en-US" altLang="zh-CN" dirty="0"/>
-              <a:t>2</a:t>
-            </a:r>
-            <a:r>
-              <a:rPr lang="zh-CN" altLang="en-US" dirty="0"/>
-              <a:t>、数据在不可靠信道中的传输也应该安全可靠</a:t>
-            </a:r>
-            <a:endParaRPr lang="en-US" altLang="zh-CN" dirty="0"/>
-          </a:p>
-          <a:p>
-            <a:r>
-              <a:rPr lang="en-US" altLang="zh-CN" dirty="0"/>
-              <a:t>3</a:t>
-            </a:r>
-            <a:r>
-              <a:rPr lang="zh-CN" altLang="en-US" dirty="0"/>
-              <a:t>、新的系统具有支持基于用户关键字的密文检索功能</a:t>
+              <a:t>文件累加值的形式存储这些数值</a:t>
             </a:r>
           </a:p>
         </p:txBody>
@@ -2075,7 +2080,7 @@
           <a:p>
             <a:fld id="{C81F7DB2-B8EC-9C47-885B-C7A5EAB3413F}" type="slidenum">
               <a:rPr kumimoji="1" lang="zh-CN" altLang="en-US" smtClean="0"/>
-              <a:t>26</a:t>
+              <a:t>23</a:t>
             </a:fld>
             <a:endParaRPr kumimoji="1" lang="zh-CN" altLang="en-US"/>
           </a:p>
@@ -2084,7 +2089,7 @@
     </p:spTree>
     <p:extLst>
       <p:ext uri="{BB962C8B-B14F-4D97-AF65-F5344CB8AC3E}">
-        <p14:creationId xmlns:p14="http://schemas.microsoft.com/office/powerpoint/2010/main" val="163139263"/>
+        <p14:creationId xmlns:p14="http://schemas.microsoft.com/office/powerpoint/2010/main" val="2127924802"/>
       </p:ext>
     </p:extLst>
   </p:cSld>
@@ -2138,7 +2143,18 @@
           <a:bodyPr/>
           <a:lstStyle/>
           <a:p>
-            <a:endParaRPr lang="zh-CN" altLang="en-US"/>
+            <a:r>
+              <a:rPr lang="zh-CN" altLang="en-US" dirty="0"/>
+              <a:t>接下里我们关注在引入新索引后的查询过程，我们在洗的呢查询过程中也引入了反向索引的结构，首先第一种情况是反向索引命中，这种情况下直接将反向索引记录的文件</a:t>
+            </a:r>
+            <a:r>
+              <a:rPr lang="en-US" altLang="zh-CN" dirty="0"/>
+              <a:t>ID</a:t>
+            </a:r>
+            <a:r>
+              <a:rPr lang="zh-CN" altLang="en-US" dirty="0"/>
+              <a:t>信息直接返回</a:t>
+            </a:r>
           </a:p>
         </p:txBody>
       </p:sp>
@@ -2149,7 +2165,7 @@
             <a:spLocks noGrp="1"/>
           </p:cNvSpPr>
           <p:nvPr>
-            <p:ph type="sldNum" sz="quarter" idx="10"/>
+            <p:ph type="sldNum" sz="quarter" idx="5"/>
           </p:nvPr>
         </p:nvSpPr>
         <p:spPr/>
@@ -2159,7 +2175,7 @@
           <a:p>
             <a:fld id="{C81F7DB2-B8EC-9C47-885B-C7A5EAB3413F}" type="slidenum">
               <a:rPr kumimoji="1" lang="zh-CN" altLang="en-US" smtClean="0"/>
-              <a:t>29</a:t>
+              <a:t>24</a:t>
             </a:fld>
             <a:endParaRPr kumimoji="1" lang="zh-CN" altLang="en-US"/>
           </a:p>
@@ -2168,7 +2184,7 @@
     </p:spTree>
     <p:extLst>
       <p:ext uri="{BB962C8B-B14F-4D97-AF65-F5344CB8AC3E}">
-        <p14:creationId xmlns:p14="http://schemas.microsoft.com/office/powerpoint/2010/main" val="3856440052"/>
+        <p14:creationId xmlns:p14="http://schemas.microsoft.com/office/powerpoint/2010/main" val="3635919050"/>
       </p:ext>
     </p:extLst>
   </p:cSld>
@@ -2223,243 +2239,9 @@
           <a:lstStyle/>
           <a:p>
             <a:r>
-              <a:rPr lang="en-US" altLang="zh-CN" dirty="0"/>
-              <a:t>1)</a:t>
-            </a:r>
-            <a:r>
               <a:rPr lang="zh-CN" altLang="en-US" dirty="0"/>
-              <a:t>你这里网络二字体现在哪？</a:t>
-            </a:r>
-            <a:endParaRPr lang="en-US" altLang="zh-CN" dirty="0"/>
-          </a:p>
-          <a:p>
-            <a:r>
-              <a:rPr lang="zh-CN" altLang="en-US" dirty="0"/>
-              <a:t>我们之所以是在服务器上做是因为想利用服务器强大的计算能力，至于是检测服务器异常还是网络设备异常，这主要看输入的数据是有关服务器的数据还是有关网络设备的数据而定的，其算法模型是一样的，数据不一样，则功能不一样。</a:t>
-            </a:r>
-            <a:endParaRPr lang="en-US" altLang="zh-CN" dirty="0"/>
-          </a:p>
-          <a:p>
-            <a:r>
-              <a:rPr lang="en-US" altLang="zh-CN" dirty="0"/>
-              <a:t>2</a:t>
-            </a:r>
-            <a:r>
-              <a:rPr lang="zh-CN" altLang="en-US" dirty="0"/>
-              <a:t>）看了这么多，你到底是想检测哪些异常？</a:t>
-            </a:r>
-            <a:endParaRPr lang="en-US" altLang="zh-CN" dirty="0"/>
-          </a:p>
-          <a:p>
-            <a:r>
-              <a:rPr lang="zh-CN" altLang="en-US" dirty="0"/>
-              <a:t>对于主机：是否过载，是否遭受攻击（具体哪类攻击）</a:t>
-            </a:r>
-            <a:endParaRPr lang="en-US" altLang="zh-CN" dirty="0"/>
-          </a:p>
-          <a:p>
-            <a:r>
-              <a:rPr lang="zh-CN" altLang="en-US" dirty="0"/>
-              <a:t>对于交换机：是否坏掉了。</a:t>
-            </a:r>
-            <a:endParaRPr lang="en-US" altLang="zh-CN" dirty="0"/>
-          </a:p>
-          <a:p>
-            <a:r>
-              <a:rPr lang="en-US" altLang="zh-CN" dirty="0"/>
-              <a:t>3</a:t>
-            </a:r>
-            <a:r>
-              <a:rPr lang="zh-CN" altLang="en-US" dirty="0"/>
-              <a:t>）你这里的异常检测和故障诊断的区别？</a:t>
-            </a:r>
-            <a:endParaRPr lang="en-US" altLang="zh-CN" dirty="0"/>
-          </a:p>
-          <a:p>
-            <a:r>
-              <a:rPr lang="zh-CN" altLang="en-US" dirty="0"/>
-              <a:t>这里的故障诊断，更多强调的是报告物理上哪台机器出问题了。至于是啥原因造成的异常，在异常检测分类中做了一部分工作，如果还涉及到根因分析的话，那这个工作难度就太了，估计搞出来都可以发</a:t>
-            </a:r>
-            <a:r>
-              <a:rPr lang="en-US" altLang="zh-CN" dirty="0" err="1"/>
-              <a:t>siggcomn</a:t>
-            </a:r>
-            <a:r>
-              <a:rPr lang="zh-CN" altLang="en-US" dirty="0"/>
-              <a:t>。</a:t>
-            </a:r>
-            <a:endParaRPr lang="en-US" altLang="zh-CN" dirty="0"/>
-          </a:p>
-          <a:p>
-            <a:r>
-              <a:rPr lang="en-US" altLang="zh-CN" dirty="0"/>
-              <a:t>4</a:t>
-            </a:r>
-            <a:r>
-              <a:rPr lang="zh-CN" altLang="en-US" dirty="0"/>
-              <a:t>）像交换机失效这种情况，我简单</a:t>
-            </a:r>
-            <a:r>
-              <a:rPr lang="en-US" altLang="zh-CN" dirty="0"/>
-              <a:t>ping</a:t>
-            </a:r>
-            <a:r>
-              <a:rPr lang="zh-CN" altLang="en-US" dirty="0"/>
-              <a:t>一下就可以了，还需要你这种鸡儿玩意吗？</a:t>
-            </a:r>
-            <a:endParaRPr lang="en-US" altLang="zh-CN" dirty="0"/>
-          </a:p>
-          <a:p>
-            <a:r>
-              <a:rPr lang="zh-CN" altLang="en-US" dirty="0"/>
-              <a:t>通过</a:t>
-            </a:r>
-            <a:r>
-              <a:rPr lang="en-US" altLang="zh-CN" dirty="0"/>
-              <a:t>ping</a:t>
-            </a:r>
-            <a:r>
-              <a:rPr lang="zh-CN" altLang="en-US" dirty="0"/>
-              <a:t>来做，只能应对一些简单的情况，对复杂的情况，用</a:t>
-            </a:r>
-            <a:r>
-              <a:rPr lang="en-US" altLang="zh-CN" dirty="0"/>
-              <a:t>if</a:t>
-            </a:r>
-            <a:r>
-              <a:rPr lang="zh-CN" altLang="en-US" dirty="0"/>
-              <a:t>语句可能就不太好弄了。如果加入人工来判定，那就人工智能了，不是机器学习了。</a:t>
-            </a:r>
-            <a:endParaRPr lang="en-US" altLang="zh-CN" dirty="0"/>
-          </a:p>
-          <a:p>
-            <a:r>
-              <a:rPr lang="en-US" altLang="zh-CN" dirty="0"/>
-              <a:t>5</a:t>
-            </a:r>
-            <a:r>
-              <a:rPr lang="zh-CN" altLang="en-US" dirty="0"/>
-              <a:t>）你这个论文谁来指导？</a:t>
-            </a:r>
-            <a:endParaRPr lang="en-US" altLang="zh-CN" dirty="0"/>
-          </a:p>
-          <a:p>
-            <a:r>
-              <a:rPr lang="zh-CN" altLang="en-US" dirty="0"/>
-              <a:t>我这里面获取网络状态参数这一块，涉及到测量，测量这一块伟超老师是大佬。</a:t>
-            </a:r>
-            <a:endParaRPr lang="en-US" altLang="zh-CN" dirty="0"/>
-          </a:p>
-          <a:p>
-            <a:pPr marL="0" marR="0" lvl="0" indent="0" algn="l" defTabSz="914400" rtl="0" eaLnBrk="1" fontAlgn="auto" latinLnBrk="0" hangingPunct="1">
-              <a:lnSpc>
-                <a:spcPct val="100000"/>
-              </a:lnSpc>
-              <a:spcBef>
-                <a:spcPts val="0"/>
-              </a:spcBef>
-              <a:spcAft>
-                <a:spcPts val="0"/>
-              </a:spcAft>
-              <a:buClrTx/>
-              <a:buSzTx/>
-              <a:buFont typeface="Arial" panose="020B0604020202020204" pitchFamily="34" charset="0"/>
-              <a:buNone/>
-              <a:tabLst/>
-              <a:defRPr/>
-            </a:pPr>
-            <a:r>
-              <a:rPr lang="en-US" altLang="zh-CN" dirty="0"/>
-              <a:t>6</a:t>
-            </a:r>
-            <a:r>
-              <a:rPr lang="zh-CN" altLang="en-US" dirty="0"/>
-              <a:t>）基于</a:t>
-            </a:r>
-            <a:r>
-              <a:rPr lang="en-US" altLang="zh-CN" dirty="0"/>
-              <a:t>LSTM</a:t>
-            </a:r>
-            <a:r>
-              <a:rPr lang="zh-CN" altLang="en-US" dirty="0"/>
-              <a:t>和</a:t>
-            </a:r>
-            <a:r>
-              <a:rPr lang="en-US" altLang="zh-CN" dirty="0" err="1"/>
-              <a:t>arama</a:t>
-            </a:r>
-            <a:r>
-              <a:rPr lang="zh-CN" altLang="en-US" dirty="0"/>
-              <a:t>处理时序数据，哪个更好呢？</a:t>
-            </a:r>
-            <a:endParaRPr lang="en-US" altLang="zh-CN" dirty="0"/>
-          </a:p>
-          <a:p>
-            <a:pPr marL="171450" marR="0" lvl="0" indent="-171450" algn="l" defTabSz="914400" rtl="0" eaLnBrk="1" fontAlgn="auto" latinLnBrk="0" hangingPunct="1">
-              <a:lnSpc>
-                <a:spcPct val="100000"/>
-              </a:lnSpc>
-              <a:spcBef>
-                <a:spcPts val="0"/>
-              </a:spcBef>
-              <a:spcAft>
-                <a:spcPts val="0"/>
-              </a:spcAft>
-              <a:buClrTx/>
-              <a:buSzTx/>
-              <a:buFont typeface="Arial" panose="020B0604020202020204" pitchFamily="34" charset="0"/>
-              <a:buChar char="•"/>
-              <a:tabLst/>
-              <a:defRPr/>
-            </a:pPr>
-            <a:r>
-              <a:rPr lang="zh-CN" altLang="en-US" dirty="0"/>
-              <a:t>首先应当明确的是两者的原理根本不同，</a:t>
-            </a:r>
-            <a:r>
-              <a:rPr lang="en-US" altLang="zh-CN" dirty="0"/>
-              <a:t>LSTM</a:t>
-            </a:r>
-            <a:r>
-              <a:rPr lang="zh-CN" altLang="en-US" dirty="0"/>
-              <a:t>本质上是个神经网络，而</a:t>
-            </a:r>
-            <a:r>
-              <a:rPr lang="en-US" altLang="zh-CN" dirty="0" err="1"/>
-              <a:t>arama</a:t>
-            </a:r>
-            <a:r>
-              <a:rPr lang="zh-CN" altLang="en-US" dirty="0"/>
-              <a:t>本质上是通过差分后进行平滑预测。</a:t>
-            </a:r>
-            <a:r>
-              <a:rPr lang="en-US" altLang="zh-CN" dirty="0"/>
-              <a:t>LSTM</a:t>
-            </a:r>
-            <a:r>
-              <a:rPr lang="zh-CN" altLang="en-US" dirty="0"/>
-              <a:t>因为是神经网络，所以训练模型的过程代价很大，是</a:t>
-            </a:r>
-            <a:r>
-              <a:rPr lang="en-US" altLang="zh-CN" dirty="0" err="1"/>
-              <a:t>arama</a:t>
-            </a:r>
-            <a:r>
-              <a:rPr lang="zh-CN" altLang="en-US" dirty="0"/>
-              <a:t>的</a:t>
-            </a:r>
-            <a:r>
-              <a:rPr lang="en-US" altLang="zh-CN" dirty="0"/>
-              <a:t>2000</a:t>
-            </a:r>
-            <a:r>
-              <a:rPr lang="zh-CN" altLang="en-US" dirty="0"/>
-              <a:t>倍，但预测时间比较短。</a:t>
-            </a:r>
-            <a:endParaRPr lang="en-US" altLang="zh-CN" dirty="0"/>
-          </a:p>
-          <a:p>
-            <a:endParaRPr lang="en-US" altLang="zh-CN" dirty="0"/>
+              <a:t>第二种情况是反向索引没有命中，这种情况下服务端首先查找新索引，借助自身携带的证据和陷门确认关键词在文件列表中的位置，借助新索引返回的文件标识符去数据字典中查询该文件对应的关键词信息，确认关键词的在文件中的具体位置。最后将查询到的文件列表集合以及自身陷门插入到反向索引中，然后返回相应的文件列表。</a:t>
+            </a:r>
           </a:p>
         </p:txBody>
       </p:sp>
@@ -2478,18 +2260,421 @@
           <a:bodyPr/>
           <a:lstStyle/>
           <a:p>
-            <a:fld id="{4806D0A0-FD96-4910-BAC5-41EC293146BB}" type="slidenum">
-              <a:rPr lang="zh-CN" altLang="en-US" smtClean="0"/>
-              <a:t>32</a:t>
+            <a:fld id="{C81F7DB2-B8EC-9C47-885B-C7A5EAB3413F}" type="slidenum">
+              <a:rPr kumimoji="1" lang="zh-CN" altLang="en-US" smtClean="0"/>
+              <a:t>25</a:t>
             </a:fld>
-            <a:endParaRPr lang="zh-CN" altLang="en-US"/>
+            <a:endParaRPr kumimoji="1" lang="zh-CN" altLang="en-US"/>
           </a:p>
         </p:txBody>
       </p:sp>
     </p:spTree>
     <p:extLst>
       <p:ext uri="{BB962C8B-B14F-4D97-AF65-F5344CB8AC3E}">
-        <p14:creationId xmlns:p14="http://schemas.microsoft.com/office/powerpoint/2010/main" val="2845610791"/>
+        <p14:creationId xmlns:p14="http://schemas.microsoft.com/office/powerpoint/2010/main" val="3584045002"/>
+      </p:ext>
+    </p:extLst>
+  </p:cSld>
+  <p:clrMapOvr>
+    <a:masterClrMapping/>
+  </p:clrMapOvr>
+</p:notes>
+</file>
+
+<file path=ppt/notesSlides/notesSlide26.xml><?xml version="1.0" encoding="utf-8"?>
+<p:notes xmlns:a="http://schemas.openxmlformats.org/drawingml/2006/main" xmlns:r="http://schemas.openxmlformats.org/officeDocument/2006/relationships" xmlns:p="http://schemas.openxmlformats.org/presentationml/2006/main">
+  <p:cSld>
+    <p:spTree>
+      <p:nvGrpSpPr>
+        <p:cNvPr id="1" name=""/>
+        <p:cNvGrpSpPr/>
+        <p:nvPr/>
+      </p:nvGrpSpPr>
+      <p:grpSpPr>
+        <a:xfrm>
+          <a:off x="0" y="0"/>
+          <a:ext cx="0" cy="0"/>
+          <a:chOff x="0" y="0"/>
+          <a:chExt cx="0" cy="0"/>
+        </a:xfrm>
+      </p:grpSpPr>
+      <p:sp>
+        <p:nvSpPr>
+          <p:cNvPr id="2" name="幻灯片图像占位符 1"/>
+          <p:cNvSpPr>
+            <a:spLocks noGrp="1" noRot="1" noChangeAspect="1"/>
+          </p:cNvSpPr>
+          <p:nvPr>
+            <p:ph type="sldImg"/>
+          </p:nvPr>
+        </p:nvSpPr>
+        <p:spPr/>
+      </p:sp>
+      <p:sp>
+        <p:nvSpPr>
+          <p:cNvPr id="3" name="备注占位符 2"/>
+          <p:cNvSpPr>
+            <a:spLocks noGrp="1"/>
+          </p:cNvSpPr>
+          <p:nvPr>
+            <p:ph type="body" idx="1"/>
+          </p:nvPr>
+        </p:nvSpPr>
+        <p:spPr/>
+        <p:txBody>
+          <a:bodyPr/>
+          <a:lstStyle/>
+          <a:p>
+            <a:r>
+              <a:rPr lang="zh-CN" altLang="en-US" dirty="0"/>
+              <a:t>第三个问题就是如何定义一个安全的云存储系统，这里我们主要分析现有云存储系统的威胁模型。</a:t>
+            </a:r>
+            <a:endParaRPr lang="en-US" altLang="zh-CN" dirty="0"/>
+          </a:p>
+          <a:p>
+            <a:r>
+              <a:rPr lang="zh-CN" altLang="en-US" dirty="0"/>
+              <a:t>现有云存储系统中，数据主要会流动在三个层面，分别是用户、服务端和网络信道。这里我们默认数据在用户的手中是安全的，因此数据的安全问题主要聚焦在服务端和网络信道上。</a:t>
+            </a:r>
+            <a:endParaRPr lang="en-US" altLang="zh-CN" dirty="0"/>
+          </a:p>
+          <a:p>
+            <a:r>
+              <a:rPr lang="zh-CN" altLang="en-US" dirty="0"/>
+              <a:t>因此为了确保用户存储在服务端的安全，用户应先将数据进行加密然后再上传</a:t>
+            </a:r>
+            <a:endParaRPr lang="en-US" altLang="zh-CN" dirty="0"/>
+          </a:p>
+          <a:p>
+            <a:r>
+              <a:rPr lang="zh-CN" altLang="en-US" dirty="0"/>
+              <a:t>在应对复杂不可信的网络信道方面，我们需要对传输内容进行加密防止他人从网络信道中截取我们的数据 </a:t>
+            </a:r>
+          </a:p>
+        </p:txBody>
+      </p:sp>
+      <p:sp>
+        <p:nvSpPr>
+          <p:cNvPr id="4" name="灯片编号占位符 3"/>
+          <p:cNvSpPr>
+            <a:spLocks noGrp="1"/>
+          </p:cNvSpPr>
+          <p:nvPr>
+            <p:ph type="sldNum" sz="quarter" idx="5"/>
+          </p:nvPr>
+        </p:nvSpPr>
+        <p:spPr/>
+        <p:txBody>
+          <a:bodyPr/>
+          <a:lstStyle/>
+          <a:p>
+            <a:fld id="{C81F7DB2-B8EC-9C47-885B-C7A5EAB3413F}" type="slidenum">
+              <a:rPr kumimoji="1" lang="zh-CN" altLang="en-US" smtClean="0"/>
+              <a:t>26</a:t>
+            </a:fld>
+            <a:endParaRPr kumimoji="1" lang="zh-CN" altLang="en-US"/>
+          </a:p>
+        </p:txBody>
+      </p:sp>
+    </p:spTree>
+    <p:extLst>
+      <p:ext uri="{BB962C8B-B14F-4D97-AF65-F5344CB8AC3E}">
+        <p14:creationId xmlns:p14="http://schemas.microsoft.com/office/powerpoint/2010/main" val="3423748131"/>
+      </p:ext>
+    </p:extLst>
+  </p:cSld>
+  <p:clrMapOvr>
+    <a:masterClrMapping/>
+  </p:clrMapOvr>
+</p:notes>
+</file>
+
+<file path=ppt/notesSlides/notesSlide27.xml><?xml version="1.0" encoding="utf-8"?>
+<p:notes xmlns:a="http://schemas.openxmlformats.org/drawingml/2006/main" xmlns:r="http://schemas.openxmlformats.org/officeDocument/2006/relationships" xmlns:p="http://schemas.openxmlformats.org/presentationml/2006/main">
+  <p:cSld>
+    <p:spTree>
+      <p:nvGrpSpPr>
+        <p:cNvPr id="1" name=""/>
+        <p:cNvGrpSpPr/>
+        <p:nvPr/>
+      </p:nvGrpSpPr>
+      <p:grpSpPr>
+        <a:xfrm>
+          <a:off x="0" y="0"/>
+          <a:ext cx="0" cy="0"/>
+          <a:chOff x="0" y="0"/>
+          <a:chExt cx="0" cy="0"/>
+        </a:xfrm>
+      </p:grpSpPr>
+      <p:sp>
+        <p:nvSpPr>
+          <p:cNvPr id="2" name="幻灯片图像占位符 1"/>
+          <p:cNvSpPr>
+            <a:spLocks noGrp="1" noRot="1" noChangeAspect="1"/>
+          </p:cNvSpPr>
+          <p:nvPr>
+            <p:ph type="sldImg"/>
+          </p:nvPr>
+        </p:nvSpPr>
+        <p:spPr/>
+      </p:sp>
+      <p:sp>
+        <p:nvSpPr>
+          <p:cNvPr id="3" name="备注占位符 2"/>
+          <p:cNvSpPr>
+            <a:spLocks noGrp="1"/>
+          </p:cNvSpPr>
+          <p:nvPr>
+            <p:ph type="body" idx="1"/>
+          </p:nvPr>
+        </p:nvSpPr>
+        <p:spPr/>
+        <p:txBody>
+          <a:bodyPr/>
+          <a:lstStyle/>
+          <a:p>
+            <a:r>
+              <a:rPr lang="zh-CN" altLang="en-US" dirty="0"/>
+              <a:t>第四个挑战是如何设计一个具有可搜索加密功能的安全云存储系统</a:t>
+            </a:r>
+            <a:endParaRPr lang="en-US" altLang="zh-CN" dirty="0"/>
+          </a:p>
+          <a:p>
+            <a:r>
+              <a:rPr lang="zh-CN" altLang="en-US" dirty="0"/>
+              <a:t>结合我们之前的讨论，新的系统应该具有以下特点：</a:t>
+            </a:r>
+            <a:endParaRPr lang="en-US" altLang="zh-CN" dirty="0"/>
+          </a:p>
+          <a:p>
+            <a:r>
+              <a:rPr lang="en-US" altLang="zh-CN" dirty="0"/>
+              <a:t>1</a:t>
+            </a:r>
+            <a:r>
+              <a:rPr lang="zh-CN" altLang="en-US" dirty="0"/>
+              <a:t>、数据应该安全的存储在服务端</a:t>
+            </a:r>
+            <a:endParaRPr lang="en-US" altLang="zh-CN" dirty="0"/>
+          </a:p>
+          <a:p>
+            <a:r>
+              <a:rPr lang="en-US" altLang="zh-CN" dirty="0"/>
+              <a:t>2</a:t>
+            </a:r>
+            <a:r>
+              <a:rPr lang="zh-CN" altLang="en-US" dirty="0"/>
+              <a:t>、数据在不可靠信道中的传输也应该安全可靠</a:t>
+            </a:r>
+            <a:endParaRPr lang="en-US" altLang="zh-CN" dirty="0"/>
+          </a:p>
+          <a:p>
+            <a:r>
+              <a:rPr lang="en-US" altLang="zh-CN" dirty="0"/>
+              <a:t>3</a:t>
+            </a:r>
+            <a:r>
+              <a:rPr lang="zh-CN" altLang="en-US" dirty="0"/>
+              <a:t>、新的系统具有支持基于用户关键字的密文检索功能</a:t>
+            </a:r>
+          </a:p>
+        </p:txBody>
+      </p:sp>
+      <p:sp>
+        <p:nvSpPr>
+          <p:cNvPr id="4" name="灯片编号占位符 3"/>
+          <p:cNvSpPr>
+            <a:spLocks noGrp="1"/>
+          </p:cNvSpPr>
+          <p:nvPr>
+            <p:ph type="sldNum" sz="quarter" idx="5"/>
+          </p:nvPr>
+        </p:nvSpPr>
+        <p:spPr/>
+        <p:txBody>
+          <a:bodyPr/>
+          <a:lstStyle/>
+          <a:p>
+            <a:fld id="{C81F7DB2-B8EC-9C47-885B-C7A5EAB3413F}" type="slidenum">
+              <a:rPr kumimoji="1" lang="zh-CN" altLang="en-US" smtClean="0"/>
+              <a:t>27</a:t>
+            </a:fld>
+            <a:endParaRPr kumimoji="1" lang="zh-CN" altLang="en-US"/>
+          </a:p>
+        </p:txBody>
+      </p:sp>
+    </p:spTree>
+    <p:extLst>
+      <p:ext uri="{BB962C8B-B14F-4D97-AF65-F5344CB8AC3E}">
+        <p14:creationId xmlns:p14="http://schemas.microsoft.com/office/powerpoint/2010/main" val="163139263"/>
+      </p:ext>
+    </p:extLst>
+  </p:cSld>
+  <p:clrMapOvr>
+    <a:masterClrMapping/>
+  </p:clrMapOvr>
+</p:notes>
+</file>
+
+<file path=ppt/notesSlides/notesSlide28.xml><?xml version="1.0" encoding="utf-8"?>
+<p:notes xmlns:a="http://schemas.openxmlformats.org/drawingml/2006/main" xmlns:r="http://schemas.openxmlformats.org/officeDocument/2006/relationships" xmlns:p="http://schemas.openxmlformats.org/presentationml/2006/main">
+  <p:cSld>
+    <p:spTree>
+      <p:nvGrpSpPr>
+        <p:cNvPr id="1" name=""/>
+        <p:cNvGrpSpPr/>
+        <p:nvPr/>
+      </p:nvGrpSpPr>
+      <p:grpSpPr>
+        <a:xfrm>
+          <a:off x="0" y="0"/>
+          <a:ext cx="0" cy="0"/>
+          <a:chOff x="0" y="0"/>
+          <a:chExt cx="0" cy="0"/>
+        </a:xfrm>
+      </p:grpSpPr>
+      <p:sp>
+        <p:nvSpPr>
+          <p:cNvPr id="2" name="幻灯片图像占位符 1"/>
+          <p:cNvSpPr>
+            <a:spLocks noGrp="1" noRot="1" noChangeAspect="1"/>
+          </p:cNvSpPr>
+          <p:nvPr>
+            <p:ph type="sldImg"/>
+          </p:nvPr>
+        </p:nvSpPr>
+        <p:spPr/>
+      </p:sp>
+      <p:sp>
+        <p:nvSpPr>
+          <p:cNvPr id="3" name="备注占位符 2"/>
+          <p:cNvSpPr>
+            <a:spLocks noGrp="1"/>
+          </p:cNvSpPr>
+          <p:nvPr>
+            <p:ph type="body" idx="1"/>
+          </p:nvPr>
+        </p:nvSpPr>
+        <p:spPr/>
+        <p:txBody>
+          <a:bodyPr/>
+          <a:lstStyle/>
+          <a:p>
+            <a:endParaRPr lang="zh-CN" altLang="en-US" dirty="0"/>
+          </a:p>
+        </p:txBody>
+      </p:sp>
+      <p:sp>
+        <p:nvSpPr>
+          <p:cNvPr id="4" name="灯片编号占位符 3"/>
+          <p:cNvSpPr>
+            <a:spLocks noGrp="1"/>
+          </p:cNvSpPr>
+          <p:nvPr>
+            <p:ph type="sldNum" sz="quarter" idx="5"/>
+          </p:nvPr>
+        </p:nvSpPr>
+        <p:spPr/>
+        <p:txBody>
+          <a:bodyPr/>
+          <a:lstStyle/>
+          <a:p>
+            <a:fld id="{C81F7DB2-B8EC-9C47-885B-C7A5EAB3413F}" type="slidenum">
+              <a:rPr kumimoji="1" lang="zh-CN" altLang="en-US" smtClean="0"/>
+              <a:t>28</a:t>
+            </a:fld>
+            <a:endParaRPr kumimoji="1" lang="zh-CN" altLang="en-US"/>
+          </a:p>
+        </p:txBody>
+      </p:sp>
+    </p:spTree>
+    <p:extLst>
+      <p:ext uri="{BB962C8B-B14F-4D97-AF65-F5344CB8AC3E}">
+        <p14:creationId xmlns:p14="http://schemas.microsoft.com/office/powerpoint/2010/main" val="875795566"/>
+      </p:ext>
+    </p:extLst>
+  </p:cSld>
+  <p:clrMapOvr>
+    <a:masterClrMapping/>
+  </p:clrMapOvr>
+</p:notes>
+</file>
+
+<file path=ppt/notesSlides/notesSlide29.xml><?xml version="1.0" encoding="utf-8"?>
+<p:notes xmlns:a="http://schemas.openxmlformats.org/drawingml/2006/main" xmlns:r="http://schemas.openxmlformats.org/officeDocument/2006/relationships" xmlns:p="http://schemas.openxmlformats.org/presentationml/2006/main">
+  <p:cSld>
+    <p:spTree>
+      <p:nvGrpSpPr>
+        <p:cNvPr id="1" name=""/>
+        <p:cNvGrpSpPr/>
+        <p:nvPr/>
+      </p:nvGrpSpPr>
+      <p:grpSpPr>
+        <a:xfrm>
+          <a:off x="0" y="0"/>
+          <a:ext cx="0" cy="0"/>
+          <a:chOff x="0" y="0"/>
+          <a:chExt cx="0" cy="0"/>
+        </a:xfrm>
+      </p:grpSpPr>
+      <p:sp>
+        <p:nvSpPr>
+          <p:cNvPr id="2" name="幻灯片图像占位符 1"/>
+          <p:cNvSpPr>
+            <a:spLocks noGrp="1" noRot="1" noChangeAspect="1"/>
+          </p:cNvSpPr>
+          <p:nvPr>
+            <p:ph type="sldImg"/>
+          </p:nvPr>
+        </p:nvSpPr>
+        <p:spPr/>
+      </p:sp>
+      <p:sp>
+        <p:nvSpPr>
+          <p:cNvPr id="3" name="备注占位符 2"/>
+          <p:cNvSpPr>
+            <a:spLocks noGrp="1"/>
+          </p:cNvSpPr>
+          <p:nvPr>
+            <p:ph type="body" idx="1"/>
+          </p:nvPr>
+        </p:nvSpPr>
+        <p:spPr/>
+        <p:txBody>
+          <a:bodyPr/>
+          <a:lstStyle/>
+          <a:p>
+            <a:endParaRPr lang="zh-CN" altLang="en-US" dirty="0"/>
+          </a:p>
+        </p:txBody>
+      </p:sp>
+      <p:sp>
+        <p:nvSpPr>
+          <p:cNvPr id="4" name="灯片编号占位符 3"/>
+          <p:cNvSpPr>
+            <a:spLocks noGrp="1"/>
+          </p:cNvSpPr>
+          <p:nvPr>
+            <p:ph type="sldNum" sz="quarter" idx="5"/>
+          </p:nvPr>
+        </p:nvSpPr>
+        <p:spPr/>
+        <p:txBody>
+          <a:bodyPr/>
+          <a:lstStyle/>
+          <a:p>
+            <a:fld id="{C81F7DB2-B8EC-9C47-885B-C7A5EAB3413F}" type="slidenum">
+              <a:rPr kumimoji="1" lang="zh-CN" altLang="en-US" smtClean="0"/>
+              <a:t>30</a:t>
+            </a:fld>
+            <a:endParaRPr kumimoji="1" lang="zh-CN" altLang="en-US"/>
+          </a:p>
+        </p:txBody>
+      </p:sp>
+    </p:spTree>
+    <p:extLst>
+      <p:ext uri="{BB962C8B-B14F-4D97-AF65-F5344CB8AC3E}">
+        <p14:creationId xmlns:p14="http://schemas.microsoft.com/office/powerpoint/2010/main" val="1286474728"/>
       </p:ext>
     </p:extLst>
   </p:cSld>
@@ -2574,6 +2759,681 @@
     <p:extLst>
       <p:ext uri="{BB962C8B-B14F-4D97-AF65-F5344CB8AC3E}">
         <p14:creationId xmlns:p14="http://schemas.microsoft.com/office/powerpoint/2010/main" val="963702701"/>
+      </p:ext>
+    </p:extLst>
+  </p:cSld>
+  <p:clrMapOvr>
+    <a:masterClrMapping/>
+  </p:clrMapOvr>
+</p:notes>
+</file>
+
+<file path=ppt/notesSlides/notesSlide30.xml><?xml version="1.0" encoding="utf-8"?>
+<p:notes xmlns:a="http://schemas.openxmlformats.org/drawingml/2006/main" xmlns:r="http://schemas.openxmlformats.org/officeDocument/2006/relationships" xmlns:p="http://schemas.openxmlformats.org/presentationml/2006/main">
+  <p:cSld>
+    <p:spTree>
+      <p:nvGrpSpPr>
+        <p:cNvPr id="1" name=""/>
+        <p:cNvGrpSpPr/>
+        <p:nvPr/>
+      </p:nvGrpSpPr>
+      <p:grpSpPr>
+        <a:xfrm>
+          <a:off x="0" y="0"/>
+          <a:ext cx="0" cy="0"/>
+          <a:chOff x="0" y="0"/>
+          <a:chExt cx="0" cy="0"/>
+        </a:xfrm>
+      </p:grpSpPr>
+      <p:sp>
+        <p:nvSpPr>
+          <p:cNvPr id="2" name="幻灯片图像占位符 1"/>
+          <p:cNvSpPr>
+            <a:spLocks noGrp="1" noRot="1" noChangeAspect="1"/>
+          </p:cNvSpPr>
+          <p:nvPr>
+            <p:ph type="sldImg"/>
+          </p:nvPr>
+        </p:nvSpPr>
+        <p:spPr/>
+      </p:sp>
+      <p:sp>
+        <p:nvSpPr>
+          <p:cNvPr id="3" name="备注占位符 2"/>
+          <p:cNvSpPr>
+            <a:spLocks noGrp="1"/>
+          </p:cNvSpPr>
+          <p:nvPr>
+            <p:ph type="body" idx="1"/>
+          </p:nvPr>
+        </p:nvSpPr>
+        <p:spPr/>
+        <p:txBody>
+          <a:bodyPr/>
+          <a:lstStyle/>
+          <a:p>
+            <a:endParaRPr lang="zh-CN" altLang="en-US"/>
+          </a:p>
+        </p:txBody>
+      </p:sp>
+      <p:sp>
+        <p:nvSpPr>
+          <p:cNvPr id="4" name="灯片编号占位符 3"/>
+          <p:cNvSpPr>
+            <a:spLocks noGrp="1"/>
+          </p:cNvSpPr>
+          <p:nvPr>
+            <p:ph type="sldNum" sz="quarter" idx="10"/>
+          </p:nvPr>
+        </p:nvSpPr>
+        <p:spPr/>
+        <p:txBody>
+          <a:bodyPr/>
+          <a:lstStyle/>
+          <a:p>
+            <a:fld id="{C81F7DB2-B8EC-9C47-885B-C7A5EAB3413F}" type="slidenum">
+              <a:rPr kumimoji="1" lang="zh-CN" altLang="en-US" smtClean="0"/>
+              <a:t>32</a:t>
+            </a:fld>
+            <a:endParaRPr kumimoji="1" lang="zh-CN" altLang="en-US"/>
+          </a:p>
+        </p:txBody>
+      </p:sp>
+    </p:spTree>
+    <p:extLst>
+      <p:ext uri="{BB962C8B-B14F-4D97-AF65-F5344CB8AC3E}">
+        <p14:creationId xmlns:p14="http://schemas.microsoft.com/office/powerpoint/2010/main" val="3856440052"/>
+      </p:ext>
+    </p:extLst>
+  </p:cSld>
+  <p:clrMapOvr>
+    <a:masterClrMapping/>
+  </p:clrMapOvr>
+</p:notes>
+</file>
+
+<file path=ppt/notesSlides/notesSlide31.xml><?xml version="1.0" encoding="utf-8"?>
+<p:notes xmlns:a="http://schemas.openxmlformats.org/drawingml/2006/main" xmlns:r="http://schemas.openxmlformats.org/officeDocument/2006/relationships" xmlns:p="http://schemas.openxmlformats.org/presentationml/2006/main">
+  <p:cSld>
+    <p:spTree>
+      <p:nvGrpSpPr>
+        <p:cNvPr id="1" name=""/>
+        <p:cNvGrpSpPr/>
+        <p:nvPr/>
+      </p:nvGrpSpPr>
+      <p:grpSpPr>
+        <a:xfrm>
+          <a:off x="0" y="0"/>
+          <a:ext cx="0" cy="0"/>
+          <a:chOff x="0" y="0"/>
+          <a:chExt cx="0" cy="0"/>
+        </a:xfrm>
+      </p:grpSpPr>
+      <p:sp>
+        <p:nvSpPr>
+          <p:cNvPr id="2" name="幻灯片图像占位符 1"/>
+          <p:cNvSpPr>
+            <a:spLocks noGrp="1" noRot="1" noChangeAspect="1"/>
+          </p:cNvSpPr>
+          <p:nvPr>
+            <p:ph type="sldImg"/>
+          </p:nvPr>
+        </p:nvSpPr>
+        <p:spPr/>
+      </p:sp>
+      <p:sp>
+        <p:nvSpPr>
+          <p:cNvPr id="3" name="备注占位符 2"/>
+          <p:cNvSpPr>
+            <a:spLocks noGrp="1"/>
+          </p:cNvSpPr>
+          <p:nvPr>
+            <p:ph type="body" idx="1"/>
+          </p:nvPr>
+        </p:nvSpPr>
+        <p:spPr/>
+        <p:txBody>
+          <a:bodyPr/>
+          <a:lstStyle/>
+          <a:p>
+            <a:r>
+              <a:rPr lang="zh-CN" altLang="en-US" dirty="0"/>
+              <a:t>目前已经做得工作有</a:t>
+            </a:r>
+            <a:endParaRPr lang="en-US" altLang="zh-CN" dirty="0"/>
+          </a:p>
+          <a:p>
+            <a:r>
+              <a:rPr lang="en-US" altLang="zh-CN" dirty="0"/>
+              <a:t>1.</a:t>
+            </a:r>
+            <a:r>
+              <a:rPr lang="zh-CN" altLang="en-US" dirty="0"/>
+              <a:t>关于可搜索加密技术的文献调研</a:t>
+            </a:r>
+            <a:endParaRPr lang="en-US" altLang="zh-CN" dirty="0"/>
+          </a:p>
+          <a:p>
+            <a:r>
+              <a:rPr lang="en-US" altLang="zh-CN" dirty="0"/>
+              <a:t>2.</a:t>
+            </a:r>
+            <a:r>
+              <a:rPr lang="zh-CN" altLang="en-US" dirty="0"/>
+              <a:t>针对动态累加器的文献调研</a:t>
+            </a:r>
+            <a:endParaRPr lang="en-US" altLang="zh-CN" dirty="0"/>
+          </a:p>
+          <a:p>
+            <a:r>
+              <a:rPr lang="en-US" altLang="zh-CN" dirty="0"/>
+              <a:t>3.</a:t>
+            </a:r>
+            <a:r>
+              <a:rPr lang="zh-CN" altLang="en-US" dirty="0"/>
+              <a:t>基于新的索引表提出一个新的查询方法</a:t>
+            </a:r>
+            <a:endParaRPr lang="en-US" altLang="zh-CN" dirty="0"/>
+          </a:p>
+          <a:p>
+            <a:r>
+              <a:rPr lang="en-US" altLang="zh-CN" dirty="0"/>
+              <a:t>4.</a:t>
+            </a:r>
+            <a:r>
+              <a:rPr lang="zh-CN" altLang="en-US" dirty="0"/>
+              <a:t>新系统的设计与模块实现</a:t>
+            </a:r>
+          </a:p>
+        </p:txBody>
+      </p:sp>
+      <p:sp>
+        <p:nvSpPr>
+          <p:cNvPr id="4" name="灯片编号占位符 3"/>
+          <p:cNvSpPr>
+            <a:spLocks noGrp="1"/>
+          </p:cNvSpPr>
+          <p:nvPr>
+            <p:ph type="sldNum" sz="quarter" idx="5"/>
+          </p:nvPr>
+        </p:nvSpPr>
+        <p:spPr/>
+        <p:txBody>
+          <a:bodyPr/>
+          <a:lstStyle/>
+          <a:p>
+            <a:fld id="{C81F7DB2-B8EC-9C47-885B-C7A5EAB3413F}" type="slidenum">
+              <a:rPr kumimoji="1" lang="zh-CN" altLang="en-US" smtClean="0"/>
+              <a:t>33</a:t>
+            </a:fld>
+            <a:endParaRPr kumimoji="1" lang="zh-CN" altLang="en-US"/>
+          </a:p>
+        </p:txBody>
+      </p:sp>
+    </p:spTree>
+    <p:extLst>
+      <p:ext uri="{BB962C8B-B14F-4D97-AF65-F5344CB8AC3E}">
+        <p14:creationId xmlns:p14="http://schemas.microsoft.com/office/powerpoint/2010/main" val="1928986561"/>
+      </p:ext>
+    </p:extLst>
+  </p:cSld>
+  <p:clrMapOvr>
+    <a:masterClrMapping/>
+  </p:clrMapOvr>
+</p:notes>
+</file>
+
+<file path=ppt/notesSlides/notesSlide32.xml><?xml version="1.0" encoding="utf-8"?>
+<p:notes xmlns:a="http://schemas.openxmlformats.org/drawingml/2006/main" xmlns:r="http://schemas.openxmlformats.org/officeDocument/2006/relationships" xmlns:p="http://schemas.openxmlformats.org/presentationml/2006/main">
+  <p:cSld>
+    <p:spTree>
+      <p:nvGrpSpPr>
+        <p:cNvPr id="1" name=""/>
+        <p:cNvGrpSpPr/>
+        <p:nvPr/>
+      </p:nvGrpSpPr>
+      <p:grpSpPr>
+        <a:xfrm>
+          <a:off x="0" y="0"/>
+          <a:ext cx="0" cy="0"/>
+          <a:chOff x="0" y="0"/>
+          <a:chExt cx="0" cy="0"/>
+        </a:xfrm>
+      </p:grpSpPr>
+      <p:sp>
+        <p:nvSpPr>
+          <p:cNvPr id="2" name="幻灯片图像占位符 1"/>
+          <p:cNvSpPr>
+            <a:spLocks noGrp="1" noRot="1" noChangeAspect="1"/>
+          </p:cNvSpPr>
+          <p:nvPr>
+            <p:ph type="sldImg"/>
+          </p:nvPr>
+        </p:nvSpPr>
+        <p:spPr/>
+      </p:sp>
+      <p:sp>
+        <p:nvSpPr>
+          <p:cNvPr id="3" name="备注占位符 2"/>
+          <p:cNvSpPr>
+            <a:spLocks noGrp="1"/>
+          </p:cNvSpPr>
+          <p:nvPr>
+            <p:ph type="body" idx="1"/>
+          </p:nvPr>
+        </p:nvSpPr>
+        <p:spPr/>
+        <p:txBody>
+          <a:bodyPr/>
+          <a:lstStyle/>
+          <a:p>
+            <a:r>
+              <a:rPr lang="zh-CN" altLang="en-US" dirty="0"/>
+              <a:t>目前的工作计划安排是</a:t>
+            </a:r>
+            <a:r>
+              <a:rPr lang="en-US" altLang="zh-CN" dirty="0"/>
+              <a:t>3</a:t>
+            </a:r>
+            <a:r>
+              <a:rPr lang="zh-CN" altLang="en-US" dirty="0"/>
+              <a:t>月到六月是在做关于可搜索加密技术的调研工作</a:t>
+            </a:r>
+            <a:endParaRPr lang="en-US" altLang="zh-CN" dirty="0"/>
+          </a:p>
+          <a:p>
+            <a:r>
+              <a:rPr lang="en-US" altLang="zh-CN" dirty="0"/>
+              <a:t>7-8</a:t>
+            </a:r>
+            <a:r>
+              <a:rPr lang="zh-CN" altLang="en-US" dirty="0"/>
+              <a:t>月会将新的查询算法进行实现并测试</a:t>
+            </a:r>
+            <a:endParaRPr lang="en-US" altLang="zh-CN" dirty="0"/>
+          </a:p>
+          <a:p>
+            <a:r>
+              <a:rPr lang="en-US" altLang="zh-CN" dirty="0"/>
+              <a:t>8-9</a:t>
+            </a:r>
+            <a:r>
+              <a:rPr lang="zh-CN" altLang="en-US" dirty="0"/>
+              <a:t>月会将整个新的云存储系统实现并进行集成测试</a:t>
+            </a:r>
+            <a:endParaRPr lang="en-US" altLang="zh-CN" dirty="0"/>
+          </a:p>
+          <a:p>
+            <a:r>
+              <a:rPr lang="en-US" altLang="zh-CN" dirty="0"/>
+              <a:t>10-12</a:t>
+            </a:r>
+            <a:r>
+              <a:rPr lang="zh-CN" altLang="en-US" dirty="0"/>
+              <a:t>月会对新系统进行改良，相比较文献中他人的工作分析优缺点</a:t>
+            </a:r>
+            <a:endParaRPr lang="en-US" altLang="zh-CN" dirty="0"/>
+          </a:p>
+          <a:p>
+            <a:r>
+              <a:rPr lang="en-US" altLang="zh-CN" dirty="0"/>
+              <a:t>2020.1-2020.2</a:t>
+            </a:r>
+            <a:r>
+              <a:rPr lang="zh-CN" altLang="en-US" dirty="0"/>
+              <a:t>完成新系统的全部工作，测试有关加密搜索功能和其他性能指标</a:t>
+            </a:r>
+          </a:p>
+        </p:txBody>
+      </p:sp>
+      <p:sp>
+        <p:nvSpPr>
+          <p:cNvPr id="4" name="灯片编号占位符 3"/>
+          <p:cNvSpPr>
+            <a:spLocks noGrp="1"/>
+          </p:cNvSpPr>
+          <p:nvPr>
+            <p:ph type="sldNum" sz="quarter" idx="5"/>
+          </p:nvPr>
+        </p:nvSpPr>
+        <p:spPr/>
+        <p:txBody>
+          <a:bodyPr/>
+          <a:lstStyle/>
+          <a:p>
+            <a:fld id="{C81F7DB2-B8EC-9C47-885B-C7A5EAB3413F}" type="slidenum">
+              <a:rPr kumimoji="1" lang="zh-CN" altLang="en-US" smtClean="0"/>
+              <a:t>34</a:t>
+            </a:fld>
+            <a:endParaRPr kumimoji="1" lang="zh-CN" altLang="en-US"/>
+          </a:p>
+        </p:txBody>
+      </p:sp>
+    </p:spTree>
+    <p:extLst>
+      <p:ext uri="{BB962C8B-B14F-4D97-AF65-F5344CB8AC3E}">
+        <p14:creationId xmlns:p14="http://schemas.microsoft.com/office/powerpoint/2010/main" val="220646728"/>
+      </p:ext>
+    </p:extLst>
+  </p:cSld>
+  <p:clrMapOvr>
+    <a:masterClrMapping/>
+  </p:clrMapOvr>
+</p:notes>
+</file>
+
+<file path=ppt/notesSlides/notesSlide33.xml><?xml version="1.0" encoding="utf-8"?>
+<p:notes xmlns:a="http://schemas.openxmlformats.org/drawingml/2006/main" xmlns:r="http://schemas.openxmlformats.org/officeDocument/2006/relationships" xmlns:p="http://schemas.openxmlformats.org/presentationml/2006/main">
+  <p:cSld>
+    <p:spTree>
+      <p:nvGrpSpPr>
+        <p:cNvPr id="1" name=""/>
+        <p:cNvGrpSpPr/>
+        <p:nvPr/>
+      </p:nvGrpSpPr>
+      <p:grpSpPr>
+        <a:xfrm>
+          <a:off x="0" y="0"/>
+          <a:ext cx="0" cy="0"/>
+          <a:chOff x="0" y="0"/>
+          <a:chExt cx="0" cy="0"/>
+        </a:xfrm>
+      </p:grpSpPr>
+      <p:sp>
+        <p:nvSpPr>
+          <p:cNvPr id="2" name="幻灯片图像占位符 1"/>
+          <p:cNvSpPr>
+            <a:spLocks noGrp="1" noRot="1" noChangeAspect="1"/>
+          </p:cNvSpPr>
+          <p:nvPr>
+            <p:ph type="sldImg"/>
+          </p:nvPr>
+        </p:nvSpPr>
+        <p:spPr/>
+      </p:sp>
+      <p:sp>
+        <p:nvSpPr>
+          <p:cNvPr id="3" name="备注占位符 2"/>
+          <p:cNvSpPr>
+            <a:spLocks noGrp="1"/>
+          </p:cNvSpPr>
+          <p:nvPr>
+            <p:ph type="body" idx="1"/>
+          </p:nvPr>
+        </p:nvSpPr>
+        <p:spPr/>
+        <p:txBody>
+          <a:bodyPr/>
+          <a:lstStyle/>
+          <a:p>
+            <a:r>
+              <a:rPr lang="en-US" altLang="zh-CN" dirty="0"/>
+              <a:t>1)</a:t>
+            </a:r>
+            <a:r>
+              <a:rPr lang="zh-CN" altLang="en-US" dirty="0"/>
+              <a:t>你这里网络二字体现在哪？</a:t>
+            </a:r>
+            <a:endParaRPr lang="en-US" altLang="zh-CN" dirty="0"/>
+          </a:p>
+          <a:p>
+            <a:r>
+              <a:rPr lang="zh-CN" altLang="en-US" dirty="0"/>
+              <a:t>我们之所以是在服务器上做是因为想利用服务器强大的计算能力，至于是检测服务器异常还是网络设备异常，这主要看输入的数据是有关服务器的数据还是有关网络设备的数据而定的，其算法模型是一样的，数据不一样，则功能不一样。</a:t>
+            </a:r>
+            <a:endParaRPr lang="en-US" altLang="zh-CN" dirty="0"/>
+          </a:p>
+          <a:p>
+            <a:r>
+              <a:rPr lang="en-US" altLang="zh-CN" dirty="0"/>
+              <a:t>2</a:t>
+            </a:r>
+            <a:r>
+              <a:rPr lang="zh-CN" altLang="en-US" dirty="0"/>
+              <a:t>）看了这么多，你到底是想检测哪些异常？</a:t>
+            </a:r>
+            <a:endParaRPr lang="en-US" altLang="zh-CN" dirty="0"/>
+          </a:p>
+          <a:p>
+            <a:r>
+              <a:rPr lang="zh-CN" altLang="en-US" dirty="0"/>
+              <a:t>对于主机：是否过载，是否遭受攻击（具体哪类攻击）</a:t>
+            </a:r>
+            <a:endParaRPr lang="en-US" altLang="zh-CN" dirty="0"/>
+          </a:p>
+          <a:p>
+            <a:r>
+              <a:rPr lang="zh-CN" altLang="en-US" dirty="0"/>
+              <a:t>对于交换机：是否坏掉了。</a:t>
+            </a:r>
+            <a:endParaRPr lang="en-US" altLang="zh-CN" dirty="0"/>
+          </a:p>
+          <a:p>
+            <a:r>
+              <a:rPr lang="en-US" altLang="zh-CN" dirty="0"/>
+              <a:t>3</a:t>
+            </a:r>
+            <a:r>
+              <a:rPr lang="zh-CN" altLang="en-US" dirty="0"/>
+              <a:t>）你这里的异常检测和故障诊断的区别？</a:t>
+            </a:r>
+            <a:endParaRPr lang="en-US" altLang="zh-CN" dirty="0"/>
+          </a:p>
+          <a:p>
+            <a:r>
+              <a:rPr lang="zh-CN" altLang="en-US" dirty="0"/>
+              <a:t>这里的故障诊断，更多强调的是报告物理上哪台机器出问题了。至于是啥原因造成的异常，在异常检测分类中做了一部分工作，如果还涉及到根因分析的话，那这个工作难度就太了，估计搞出来都可以发</a:t>
+            </a:r>
+            <a:r>
+              <a:rPr lang="en-US" altLang="zh-CN" dirty="0" err="1"/>
+              <a:t>siggcomn</a:t>
+            </a:r>
+            <a:r>
+              <a:rPr lang="zh-CN" altLang="en-US" dirty="0"/>
+              <a:t>。</a:t>
+            </a:r>
+            <a:endParaRPr lang="en-US" altLang="zh-CN" dirty="0"/>
+          </a:p>
+          <a:p>
+            <a:r>
+              <a:rPr lang="en-US" altLang="zh-CN" dirty="0"/>
+              <a:t>4</a:t>
+            </a:r>
+            <a:r>
+              <a:rPr lang="zh-CN" altLang="en-US" dirty="0"/>
+              <a:t>）像交换机失效这种情况，我简单</a:t>
+            </a:r>
+            <a:r>
+              <a:rPr lang="en-US" altLang="zh-CN" dirty="0"/>
+              <a:t>ping</a:t>
+            </a:r>
+            <a:r>
+              <a:rPr lang="zh-CN" altLang="en-US" dirty="0"/>
+              <a:t>一下就可以了，还需要你这种鸡儿玩意吗？</a:t>
+            </a:r>
+            <a:endParaRPr lang="en-US" altLang="zh-CN" dirty="0"/>
+          </a:p>
+          <a:p>
+            <a:r>
+              <a:rPr lang="zh-CN" altLang="en-US" dirty="0"/>
+              <a:t>通过</a:t>
+            </a:r>
+            <a:r>
+              <a:rPr lang="en-US" altLang="zh-CN" dirty="0"/>
+              <a:t>ping</a:t>
+            </a:r>
+            <a:r>
+              <a:rPr lang="zh-CN" altLang="en-US" dirty="0"/>
+              <a:t>来做，只能应对一些简单的情况，对复杂的情况，用</a:t>
+            </a:r>
+            <a:r>
+              <a:rPr lang="en-US" altLang="zh-CN" dirty="0"/>
+              <a:t>if</a:t>
+            </a:r>
+            <a:r>
+              <a:rPr lang="zh-CN" altLang="en-US" dirty="0"/>
+              <a:t>语句可能就不太好弄了。如果加入人工来判定，那就人工智能了，不是机器学习了。</a:t>
+            </a:r>
+            <a:endParaRPr lang="en-US" altLang="zh-CN" dirty="0"/>
+          </a:p>
+          <a:p>
+            <a:r>
+              <a:rPr lang="en-US" altLang="zh-CN" dirty="0"/>
+              <a:t>5</a:t>
+            </a:r>
+            <a:r>
+              <a:rPr lang="zh-CN" altLang="en-US" dirty="0"/>
+              <a:t>）你这个论文谁来指导？</a:t>
+            </a:r>
+            <a:endParaRPr lang="en-US" altLang="zh-CN" dirty="0"/>
+          </a:p>
+          <a:p>
+            <a:r>
+              <a:rPr lang="zh-CN" altLang="en-US" dirty="0"/>
+              <a:t>我这里面获取网络状态参数这一块，涉及到测量，测量这一块伟超老师是大佬。</a:t>
+            </a:r>
+            <a:endParaRPr lang="en-US" altLang="zh-CN" dirty="0"/>
+          </a:p>
+          <a:p>
+            <a:pPr marL="0" marR="0" lvl="0" indent="0" algn="l" defTabSz="914400" rtl="0" eaLnBrk="1" fontAlgn="auto" latinLnBrk="0" hangingPunct="1">
+              <a:lnSpc>
+                <a:spcPct val="100000"/>
+              </a:lnSpc>
+              <a:spcBef>
+                <a:spcPts val="0"/>
+              </a:spcBef>
+              <a:spcAft>
+                <a:spcPts val="0"/>
+              </a:spcAft>
+              <a:buClrTx/>
+              <a:buSzTx/>
+              <a:buFont typeface="Arial" panose="020B0604020202020204" pitchFamily="34" charset="0"/>
+              <a:buNone/>
+              <a:tabLst/>
+              <a:defRPr/>
+            </a:pPr>
+            <a:r>
+              <a:rPr lang="en-US" altLang="zh-CN" dirty="0"/>
+              <a:t>6</a:t>
+            </a:r>
+            <a:r>
+              <a:rPr lang="zh-CN" altLang="en-US" dirty="0"/>
+              <a:t>）基于</a:t>
+            </a:r>
+            <a:r>
+              <a:rPr lang="en-US" altLang="zh-CN" dirty="0"/>
+              <a:t>LSTM</a:t>
+            </a:r>
+            <a:r>
+              <a:rPr lang="zh-CN" altLang="en-US" dirty="0"/>
+              <a:t>和</a:t>
+            </a:r>
+            <a:r>
+              <a:rPr lang="en-US" altLang="zh-CN" dirty="0" err="1"/>
+              <a:t>arama</a:t>
+            </a:r>
+            <a:r>
+              <a:rPr lang="zh-CN" altLang="en-US" dirty="0"/>
+              <a:t>处理时序数据，哪个更好呢？</a:t>
+            </a:r>
+            <a:endParaRPr lang="en-US" altLang="zh-CN" dirty="0"/>
+          </a:p>
+          <a:p>
+            <a:pPr marL="171450" marR="0" lvl="0" indent="-171450" algn="l" defTabSz="914400" rtl="0" eaLnBrk="1" fontAlgn="auto" latinLnBrk="0" hangingPunct="1">
+              <a:lnSpc>
+                <a:spcPct val="100000"/>
+              </a:lnSpc>
+              <a:spcBef>
+                <a:spcPts val="0"/>
+              </a:spcBef>
+              <a:spcAft>
+                <a:spcPts val="0"/>
+              </a:spcAft>
+              <a:buClrTx/>
+              <a:buSzTx/>
+              <a:buFont typeface="Arial" panose="020B0604020202020204" pitchFamily="34" charset="0"/>
+              <a:buChar char="•"/>
+              <a:tabLst/>
+              <a:defRPr/>
+            </a:pPr>
+            <a:r>
+              <a:rPr lang="zh-CN" altLang="en-US" dirty="0"/>
+              <a:t>首先应当明确的是两者的原理根本不同，</a:t>
+            </a:r>
+            <a:r>
+              <a:rPr lang="en-US" altLang="zh-CN" dirty="0"/>
+              <a:t>LSTM</a:t>
+            </a:r>
+            <a:r>
+              <a:rPr lang="zh-CN" altLang="en-US" dirty="0"/>
+              <a:t>本质上是个神经网络，而</a:t>
+            </a:r>
+            <a:r>
+              <a:rPr lang="en-US" altLang="zh-CN" dirty="0" err="1"/>
+              <a:t>arama</a:t>
+            </a:r>
+            <a:r>
+              <a:rPr lang="zh-CN" altLang="en-US" dirty="0"/>
+              <a:t>本质上是通过差分后进行平滑预测。</a:t>
+            </a:r>
+            <a:r>
+              <a:rPr lang="en-US" altLang="zh-CN" dirty="0"/>
+              <a:t>LSTM</a:t>
+            </a:r>
+            <a:r>
+              <a:rPr lang="zh-CN" altLang="en-US" dirty="0"/>
+              <a:t>因为是神经网络，所以训练模型的过程代价很大，是</a:t>
+            </a:r>
+            <a:r>
+              <a:rPr lang="en-US" altLang="zh-CN" dirty="0" err="1"/>
+              <a:t>arama</a:t>
+            </a:r>
+            <a:r>
+              <a:rPr lang="zh-CN" altLang="en-US" dirty="0"/>
+              <a:t>的</a:t>
+            </a:r>
+            <a:r>
+              <a:rPr lang="en-US" altLang="zh-CN" dirty="0"/>
+              <a:t>2000</a:t>
+            </a:r>
+            <a:r>
+              <a:rPr lang="zh-CN" altLang="en-US" dirty="0"/>
+              <a:t>倍，但预测时间比较短。</a:t>
+            </a:r>
+            <a:endParaRPr lang="en-US" altLang="zh-CN" dirty="0"/>
+          </a:p>
+          <a:p>
+            <a:endParaRPr lang="en-US" altLang="zh-CN" dirty="0"/>
+          </a:p>
+        </p:txBody>
+      </p:sp>
+      <p:sp>
+        <p:nvSpPr>
+          <p:cNvPr id="4" name="灯片编号占位符 3"/>
+          <p:cNvSpPr>
+            <a:spLocks noGrp="1"/>
+          </p:cNvSpPr>
+          <p:nvPr>
+            <p:ph type="sldNum" sz="quarter" idx="5"/>
+          </p:nvPr>
+        </p:nvSpPr>
+        <p:spPr/>
+        <p:txBody>
+          <a:bodyPr/>
+          <a:lstStyle/>
+          <a:p>
+            <a:fld id="{4806D0A0-FD96-4910-BAC5-41EC293146BB}" type="slidenum">
+              <a:rPr lang="zh-CN" altLang="en-US" smtClean="0"/>
+              <a:t>35</a:t>
+            </a:fld>
+            <a:endParaRPr lang="zh-CN" altLang="en-US"/>
+          </a:p>
+        </p:txBody>
+      </p:sp>
+    </p:spTree>
+    <p:extLst>
+      <p:ext uri="{BB962C8B-B14F-4D97-AF65-F5344CB8AC3E}">
+        <p14:creationId xmlns:p14="http://schemas.microsoft.com/office/powerpoint/2010/main" val="2845610791"/>
       </p:ext>
     </p:extLst>
   </p:cSld>
@@ -2829,7 +3689,7 @@
           <a:bodyPr/>
           <a:lstStyle/>
           <a:p>
-            <a:endParaRPr lang="zh-CN" altLang="en-US"/>
+            <a:endParaRPr lang="zh-CN" altLang="en-US" dirty="0"/>
           </a:p>
         </p:txBody>
       </p:sp>
@@ -2915,7 +3775,7 @@
           <a:p>
             <a:r>
               <a:rPr lang="zh-CN" altLang="en-US" dirty="0"/>
-              <a:t>接下来我们讲述一下关于在密文检索上的相关工作。首先可搜索加密技术是一项可以在加密数据上检索的安全系统。目前主要有两种方案，第一种是基于对称加密的可搜索加密模型，领挖一种是基于非对称的可搜索加密模型。基于对称加密的可搜索加密模型加密速度快计算量小，适合用在大数据的情况。而非对称可搜索加密模型优点在于可以运行在不安全环境，查询语句也会更加灵活。考虑到可搜索加密模型的实际运行的效率我们主要研究了对称可搜索加密模型</a:t>
+              <a:t>接下来我们讲述一下关于在密文检索上的相关工作。首先可搜索加密技术是一项可以在加密数据上检索的安全系统。目前主要有两种方案，第一种是基于对称加密的可搜索加密模型，领挖一种是基于非对称的可搜索加密模型。基于对称加密的可搜索加密模型加密速度快计算量小，适合用在大数据的情况。而非对称可搜索加密模型优点在于可以运行在不安全环境，查询语句也会更加灵活。考虑到数据量大、低延迟的应用场景我们主要针对对称可搜索加密模型做了研究</a:t>
             </a:r>
             <a:endParaRPr lang="en-US" altLang="zh-CN" dirty="0"/>
           </a:p>
@@ -6996,7 +7856,7 @@
           <a:p>
             <a:fld id="{D1F6A4ED-B612-40EC-8E90-83F3009E2301}" type="datetimeFigureOut">
               <a:rPr lang="zh-CN" altLang="en-US" smtClean="0"/>
-              <a:t>2019/6/25</a:t>
+              <a:t>2019/6/26</a:t>
             </a:fld>
             <a:endParaRPr lang="zh-CN" altLang="en-US"/>
           </a:p>
@@ -18294,7 +19154,7 @@
         <p:spPr>
           <a:xfrm>
             <a:off x="425601" y="1199862"/>
-            <a:ext cx="8995489" cy="1691120"/>
+            <a:ext cx="9482192" cy="1691120"/>
           </a:xfrm>
         </p:spPr>
         <p:txBody>
@@ -18308,23 +19168,7 @@
                   <a:prstClr val="white"/>
                 </a:solidFill>
               </a:rPr>
-              <a:t>基于可搜索加密的新型</a:t>
-            </a:r>
-            <a:endParaRPr lang="en-US" altLang="zh-CN" dirty="0">
-              <a:solidFill>
-                <a:prstClr val="white"/>
-              </a:solidFill>
-            </a:endParaRPr>
-          </a:p>
-          <a:p>
-            <a:pPr algn="ctr"/>
-            <a:r>
-              <a:rPr lang="zh-CN" altLang="en-US" dirty="0">
-                <a:solidFill>
-                  <a:prstClr val="white"/>
-                </a:solidFill>
-              </a:rPr>
-              <a:t>云存储系统研究</a:t>
+              <a:t>动态可搜索加密模型的优化与应用</a:t>
             </a:r>
           </a:p>
         </p:txBody>
@@ -19157,7 +20001,7 @@
                 <a:cs typeface="Calibri" panose="020F0502020204030204" pitchFamily="34" charset="0"/>
                 <a:sym typeface="+mn-lt"/>
               </a:rPr>
-              <a:t>Basic file-trapdoor index</a:t>
+              <a:t>Basic file-keyword index</a:t>
             </a:r>
           </a:p>
           <a:p>
@@ -21249,69 +22093,6 @@
       </p:grpSpPr>
       <p:sp>
         <p:nvSpPr>
-          <p:cNvPr id="12" name="矩形 11">
-            <a:extLst>
-              <a:ext uri="{FF2B5EF4-FFF2-40B4-BE49-F238E27FC236}">
-                <a16:creationId xmlns:a16="http://schemas.microsoft.com/office/drawing/2014/main" id="{CC5E71D5-EF71-4A06-8724-D2AC278F34D6}"/>
-              </a:ext>
-            </a:extLst>
-          </p:cNvPr>
-          <p:cNvSpPr/>
-          <p:nvPr/>
-        </p:nvSpPr>
-        <p:spPr>
-          <a:xfrm>
-            <a:off x="749820" y="3324225"/>
-            <a:ext cx="1819267" cy="1533525"/>
-          </a:xfrm>
-          <a:prstGeom prst="rect">
-            <a:avLst/>
-          </a:prstGeom>
-          <a:solidFill>
-            <a:schemeClr val="bg1">
-              <a:lumMod val="95000"/>
-            </a:schemeClr>
-          </a:solidFill>
-          <a:ln>
-            <a:solidFill>
-              <a:schemeClr val="tx1"/>
-            </a:solidFill>
-          </a:ln>
-        </p:spPr>
-        <p:style>
-          <a:lnRef idx="2">
-            <a:schemeClr val="accent1">
-              <a:shade val="50000"/>
-            </a:schemeClr>
-          </a:lnRef>
-          <a:fillRef idx="1">
-            <a:schemeClr val="accent1"/>
-          </a:fillRef>
-          <a:effectRef idx="0">
-            <a:schemeClr val="accent1"/>
-          </a:effectRef>
-          <a:fontRef idx="minor">
-            <a:schemeClr val="lt1"/>
-          </a:fontRef>
-        </p:style>
-        <p:txBody>
-          <a:bodyPr rtlCol="0" anchor="ctr"/>
-          <a:lstStyle/>
-          <a:p>
-            <a:pPr algn="ctr">
-              <a:lnSpc>
-                <a:spcPct val="130000"/>
-              </a:lnSpc>
-            </a:pPr>
-            <a:endParaRPr lang="zh-CN" altLang="en-US" sz="1200" dirty="0">
-              <a:latin typeface="微软雅黑" panose="020B0503020204020204" pitchFamily="34" charset="-122"/>
-              <a:ea typeface="微软雅黑" panose="020B0503020204020204" pitchFamily="34" charset="-122"/>
-            </a:endParaRPr>
-          </a:p>
-        </p:txBody>
-      </p:sp>
-      <p:sp>
-        <p:nvSpPr>
           <p:cNvPr id="2" name="文本占位符 1">
             <a:extLst>
               <a:ext uri="{FF2B5EF4-FFF2-40B4-BE49-F238E27FC236}">
@@ -21447,10 +22228,10 @@
       </p:sp>
       <p:sp>
         <p:nvSpPr>
-          <p:cNvPr id="6" name="文本框 5">
+          <p:cNvPr id="8" name="文本框 7">
             <a:extLst>
               <a:ext uri="{FF2B5EF4-FFF2-40B4-BE49-F238E27FC236}">
-                <a16:creationId xmlns:a16="http://schemas.microsoft.com/office/drawing/2014/main" id="{FC3FBA29-45B9-44E2-BF49-56FD5DD0E493}"/>
+                <a16:creationId xmlns:a16="http://schemas.microsoft.com/office/drawing/2014/main" id="{AF5204E0-565C-40B1-A500-AE271C32852D}"/>
               </a:ext>
             </a:extLst>
           </p:cNvPr>
@@ -21459,8 +22240,8 @@
         </p:nvSpPr>
         <p:spPr>
           <a:xfrm>
-            <a:off x="962025" y="3505200"/>
-            <a:ext cx="914400" cy="349776"/>
+            <a:off x="749820" y="3098202"/>
+            <a:ext cx="3289742" cy="460126"/>
           </a:xfrm>
           <a:prstGeom prst="rect">
             <a:avLst/>
@@ -21482,15 +22263,24 @@
               </a:spcBef>
             </a:pPr>
             <a:r>
-              <a:rPr lang="en-US" altLang="zh-CN" sz="1400" kern="0" dirty="0">
+              <a:rPr lang="en-US" altLang="zh-CN" sz="2000" kern="0" dirty="0">
+                <a:latin typeface="黑体" panose="02010609060101010101" pitchFamily="49" charset="-122"/>
+                <a:ea typeface="黑体" panose="02010609060101010101" pitchFamily="49" charset="-122"/>
+                <a:cs typeface="Calibri" panose="020F0502020204030204" pitchFamily="34" charset="0"/>
+                <a:sym typeface="+mn-lt"/>
+              </a:rPr>
+              <a:t>①</a:t>
+            </a:r>
+            <a:r>
+              <a:rPr lang="en-US" altLang="zh-CN" sz="2000" kern="0" dirty="0">
                 <a:latin typeface="Calibri" panose="020F0502020204030204" pitchFamily="34" charset="0"/>
                 <a:ea typeface="微软雅黑" panose="020B0503020204020204" pitchFamily="34" charset="-122"/>
                 <a:cs typeface="Calibri" panose="020F0502020204030204" pitchFamily="34" charset="0"/>
                 <a:sym typeface="+mn-lt"/>
               </a:rPr>
-              <a:t>Keyword</a:t>
-            </a:r>
-            <a:endParaRPr lang="zh-CN" altLang="en-US" sz="1400" kern="0" dirty="0">
+              <a:t>Inverted Index hit</a:t>
+            </a:r>
+            <a:endParaRPr lang="zh-CN" altLang="en-US" sz="2000" kern="0" dirty="0">
               <a:latin typeface="Calibri" panose="020F0502020204030204" pitchFamily="34" charset="0"/>
               <a:ea typeface="微软雅黑" panose="020B0503020204020204" pitchFamily="34" charset="-122"/>
               <a:cs typeface="Calibri" panose="020F0502020204030204" pitchFamily="34" charset="0"/>
@@ -21499,12 +22289,298 @@
           </a:p>
         </p:txBody>
       </p:sp>
+      <p:graphicFrame>
+        <p:nvGraphicFramePr>
+          <p:cNvPr id="14" name="表格 13">
+            <a:extLst>
+              <a:ext uri="{FF2B5EF4-FFF2-40B4-BE49-F238E27FC236}">
+                <a16:creationId xmlns:a16="http://schemas.microsoft.com/office/drawing/2014/main" id="{90E090C3-DFD0-4E8E-B3BD-EC3310AAC522}"/>
+              </a:ext>
+            </a:extLst>
+          </p:cNvPr>
+          <p:cNvGraphicFramePr>
+            <a:graphicFrameLocks noGrp="1"/>
+          </p:cNvGraphicFramePr>
+          <p:nvPr>
+            <p:extLst>
+              <p:ext uri="{D42A27DB-BD31-4B8C-83A1-F6EECF244321}">
+                <p14:modId xmlns:p14="http://schemas.microsoft.com/office/powerpoint/2010/main" val="487789478"/>
+              </p:ext>
+            </p:extLst>
+          </p:nvPr>
+        </p:nvGraphicFramePr>
+        <p:xfrm>
+          <a:off x="5866304" y="3174978"/>
+          <a:ext cx="5030296" cy="1112520"/>
+        </p:xfrm>
+        <a:graphic>
+          <a:graphicData uri="http://schemas.openxmlformats.org/drawingml/2006/table">
+            <a:tbl>
+              <a:tblPr firstRow="1" bandRow="1">
+                <a:tableStyleId>{5C22544A-7EE6-4342-B048-85BDC9FD1C3A}</a:tableStyleId>
+              </a:tblPr>
+              <a:tblGrid>
+                <a:gridCol w="1257574">
+                  <a:extLst>
+                    <a:ext uri="{9D8B030D-6E8A-4147-A177-3AD203B41FA5}">
+                      <a16:colId xmlns:a16="http://schemas.microsoft.com/office/drawing/2014/main" val="3484214010"/>
+                    </a:ext>
+                  </a:extLst>
+                </a:gridCol>
+                <a:gridCol w="1257574">
+                  <a:extLst>
+                    <a:ext uri="{9D8B030D-6E8A-4147-A177-3AD203B41FA5}">
+                      <a16:colId xmlns:a16="http://schemas.microsoft.com/office/drawing/2014/main" val="2645634970"/>
+                    </a:ext>
+                  </a:extLst>
+                </a:gridCol>
+                <a:gridCol w="1257574">
+                  <a:extLst>
+                    <a:ext uri="{9D8B030D-6E8A-4147-A177-3AD203B41FA5}">
+                      <a16:colId xmlns:a16="http://schemas.microsoft.com/office/drawing/2014/main" val="2853645178"/>
+                    </a:ext>
+                  </a:extLst>
+                </a:gridCol>
+                <a:gridCol w="1257574">
+                  <a:extLst>
+                    <a:ext uri="{9D8B030D-6E8A-4147-A177-3AD203B41FA5}">
+                      <a16:colId xmlns:a16="http://schemas.microsoft.com/office/drawing/2014/main" val="1022787832"/>
+                    </a:ext>
+                  </a:extLst>
+                </a:gridCol>
+              </a:tblGrid>
+              <a:tr h="370840">
+                <a:tc>
+                  <a:txBody>
+                    <a:bodyPr/>
+                    <a:lstStyle/>
+                    <a:p>
+                      <a:r>
+                        <a:rPr lang="en-US" altLang="zh-CN" dirty="0"/>
+                        <a:t>Trapdoor</a:t>
+                      </a:r>
+                      <a:endParaRPr lang="zh-CN" altLang="en-US" dirty="0"/>
+                    </a:p>
+                  </a:txBody>
+                  <a:tcPr>
+                    <a:solidFill>
+                      <a:schemeClr val="accent1"/>
+                    </a:solidFill>
+                  </a:tcPr>
+                </a:tc>
+                <a:tc>
+                  <a:txBody>
+                    <a:bodyPr/>
+                    <a:lstStyle/>
+                    <a:p>
+                      <a:r>
+                        <a:rPr lang="en-US" altLang="zh-CN" dirty="0"/>
+                        <a:t>file 1</a:t>
+                      </a:r>
+                      <a:endParaRPr lang="zh-CN" altLang="en-US" dirty="0"/>
+                    </a:p>
+                  </a:txBody>
+                  <a:tcPr>
+                    <a:solidFill>
+                      <a:schemeClr val="accent1"/>
+                    </a:solidFill>
+                  </a:tcPr>
+                </a:tc>
+                <a:tc>
+                  <a:txBody>
+                    <a:bodyPr/>
+                    <a:lstStyle/>
+                    <a:p>
+                      <a:r>
+                        <a:rPr lang="en-US" altLang="zh-CN" dirty="0"/>
+                        <a:t>file 2</a:t>
+                      </a:r>
+                      <a:endParaRPr lang="zh-CN" altLang="en-US" dirty="0"/>
+                    </a:p>
+                  </a:txBody>
+                  <a:tcPr>
+                    <a:solidFill>
+                      <a:schemeClr val="accent1"/>
+                    </a:solidFill>
+                  </a:tcPr>
+                </a:tc>
+                <a:tc>
+                  <a:txBody>
+                    <a:bodyPr/>
+                    <a:lstStyle/>
+                    <a:p>
+                      <a:pPr marL="0" marR="0" lvl="0" indent="0" algn="l" defTabSz="914400" rtl="0" eaLnBrk="1" fontAlgn="auto" latinLnBrk="0" hangingPunct="1">
+                        <a:lnSpc>
+                          <a:spcPct val="100000"/>
+                        </a:lnSpc>
+                        <a:spcBef>
+                          <a:spcPts val="0"/>
+                        </a:spcBef>
+                        <a:spcAft>
+                          <a:spcPts val="0"/>
+                        </a:spcAft>
+                        <a:buClrTx/>
+                        <a:buSzTx/>
+                        <a:buFontTx/>
+                        <a:buNone/>
+                        <a:tabLst/>
+                        <a:defRPr/>
+                      </a:pPr>
+                      <a:r>
+                        <a:rPr lang="en-US" altLang="zh-CN" dirty="0"/>
+                        <a:t>file 3</a:t>
+                      </a:r>
+                      <a:endParaRPr lang="zh-CN" altLang="en-US" dirty="0"/>
+                    </a:p>
+                  </a:txBody>
+                  <a:tcPr>
+                    <a:solidFill>
+                      <a:schemeClr val="accent1"/>
+                    </a:solidFill>
+                  </a:tcPr>
+                </a:tc>
+                <a:extLst>
+                  <a:ext uri="{0D108BD9-81ED-4DB2-BD59-A6C34878D82A}">
+                    <a16:rowId xmlns:a16="http://schemas.microsoft.com/office/drawing/2014/main" val="645961219"/>
+                  </a:ext>
+                </a:extLst>
+              </a:tr>
+              <a:tr h="370840">
+                <a:tc>
+                  <a:txBody>
+                    <a:bodyPr/>
+                    <a:lstStyle/>
+                    <a:p>
+                      <a:endParaRPr lang="zh-CN" altLang="en-US" dirty="0"/>
+                    </a:p>
+                  </a:txBody>
+                  <a:tcPr>
+                    <a:solidFill>
+                      <a:schemeClr val="accent1"/>
+                    </a:solidFill>
+                  </a:tcPr>
+                </a:tc>
+                <a:tc>
+                  <a:txBody>
+                    <a:bodyPr/>
+                    <a:lstStyle/>
+                    <a:p>
+                      <a:endParaRPr lang="zh-CN" altLang="en-US" dirty="0"/>
+                    </a:p>
+                  </a:txBody>
+                  <a:tcPr>
+                    <a:solidFill>
+                      <a:schemeClr val="accent1"/>
+                    </a:solidFill>
+                  </a:tcPr>
+                </a:tc>
+                <a:tc>
+                  <a:txBody>
+                    <a:bodyPr/>
+                    <a:lstStyle/>
+                    <a:p>
+                      <a:endParaRPr lang="zh-CN" altLang="en-US" dirty="0"/>
+                    </a:p>
+                  </a:txBody>
+                  <a:tcPr>
+                    <a:solidFill>
+                      <a:schemeClr val="accent1"/>
+                    </a:solidFill>
+                  </a:tcPr>
+                </a:tc>
+                <a:tc>
+                  <a:txBody>
+                    <a:bodyPr/>
+                    <a:lstStyle/>
+                    <a:p>
+                      <a:endParaRPr lang="zh-CN" altLang="en-US" dirty="0"/>
+                    </a:p>
+                  </a:txBody>
+                  <a:tcPr>
+                    <a:solidFill>
+                      <a:schemeClr val="accent1"/>
+                    </a:solidFill>
+                  </a:tcPr>
+                </a:tc>
+                <a:extLst>
+                  <a:ext uri="{0D108BD9-81ED-4DB2-BD59-A6C34878D82A}">
+                    <a16:rowId xmlns:a16="http://schemas.microsoft.com/office/drawing/2014/main" val="3317916699"/>
+                  </a:ext>
+                </a:extLst>
+              </a:tr>
+              <a:tr h="370840">
+                <a:tc>
+                  <a:txBody>
+                    <a:bodyPr/>
+                    <a:lstStyle/>
+                    <a:p>
+                      <a:endParaRPr lang="zh-CN" altLang="en-US" dirty="0"/>
+                    </a:p>
+                  </a:txBody>
+                  <a:tcPr>
+                    <a:solidFill>
+                      <a:schemeClr val="accent1"/>
+                    </a:solidFill>
+                  </a:tcPr>
+                </a:tc>
+                <a:tc>
+                  <a:txBody>
+                    <a:bodyPr/>
+                    <a:lstStyle/>
+                    <a:p>
+                      <a:endParaRPr lang="zh-CN" altLang="en-US" dirty="0"/>
+                    </a:p>
+                  </a:txBody>
+                  <a:tcPr>
+                    <a:solidFill>
+                      <a:schemeClr val="accent1"/>
+                    </a:solidFill>
+                  </a:tcPr>
+                </a:tc>
+                <a:tc>
+                  <a:txBody>
+                    <a:bodyPr/>
+                    <a:lstStyle/>
+                    <a:p>
+                      <a:endParaRPr lang="zh-CN" altLang="en-US"/>
+                    </a:p>
+                  </a:txBody>
+                  <a:tcPr>
+                    <a:solidFill>
+                      <a:schemeClr val="accent1"/>
+                    </a:solidFill>
+                  </a:tcPr>
+                </a:tc>
+                <a:tc>
+                  <a:txBody>
+                    <a:bodyPr/>
+                    <a:lstStyle/>
+                    <a:p>
+                      <a:endParaRPr lang="zh-CN" altLang="en-US" dirty="0"/>
+                    </a:p>
+                  </a:txBody>
+                  <a:tcPr>
+                    <a:solidFill>
+                      <a:schemeClr val="accent1"/>
+                    </a:solidFill>
+                  </a:tcPr>
+                </a:tc>
+                <a:extLst>
+                  <a:ext uri="{0D108BD9-81ED-4DB2-BD59-A6C34878D82A}">
+                    <a16:rowId xmlns:a16="http://schemas.microsoft.com/office/drawing/2014/main" val="2706606378"/>
+                  </a:ext>
+                </a:extLst>
+              </a:tr>
+            </a:tbl>
+          </a:graphicData>
+        </a:graphic>
+      </p:graphicFrame>
       <p:sp>
         <p:nvSpPr>
-          <p:cNvPr id="7" name="文本框 6">
+          <p:cNvPr id="15" name="文本框 14">
             <a:extLst>
               <a:ext uri="{FF2B5EF4-FFF2-40B4-BE49-F238E27FC236}">
-                <a16:creationId xmlns:a16="http://schemas.microsoft.com/office/drawing/2014/main" id="{62187DE6-27E1-446C-9620-F42A356E0B02}"/>
+                <a16:creationId xmlns:a16="http://schemas.microsoft.com/office/drawing/2014/main" id="{A6A7B290-027D-4299-9BE1-9FD993AB4FD9}"/>
               </a:ext>
             </a:extLst>
           </p:cNvPr>
@@ -21513,8 +22589,8 @@
         </p:nvSpPr>
         <p:spPr>
           <a:xfrm>
-            <a:off x="962025" y="4340019"/>
-            <a:ext cx="914400" cy="349776"/>
+            <a:off x="10896600" y="3041223"/>
+            <a:ext cx="1295400" cy="827919"/>
           </a:xfrm>
           <a:prstGeom prst="rect">
             <a:avLst/>
@@ -21536,15 +22612,15 @@
               </a:spcBef>
             </a:pPr>
             <a:r>
-              <a:rPr lang="en-US" altLang="zh-CN" sz="1400" kern="0" dirty="0">
+              <a:rPr lang="en-US" altLang="zh-CN" sz="4000" kern="0">
                 <a:latin typeface="Calibri" panose="020F0502020204030204" pitchFamily="34" charset="0"/>
                 <a:ea typeface="微软雅黑" panose="020B0503020204020204" pitchFamily="34" charset="-122"/>
                 <a:cs typeface="Calibri" panose="020F0502020204030204" pitchFamily="34" charset="0"/>
                 <a:sym typeface="+mn-lt"/>
               </a:rPr>
-              <a:t>Trapdoor</a:t>
-            </a:r>
-            <a:endParaRPr lang="zh-CN" altLang="en-US" sz="1400" kern="0" dirty="0">
+              <a:t>………</a:t>
+            </a:r>
+            <a:endParaRPr lang="zh-CN" altLang="en-US" sz="4000" kern="0" dirty="0">
               <a:latin typeface="Calibri" panose="020F0502020204030204" pitchFamily="34" charset="0"/>
               <a:ea typeface="微软雅黑" panose="020B0503020204020204" pitchFamily="34" charset="-122"/>
               <a:cs typeface="Calibri" panose="020F0502020204030204" pitchFamily="34" charset="0"/>
@@ -21553,31 +22629,1791 @@
           </a:p>
         </p:txBody>
       </p:sp>
+      <p:graphicFrame>
+        <p:nvGraphicFramePr>
+          <p:cNvPr id="16" name="表格 15">
+            <a:extLst>
+              <a:ext uri="{FF2B5EF4-FFF2-40B4-BE49-F238E27FC236}">
+                <a16:creationId xmlns:a16="http://schemas.microsoft.com/office/drawing/2014/main" id="{A8120620-C353-45BC-8B6A-7B53AF87BFEE}"/>
+              </a:ext>
+            </a:extLst>
+          </p:cNvPr>
+          <p:cNvGraphicFramePr>
+            <a:graphicFrameLocks noGrp="1"/>
+          </p:cNvGraphicFramePr>
+          <p:nvPr>
+            <p:extLst>
+              <p:ext uri="{D42A27DB-BD31-4B8C-83A1-F6EECF244321}">
+                <p14:modId xmlns:p14="http://schemas.microsoft.com/office/powerpoint/2010/main" val="3113075270"/>
+              </p:ext>
+            </p:extLst>
+          </p:nvPr>
+        </p:nvGraphicFramePr>
+        <p:xfrm>
+          <a:off x="973109" y="4389250"/>
+          <a:ext cx="2162286" cy="370840"/>
+        </p:xfrm>
+        <a:graphic>
+          <a:graphicData uri="http://schemas.openxmlformats.org/drawingml/2006/table">
+            <a:tbl>
+              <a:tblPr firstRow="1" bandRow="1">
+                <a:tableStyleId>{5C22544A-7EE6-4342-B048-85BDC9FD1C3A}</a:tableStyleId>
+              </a:tblPr>
+              <a:tblGrid>
+                <a:gridCol w="2162286">
+                  <a:extLst>
+                    <a:ext uri="{9D8B030D-6E8A-4147-A177-3AD203B41FA5}">
+                      <a16:colId xmlns:a16="http://schemas.microsoft.com/office/drawing/2014/main" val="409484730"/>
+                    </a:ext>
+                  </a:extLst>
+                </a:gridCol>
+              </a:tblGrid>
+              <a:tr h="370840">
+                <a:tc>
+                  <a:txBody>
+                    <a:bodyPr/>
+                    <a:lstStyle/>
+                    <a:p>
+                      <a:pPr algn="ctr"/>
+                      <a:r>
+                        <a:rPr lang="en-US" altLang="zh-CN" dirty="0"/>
+                        <a:t>Trapdoor</a:t>
+                      </a:r>
+                      <a:endParaRPr lang="zh-CN" altLang="en-US" dirty="0"/>
+                    </a:p>
+                  </a:txBody>
+                  <a:tcPr/>
+                </a:tc>
+                <a:extLst>
+                  <a:ext uri="{0D108BD9-81ED-4DB2-BD59-A6C34878D82A}">
+                    <a16:rowId xmlns:a16="http://schemas.microsoft.com/office/drawing/2014/main" val="4232001770"/>
+                  </a:ext>
+                </a:extLst>
+              </a:tr>
+            </a:tbl>
+          </a:graphicData>
+        </a:graphic>
+      </p:graphicFrame>
       <p:cxnSp>
         <p:nvCxnSpPr>
-          <p:cNvPr id="9" name="直接箭头连接符 8">
+          <p:cNvPr id="17" name="直接箭头连接符 16">
             <a:extLst>
               <a:ext uri="{FF2B5EF4-FFF2-40B4-BE49-F238E27FC236}">
-                <a16:creationId xmlns:a16="http://schemas.microsoft.com/office/drawing/2014/main" id="{D6D80438-A38D-4F29-917E-F666D8142359}"/>
+                <a16:creationId xmlns:a16="http://schemas.microsoft.com/office/drawing/2014/main" id="{3E2E4E10-139C-479D-BDD1-B3ADFEEBEBA6}"/>
               </a:ext>
             </a:extLst>
           </p:cNvPr>
           <p:cNvCxnSpPr>
             <a:cxnSpLocks/>
-            <a:stCxn id="6" idx="2"/>
-            <a:endCxn id="7" idx="0"/>
+            <a:endCxn id="14" idx="1"/>
+          </p:cNvCxnSpPr>
+          <p:nvPr/>
+        </p:nvCxnSpPr>
+        <p:spPr>
+          <a:xfrm flipV="1">
+            <a:off x="3232284" y="3731238"/>
+            <a:ext cx="2634020" cy="855976"/>
+          </a:xfrm>
+          <a:prstGeom prst="straightConnector1">
+            <a:avLst/>
+          </a:prstGeom>
+          <a:ln w="63500">
+            <a:tailEnd type="triangle"/>
+          </a:ln>
+        </p:spPr>
+        <p:style>
+          <a:lnRef idx="1">
+            <a:schemeClr val="accent1"/>
+          </a:lnRef>
+          <a:fillRef idx="0">
+            <a:schemeClr val="accent1"/>
+          </a:fillRef>
+          <a:effectRef idx="0">
+            <a:schemeClr val="accent1"/>
+          </a:effectRef>
+          <a:fontRef idx="minor">
+            <a:schemeClr val="tx1"/>
+          </a:fontRef>
+        </p:style>
+      </p:cxnSp>
+      <p:cxnSp>
+        <p:nvCxnSpPr>
+          <p:cNvPr id="18" name="直接箭头连接符 17">
+            <a:extLst>
+              <a:ext uri="{FF2B5EF4-FFF2-40B4-BE49-F238E27FC236}">
+                <a16:creationId xmlns:a16="http://schemas.microsoft.com/office/drawing/2014/main" id="{73CD0C2B-55ED-41C1-8DDF-1BAE15E220DA}"/>
+              </a:ext>
+            </a:extLst>
+          </p:cNvPr>
+          <p:cNvCxnSpPr>
+            <a:cxnSpLocks/>
           </p:cNvCxnSpPr>
           <p:nvPr/>
         </p:nvCxnSpPr>
         <p:spPr>
           <a:xfrm>
-            <a:off x="1419225" y="3854976"/>
-            <a:ext cx="0" cy="485043"/>
+            <a:off x="8381452" y="5066852"/>
+            <a:ext cx="0" cy="1055847"/>
           </a:xfrm>
           <a:prstGeom prst="straightConnector1">
             <a:avLst/>
           </a:prstGeom>
-          <a:ln>
+          <a:ln w="63500">
+            <a:tailEnd type="triangle"/>
+          </a:ln>
+        </p:spPr>
+        <p:style>
+          <a:lnRef idx="1">
+            <a:schemeClr val="accent1"/>
+          </a:lnRef>
+          <a:fillRef idx="0">
+            <a:schemeClr val="accent1"/>
+          </a:fillRef>
+          <a:effectRef idx="0">
+            <a:schemeClr val="accent1"/>
+          </a:effectRef>
+          <a:fontRef idx="minor">
+            <a:schemeClr val="tx1"/>
+          </a:fontRef>
+        </p:style>
+      </p:cxnSp>
+      <p:graphicFrame>
+        <p:nvGraphicFramePr>
+          <p:cNvPr id="19" name="表格 18">
+            <a:extLst>
+              <a:ext uri="{FF2B5EF4-FFF2-40B4-BE49-F238E27FC236}">
+                <a16:creationId xmlns:a16="http://schemas.microsoft.com/office/drawing/2014/main" id="{E8830898-C283-452E-911E-0BFF39C6B734}"/>
+              </a:ext>
+            </a:extLst>
+          </p:cNvPr>
+          <p:cNvGraphicFramePr>
+            <a:graphicFrameLocks noGrp="1"/>
+          </p:cNvGraphicFramePr>
+          <p:nvPr>
+            <p:extLst>
+              <p:ext uri="{D42A27DB-BD31-4B8C-83A1-F6EECF244321}">
+                <p14:modId xmlns:p14="http://schemas.microsoft.com/office/powerpoint/2010/main" val="943751207"/>
+              </p:ext>
+            </p:extLst>
+          </p:nvPr>
+        </p:nvGraphicFramePr>
+        <p:xfrm>
+          <a:off x="5459116" y="6122699"/>
+          <a:ext cx="5632155" cy="370840"/>
+        </p:xfrm>
+        <a:graphic>
+          <a:graphicData uri="http://schemas.openxmlformats.org/drawingml/2006/table">
+            <a:tbl>
+              <a:tblPr firstRow="1" bandRow="1">
+                <a:tableStyleId>{5C22544A-7EE6-4342-B048-85BDC9FD1C3A}</a:tableStyleId>
+              </a:tblPr>
+              <a:tblGrid>
+                <a:gridCol w="1126431">
+                  <a:extLst>
+                    <a:ext uri="{9D8B030D-6E8A-4147-A177-3AD203B41FA5}">
+                      <a16:colId xmlns:a16="http://schemas.microsoft.com/office/drawing/2014/main" val="1824667481"/>
+                    </a:ext>
+                  </a:extLst>
+                </a:gridCol>
+                <a:gridCol w="1126431">
+                  <a:extLst>
+                    <a:ext uri="{9D8B030D-6E8A-4147-A177-3AD203B41FA5}">
+                      <a16:colId xmlns:a16="http://schemas.microsoft.com/office/drawing/2014/main" val="2105693107"/>
+                    </a:ext>
+                  </a:extLst>
+                </a:gridCol>
+                <a:gridCol w="1126431">
+                  <a:extLst>
+                    <a:ext uri="{9D8B030D-6E8A-4147-A177-3AD203B41FA5}">
+                      <a16:colId xmlns:a16="http://schemas.microsoft.com/office/drawing/2014/main" val="4102213189"/>
+                    </a:ext>
+                  </a:extLst>
+                </a:gridCol>
+                <a:gridCol w="1126431">
+                  <a:extLst>
+                    <a:ext uri="{9D8B030D-6E8A-4147-A177-3AD203B41FA5}">
+                      <a16:colId xmlns:a16="http://schemas.microsoft.com/office/drawing/2014/main" val="329253003"/>
+                    </a:ext>
+                  </a:extLst>
+                </a:gridCol>
+                <a:gridCol w="1126431">
+                  <a:extLst>
+                    <a:ext uri="{9D8B030D-6E8A-4147-A177-3AD203B41FA5}">
+                      <a16:colId xmlns:a16="http://schemas.microsoft.com/office/drawing/2014/main" val="1037190927"/>
+                    </a:ext>
+                  </a:extLst>
+                </a:gridCol>
+              </a:tblGrid>
+              <a:tr h="370840">
+                <a:tc>
+                  <a:txBody>
+                    <a:bodyPr/>
+                    <a:lstStyle/>
+                    <a:p>
+                      <a:r>
+                        <a:rPr lang="en-US" altLang="zh-CN" dirty="0"/>
+                        <a:t>File1</a:t>
+                      </a:r>
+                      <a:endParaRPr lang="zh-CN" altLang="en-US" dirty="0"/>
+                    </a:p>
+                  </a:txBody>
+                  <a:tcPr/>
+                </a:tc>
+                <a:tc>
+                  <a:txBody>
+                    <a:bodyPr/>
+                    <a:lstStyle/>
+                    <a:p>
+                      <a:r>
+                        <a:rPr lang="en-US" altLang="zh-CN" b="0" dirty="0"/>
+                        <a:t>File2</a:t>
+                      </a:r>
+                      <a:endParaRPr lang="zh-CN" altLang="en-US" b="0" dirty="0"/>
+                    </a:p>
+                  </a:txBody>
+                  <a:tcPr/>
+                </a:tc>
+                <a:tc>
+                  <a:txBody>
+                    <a:bodyPr/>
+                    <a:lstStyle/>
+                    <a:p>
+                      <a:r>
+                        <a:rPr lang="en-US" altLang="zh-CN" dirty="0"/>
+                        <a:t>File3</a:t>
+                      </a:r>
+                      <a:endParaRPr lang="zh-CN" altLang="en-US" dirty="0"/>
+                    </a:p>
+                  </a:txBody>
+                  <a:tcPr/>
+                </a:tc>
+                <a:tc>
+                  <a:txBody>
+                    <a:bodyPr/>
+                    <a:lstStyle/>
+                    <a:p>
+                      <a:r>
+                        <a:rPr lang="en-US" altLang="zh-CN" dirty="0"/>
+                        <a:t>File4</a:t>
+                      </a:r>
+                      <a:endParaRPr lang="zh-CN" altLang="en-US" dirty="0"/>
+                    </a:p>
+                  </a:txBody>
+                  <a:tcPr/>
+                </a:tc>
+                <a:tc>
+                  <a:txBody>
+                    <a:bodyPr/>
+                    <a:lstStyle/>
+                    <a:p>
+                      <a:r>
+                        <a:rPr lang="en-US" altLang="zh-CN" dirty="0"/>
+                        <a:t>file</a:t>
+                      </a:r>
+                      <a:endParaRPr lang="zh-CN" altLang="en-US" dirty="0"/>
+                    </a:p>
+                  </a:txBody>
+                  <a:tcPr/>
+                </a:tc>
+                <a:extLst>
+                  <a:ext uri="{0D108BD9-81ED-4DB2-BD59-A6C34878D82A}">
+                    <a16:rowId xmlns:a16="http://schemas.microsoft.com/office/drawing/2014/main" val="1100509616"/>
+                  </a:ext>
+                </a:extLst>
+              </a:tr>
+            </a:tbl>
+          </a:graphicData>
+        </a:graphic>
+      </p:graphicFrame>
+      <p:sp>
+        <p:nvSpPr>
+          <p:cNvPr id="20" name="文本框 19">
+            <a:extLst>
+              <a:ext uri="{FF2B5EF4-FFF2-40B4-BE49-F238E27FC236}">
+                <a16:creationId xmlns:a16="http://schemas.microsoft.com/office/drawing/2014/main" id="{17097275-06D5-45B1-A3BB-CAE9891169CE}"/>
+              </a:ext>
+            </a:extLst>
+          </p:cNvPr>
+          <p:cNvSpPr txBox="1"/>
+          <p:nvPr/>
+        </p:nvSpPr>
+        <p:spPr>
+          <a:xfrm>
+            <a:off x="8233814" y="4339624"/>
+            <a:ext cx="295275" cy="634982"/>
+          </a:xfrm>
+          <a:prstGeom prst="rect">
+            <a:avLst/>
+          </a:prstGeom>
+          <a:noFill/>
+        </p:spPr>
+        <p:txBody>
+          <a:bodyPr wrap="square" rtlCol="0">
+            <a:spAutoFit/>
+          </a:bodyPr>
+          <a:lstStyle/>
+          <a:p>
+            <a:pPr>
+              <a:lnSpc>
+                <a:spcPts val="10"/>
+              </a:lnSpc>
+              <a:spcBef>
+                <a:spcPts val="600"/>
+              </a:spcBef>
+            </a:pPr>
+            <a:r>
+              <a:rPr lang="en-US" altLang="zh-CN" sz="4000" kern="0" dirty="0">
+                <a:latin typeface="Calibri" panose="020F0502020204030204" pitchFamily="34" charset="0"/>
+                <a:ea typeface="微软雅黑" panose="020B0503020204020204" pitchFamily="34" charset="-122"/>
+                <a:cs typeface="Calibri" panose="020F0502020204030204" pitchFamily="34" charset="0"/>
+                <a:sym typeface="+mn-lt"/>
+              </a:rPr>
+              <a:t>.</a:t>
+            </a:r>
+          </a:p>
+          <a:p>
+            <a:pPr>
+              <a:lnSpc>
+                <a:spcPts val="510"/>
+              </a:lnSpc>
+              <a:spcBef>
+                <a:spcPts val="600"/>
+              </a:spcBef>
+            </a:pPr>
+            <a:r>
+              <a:rPr lang="en-US" altLang="zh-CN" sz="4000" kern="0" dirty="0">
+                <a:latin typeface="Calibri" panose="020F0502020204030204" pitchFamily="34" charset="0"/>
+                <a:ea typeface="微软雅黑" panose="020B0503020204020204" pitchFamily="34" charset="-122"/>
+                <a:cs typeface="Calibri" panose="020F0502020204030204" pitchFamily="34" charset="0"/>
+                <a:sym typeface="+mn-lt"/>
+              </a:rPr>
+              <a:t>.</a:t>
+            </a:r>
+          </a:p>
+          <a:p>
+            <a:pPr>
+              <a:lnSpc>
+                <a:spcPts val="510"/>
+              </a:lnSpc>
+              <a:spcBef>
+                <a:spcPts val="600"/>
+              </a:spcBef>
+            </a:pPr>
+            <a:r>
+              <a:rPr lang="en-US" altLang="zh-CN" sz="4000" kern="0" dirty="0">
+                <a:latin typeface="Calibri" panose="020F0502020204030204" pitchFamily="34" charset="0"/>
+                <a:ea typeface="微软雅黑" panose="020B0503020204020204" pitchFamily="34" charset="-122"/>
+                <a:cs typeface="Calibri" panose="020F0502020204030204" pitchFamily="34" charset="0"/>
+                <a:sym typeface="+mn-lt"/>
+              </a:rPr>
+              <a:t>.</a:t>
+            </a:r>
+          </a:p>
+          <a:p>
+            <a:pPr>
+              <a:lnSpc>
+                <a:spcPts val="510"/>
+              </a:lnSpc>
+              <a:spcBef>
+                <a:spcPts val="600"/>
+              </a:spcBef>
+            </a:pPr>
+            <a:r>
+              <a:rPr lang="en-US" altLang="zh-CN" sz="4000" kern="0" dirty="0">
+                <a:latin typeface="Calibri" panose="020F0502020204030204" pitchFamily="34" charset="0"/>
+                <a:ea typeface="微软雅黑" panose="020B0503020204020204" pitchFamily="34" charset="-122"/>
+                <a:cs typeface="Calibri" panose="020F0502020204030204" pitchFamily="34" charset="0"/>
+                <a:sym typeface="+mn-lt"/>
+              </a:rPr>
+              <a:t>.</a:t>
+            </a:r>
+            <a:endParaRPr lang="zh-CN" altLang="en-US" sz="4000" kern="0" dirty="0">
+              <a:latin typeface="Calibri" panose="020F0502020204030204" pitchFamily="34" charset="0"/>
+              <a:ea typeface="微软雅黑" panose="020B0503020204020204" pitchFamily="34" charset="-122"/>
+              <a:cs typeface="Calibri" panose="020F0502020204030204" pitchFamily="34" charset="0"/>
+              <a:sym typeface="+mn-lt"/>
+            </a:endParaRPr>
+          </a:p>
+        </p:txBody>
+      </p:sp>
+    </p:spTree>
+    <p:extLst>
+      <p:ext uri="{BB962C8B-B14F-4D97-AF65-F5344CB8AC3E}">
+        <p14:creationId xmlns:p14="http://schemas.microsoft.com/office/powerpoint/2010/main" val="408101703"/>
+      </p:ext>
+    </p:extLst>
+  </p:cSld>
+  <p:clrMapOvr>
+    <a:masterClrMapping/>
+  </p:clrMapOvr>
+</p:sld>
+</file>
+
+<file path=ppt/slides/slide15.xml><?xml version="1.0" encoding="utf-8"?>
+<p:sld xmlns:a="http://schemas.openxmlformats.org/drawingml/2006/main" xmlns:r="http://schemas.openxmlformats.org/officeDocument/2006/relationships" xmlns:p="http://schemas.openxmlformats.org/presentationml/2006/main">
+  <p:cSld>
+    <p:spTree>
+      <p:nvGrpSpPr>
+        <p:cNvPr id="1" name=""/>
+        <p:cNvGrpSpPr/>
+        <p:nvPr/>
+      </p:nvGrpSpPr>
+      <p:grpSpPr>
+        <a:xfrm>
+          <a:off x="0" y="0"/>
+          <a:ext cx="0" cy="0"/>
+          <a:chOff x="0" y="0"/>
+          <a:chExt cx="0" cy="0"/>
+        </a:xfrm>
+      </p:grpSpPr>
+      <p:sp>
+        <p:nvSpPr>
+          <p:cNvPr id="2" name="文本占位符 1">
+            <a:extLst>
+              <a:ext uri="{FF2B5EF4-FFF2-40B4-BE49-F238E27FC236}">
+                <a16:creationId xmlns:a16="http://schemas.microsoft.com/office/drawing/2014/main" id="{4DA7C060-52F6-4507-8FC8-FD70126A78E3}"/>
+              </a:ext>
+            </a:extLst>
+          </p:cNvPr>
+          <p:cNvSpPr>
+            <a:spLocks noGrp="1"/>
+          </p:cNvSpPr>
+          <p:nvPr>
+            <p:ph type="body" sz="quarter" idx="10"/>
+          </p:nvPr>
+        </p:nvSpPr>
+        <p:spPr/>
+        <p:txBody>
+          <a:bodyPr/>
+          <a:lstStyle/>
+          <a:p>
+            <a:r>
+              <a:rPr lang="en-US" altLang="zh-CN" dirty="0"/>
+              <a:t>02</a:t>
+            </a:r>
+            <a:endParaRPr lang="zh-CN" altLang="en-US" dirty="0"/>
+          </a:p>
+        </p:txBody>
+      </p:sp>
+      <p:sp>
+        <p:nvSpPr>
+          <p:cNvPr id="4" name="文本占位符 3">
+            <a:extLst>
+              <a:ext uri="{FF2B5EF4-FFF2-40B4-BE49-F238E27FC236}">
+                <a16:creationId xmlns:a16="http://schemas.microsoft.com/office/drawing/2014/main" id="{606B9C6F-3FDC-4A82-9B9B-C0CB813F61B5}"/>
+              </a:ext>
+            </a:extLst>
+          </p:cNvPr>
+          <p:cNvSpPr>
+            <a:spLocks noGrp="1"/>
+          </p:cNvSpPr>
+          <p:nvPr>
+            <p:ph type="body" sz="quarter" idx="12"/>
+          </p:nvPr>
+        </p:nvSpPr>
+        <p:spPr/>
+        <p:txBody>
+          <a:bodyPr/>
+          <a:lstStyle/>
+          <a:p>
+            <a:r>
+              <a:rPr lang="en-US" altLang="zh-CN" dirty="0"/>
+              <a:t>Related work</a:t>
+            </a:r>
+            <a:endParaRPr lang="zh-CN" altLang="en-US" dirty="0"/>
+          </a:p>
+        </p:txBody>
+      </p:sp>
+      <p:graphicFrame>
+        <p:nvGraphicFramePr>
+          <p:cNvPr id="14" name="表格 13">
+            <a:extLst>
+              <a:ext uri="{FF2B5EF4-FFF2-40B4-BE49-F238E27FC236}">
+                <a16:creationId xmlns:a16="http://schemas.microsoft.com/office/drawing/2014/main" id="{033C394E-7893-460A-8CF7-644BB41E11C8}"/>
+              </a:ext>
+            </a:extLst>
+          </p:cNvPr>
+          <p:cNvGraphicFramePr>
+            <a:graphicFrameLocks noGrp="1"/>
+          </p:cNvGraphicFramePr>
+          <p:nvPr>
+            <p:extLst>
+              <p:ext uri="{D42A27DB-BD31-4B8C-83A1-F6EECF244321}">
+                <p14:modId xmlns:p14="http://schemas.microsoft.com/office/powerpoint/2010/main" val="2844652873"/>
+              </p:ext>
+            </p:extLst>
+          </p:nvPr>
+        </p:nvGraphicFramePr>
+        <p:xfrm>
+          <a:off x="1115853" y="2667648"/>
+          <a:ext cx="2162286" cy="370840"/>
+        </p:xfrm>
+        <a:graphic>
+          <a:graphicData uri="http://schemas.openxmlformats.org/drawingml/2006/table">
+            <a:tbl>
+              <a:tblPr firstRow="1" bandRow="1">
+                <a:tableStyleId>{5C22544A-7EE6-4342-B048-85BDC9FD1C3A}</a:tableStyleId>
+              </a:tblPr>
+              <a:tblGrid>
+                <a:gridCol w="2162286">
+                  <a:extLst>
+                    <a:ext uri="{9D8B030D-6E8A-4147-A177-3AD203B41FA5}">
+                      <a16:colId xmlns:a16="http://schemas.microsoft.com/office/drawing/2014/main" val="409484730"/>
+                    </a:ext>
+                  </a:extLst>
+                </a:gridCol>
+              </a:tblGrid>
+              <a:tr h="370840">
+                <a:tc>
+                  <a:txBody>
+                    <a:bodyPr/>
+                    <a:lstStyle/>
+                    <a:p>
+                      <a:r>
+                        <a:rPr lang="en-US" altLang="zh-CN" dirty="0"/>
+                        <a:t>Trapdoor</a:t>
+                      </a:r>
+                      <a:endParaRPr lang="zh-CN" altLang="en-US" dirty="0"/>
+                    </a:p>
+                  </a:txBody>
+                  <a:tcPr/>
+                </a:tc>
+                <a:extLst>
+                  <a:ext uri="{0D108BD9-81ED-4DB2-BD59-A6C34878D82A}">
+                    <a16:rowId xmlns:a16="http://schemas.microsoft.com/office/drawing/2014/main" val="4232001770"/>
+                  </a:ext>
+                </a:extLst>
+              </a:tr>
+            </a:tbl>
+          </a:graphicData>
+        </a:graphic>
+      </p:graphicFrame>
+      <p:graphicFrame>
+        <p:nvGraphicFramePr>
+          <p:cNvPr id="21" name="表格 20">
+            <a:extLst>
+              <a:ext uri="{FF2B5EF4-FFF2-40B4-BE49-F238E27FC236}">
+                <a16:creationId xmlns:a16="http://schemas.microsoft.com/office/drawing/2014/main" id="{E39899AD-F3E3-442E-966D-D84C1601CD77}"/>
+              </a:ext>
+            </a:extLst>
+          </p:cNvPr>
+          <p:cNvGraphicFramePr>
+            <a:graphicFrameLocks noGrp="1"/>
+          </p:cNvGraphicFramePr>
+          <p:nvPr>
+            <p:extLst>
+              <p:ext uri="{D42A27DB-BD31-4B8C-83A1-F6EECF244321}">
+                <p14:modId xmlns:p14="http://schemas.microsoft.com/office/powerpoint/2010/main" val="115159451"/>
+              </p:ext>
+            </p:extLst>
+          </p:nvPr>
+        </p:nvGraphicFramePr>
+        <p:xfrm>
+          <a:off x="5293649" y="2104643"/>
+          <a:ext cx="5887527" cy="1123494"/>
+        </p:xfrm>
+        <a:graphic>
+          <a:graphicData uri="http://schemas.openxmlformats.org/drawingml/2006/table">
+            <a:tbl>
+              <a:tblPr firstRow="1" bandRow="1">
+                <a:tableStyleId>{5C22544A-7EE6-4342-B048-85BDC9FD1C3A}</a:tableStyleId>
+              </a:tblPr>
+              <a:tblGrid>
+                <a:gridCol w="2209976">
+                  <a:extLst>
+                    <a:ext uri="{9D8B030D-6E8A-4147-A177-3AD203B41FA5}">
+                      <a16:colId xmlns:a16="http://schemas.microsoft.com/office/drawing/2014/main" val="715943433"/>
+                    </a:ext>
+                  </a:extLst>
+                </a:gridCol>
+                <a:gridCol w="1275950">
+                  <a:extLst>
+                    <a:ext uri="{9D8B030D-6E8A-4147-A177-3AD203B41FA5}">
+                      <a16:colId xmlns:a16="http://schemas.microsoft.com/office/drawing/2014/main" val="1646939025"/>
+                    </a:ext>
+                  </a:extLst>
+                </a:gridCol>
+                <a:gridCol w="1218389">
+                  <a:extLst>
+                    <a:ext uri="{9D8B030D-6E8A-4147-A177-3AD203B41FA5}">
+                      <a16:colId xmlns:a16="http://schemas.microsoft.com/office/drawing/2014/main" val="304685349"/>
+                    </a:ext>
+                  </a:extLst>
+                </a:gridCol>
+                <a:gridCol w="1183212">
+                  <a:extLst>
+                    <a:ext uri="{9D8B030D-6E8A-4147-A177-3AD203B41FA5}">
+                      <a16:colId xmlns:a16="http://schemas.microsoft.com/office/drawing/2014/main" val="2581347580"/>
+                    </a:ext>
+                  </a:extLst>
+                </a:gridCol>
+              </a:tblGrid>
+              <a:tr h="374498">
+                <a:tc>
+                  <a:txBody>
+                    <a:bodyPr/>
+                    <a:lstStyle/>
+                    <a:p>
+                      <a:r>
+                        <a:rPr lang="en-US" altLang="zh-CN" dirty="0"/>
+                        <a:t>File identifier</a:t>
+                      </a:r>
+                      <a:endParaRPr lang="zh-CN" altLang="en-US" dirty="0"/>
+                    </a:p>
+                  </a:txBody>
+                  <a:tcPr/>
+                </a:tc>
+                <a:tc>
+                  <a:txBody>
+                    <a:bodyPr/>
+                    <a:lstStyle/>
+                    <a:p>
+                      <a:r>
+                        <a:rPr lang="en-US" altLang="zh-CN" dirty="0"/>
+                        <a:t>r</a:t>
+                      </a:r>
+                      <a:r>
+                        <a:rPr lang="en-US" altLang="zh-CN" baseline="-25000" dirty="0"/>
+                        <a:t>1</a:t>
+                      </a:r>
+                      <a:r>
+                        <a:rPr lang="en-US" altLang="zh-CN" dirty="0"/>
+                        <a:t>|F</a:t>
+                      </a:r>
+                      <a:r>
+                        <a:rPr lang="en-US" altLang="zh-CN" baseline="-25000" dirty="0"/>
+                        <a:t>trap</a:t>
+                      </a:r>
+                      <a:r>
+                        <a:rPr lang="en-US" altLang="zh-CN" baseline="0" dirty="0"/>
+                        <a:t>(r</a:t>
+                      </a:r>
+                      <a:r>
+                        <a:rPr lang="en-US" altLang="zh-CN" baseline="-25000" dirty="0"/>
+                        <a:t>1</a:t>
+                      </a:r>
+                      <a:r>
+                        <a:rPr lang="en-US" altLang="zh-CN" baseline="0" dirty="0"/>
+                        <a:t>)</a:t>
+                      </a:r>
+                      <a:endParaRPr lang="zh-CN" altLang="en-US" baseline="0" dirty="0"/>
+                    </a:p>
+                  </a:txBody>
+                  <a:tcPr/>
+                </a:tc>
+                <a:tc>
+                  <a:txBody>
+                    <a:bodyPr/>
+                    <a:lstStyle/>
+                    <a:p>
+                      <a:pPr marL="0" marR="0" lvl="0" indent="0" algn="l" defTabSz="914400" rtl="0" eaLnBrk="1" fontAlgn="auto" latinLnBrk="0" hangingPunct="1">
+                        <a:lnSpc>
+                          <a:spcPct val="100000"/>
+                        </a:lnSpc>
+                        <a:spcBef>
+                          <a:spcPts val="0"/>
+                        </a:spcBef>
+                        <a:spcAft>
+                          <a:spcPts val="0"/>
+                        </a:spcAft>
+                        <a:buClrTx/>
+                        <a:buSzTx/>
+                        <a:buFontTx/>
+                        <a:buNone/>
+                        <a:tabLst/>
+                        <a:defRPr/>
+                      </a:pPr>
+                      <a:r>
+                        <a:rPr lang="en-US" altLang="zh-CN" dirty="0"/>
+                        <a:t>r</a:t>
+                      </a:r>
+                      <a:r>
+                        <a:rPr lang="en-US" altLang="zh-CN" baseline="-25000" dirty="0"/>
+                        <a:t>2</a:t>
+                      </a:r>
+                      <a:r>
+                        <a:rPr lang="en-US" altLang="zh-CN" dirty="0"/>
+                        <a:t>|F</a:t>
+                      </a:r>
+                      <a:r>
+                        <a:rPr lang="en-US" altLang="zh-CN" baseline="-25000" dirty="0"/>
+                        <a:t>trap</a:t>
+                      </a:r>
+                      <a:r>
+                        <a:rPr lang="en-US" altLang="zh-CN" baseline="0" dirty="0"/>
+                        <a:t>(r</a:t>
+                      </a:r>
+                      <a:r>
+                        <a:rPr lang="en-US" altLang="zh-CN" baseline="-25000" dirty="0"/>
+                        <a:t>2</a:t>
+                      </a:r>
+                      <a:r>
+                        <a:rPr lang="en-US" altLang="zh-CN" baseline="0" dirty="0"/>
+                        <a:t>)</a:t>
+                      </a:r>
+                      <a:endParaRPr lang="zh-CN" altLang="en-US" baseline="0" dirty="0"/>
+                    </a:p>
+                  </a:txBody>
+                  <a:tcPr/>
+                </a:tc>
+                <a:tc>
+                  <a:txBody>
+                    <a:bodyPr/>
+                    <a:lstStyle/>
+                    <a:p>
+                      <a:pPr marL="0" marR="0" lvl="0" indent="0" algn="l" defTabSz="914400" rtl="0" eaLnBrk="1" fontAlgn="auto" latinLnBrk="0" hangingPunct="1">
+                        <a:lnSpc>
+                          <a:spcPct val="100000"/>
+                        </a:lnSpc>
+                        <a:spcBef>
+                          <a:spcPts val="0"/>
+                        </a:spcBef>
+                        <a:spcAft>
+                          <a:spcPts val="0"/>
+                        </a:spcAft>
+                        <a:buClrTx/>
+                        <a:buSzTx/>
+                        <a:buFontTx/>
+                        <a:buNone/>
+                        <a:tabLst/>
+                        <a:defRPr/>
+                      </a:pPr>
+                      <a:r>
+                        <a:rPr lang="en-US" altLang="zh-CN" dirty="0"/>
+                        <a:t>r</a:t>
+                      </a:r>
+                      <a:r>
+                        <a:rPr lang="en-US" altLang="zh-CN" baseline="-25000" dirty="0"/>
+                        <a:t>3</a:t>
+                      </a:r>
+                      <a:r>
+                        <a:rPr lang="en-US" altLang="zh-CN" dirty="0"/>
+                        <a:t>|F</a:t>
+                      </a:r>
+                      <a:r>
+                        <a:rPr lang="en-US" altLang="zh-CN" baseline="-25000" dirty="0"/>
+                        <a:t>trap</a:t>
+                      </a:r>
+                      <a:r>
+                        <a:rPr lang="en-US" altLang="zh-CN" baseline="0" dirty="0"/>
+                        <a:t>(r</a:t>
+                      </a:r>
+                      <a:r>
+                        <a:rPr lang="en-US" altLang="zh-CN" baseline="-25000" dirty="0"/>
+                        <a:t>3</a:t>
+                      </a:r>
+                      <a:r>
+                        <a:rPr lang="en-US" altLang="zh-CN" baseline="0" dirty="0"/>
+                        <a:t>)</a:t>
+                      </a:r>
+                      <a:endParaRPr lang="zh-CN" altLang="en-US" baseline="0" dirty="0"/>
+                    </a:p>
+                  </a:txBody>
+                  <a:tcPr/>
+                </a:tc>
+                <a:extLst>
+                  <a:ext uri="{0D108BD9-81ED-4DB2-BD59-A6C34878D82A}">
+                    <a16:rowId xmlns:a16="http://schemas.microsoft.com/office/drawing/2014/main" val="1409833186"/>
+                  </a:ext>
+                </a:extLst>
+              </a:tr>
+              <a:tr h="374498">
+                <a:tc>
+                  <a:txBody>
+                    <a:bodyPr/>
+                    <a:lstStyle/>
+                    <a:p>
+                      <a:endParaRPr lang="zh-CN" altLang="en-US" sz="1800" kern="1200" dirty="0">
+                        <a:solidFill>
+                          <a:schemeClr val="dk1"/>
+                        </a:solidFill>
+                        <a:latin typeface="+mn-lt"/>
+                        <a:ea typeface="+mn-ea"/>
+                        <a:cs typeface="+mn-cs"/>
+                      </a:endParaRPr>
+                    </a:p>
+                  </a:txBody>
+                  <a:tcPr>
+                    <a:solidFill>
+                      <a:schemeClr val="accent1"/>
+                    </a:solidFill>
+                  </a:tcPr>
+                </a:tc>
+                <a:tc>
+                  <a:txBody>
+                    <a:bodyPr/>
+                    <a:lstStyle/>
+                    <a:p>
+                      <a:endParaRPr lang="zh-CN" altLang="en-US" sz="1800" kern="1200" dirty="0">
+                        <a:solidFill>
+                          <a:schemeClr val="dk1"/>
+                        </a:solidFill>
+                        <a:latin typeface="+mn-lt"/>
+                        <a:ea typeface="+mn-ea"/>
+                        <a:cs typeface="+mn-cs"/>
+                      </a:endParaRPr>
+                    </a:p>
+                  </a:txBody>
+                  <a:tcPr>
+                    <a:solidFill>
+                      <a:schemeClr val="accent1"/>
+                    </a:solidFill>
+                  </a:tcPr>
+                </a:tc>
+                <a:tc>
+                  <a:txBody>
+                    <a:bodyPr/>
+                    <a:lstStyle/>
+                    <a:p>
+                      <a:endParaRPr lang="zh-CN" altLang="en-US" sz="1800" kern="1200">
+                        <a:solidFill>
+                          <a:schemeClr val="dk1"/>
+                        </a:solidFill>
+                        <a:latin typeface="+mn-lt"/>
+                        <a:ea typeface="+mn-ea"/>
+                        <a:cs typeface="+mn-cs"/>
+                      </a:endParaRPr>
+                    </a:p>
+                  </a:txBody>
+                  <a:tcPr>
+                    <a:solidFill>
+                      <a:schemeClr val="accent1"/>
+                    </a:solidFill>
+                  </a:tcPr>
+                </a:tc>
+                <a:tc>
+                  <a:txBody>
+                    <a:bodyPr/>
+                    <a:lstStyle/>
+                    <a:p>
+                      <a:endParaRPr lang="zh-CN" altLang="en-US" sz="1800" kern="1200" dirty="0">
+                        <a:solidFill>
+                          <a:schemeClr val="dk1"/>
+                        </a:solidFill>
+                        <a:latin typeface="+mn-lt"/>
+                        <a:ea typeface="+mn-ea"/>
+                        <a:cs typeface="+mn-cs"/>
+                      </a:endParaRPr>
+                    </a:p>
+                  </a:txBody>
+                  <a:tcPr>
+                    <a:solidFill>
+                      <a:schemeClr val="accent1"/>
+                    </a:solidFill>
+                  </a:tcPr>
+                </a:tc>
+                <a:extLst>
+                  <a:ext uri="{0D108BD9-81ED-4DB2-BD59-A6C34878D82A}">
+                    <a16:rowId xmlns:a16="http://schemas.microsoft.com/office/drawing/2014/main" val="2610481501"/>
+                  </a:ext>
+                </a:extLst>
+              </a:tr>
+              <a:tr h="374498">
+                <a:tc>
+                  <a:txBody>
+                    <a:bodyPr/>
+                    <a:lstStyle/>
+                    <a:p>
+                      <a:endParaRPr lang="zh-CN" altLang="en-US" sz="1800" kern="1200" dirty="0">
+                        <a:solidFill>
+                          <a:schemeClr val="dk1"/>
+                        </a:solidFill>
+                        <a:latin typeface="+mn-lt"/>
+                        <a:ea typeface="+mn-ea"/>
+                        <a:cs typeface="+mn-cs"/>
+                      </a:endParaRPr>
+                    </a:p>
+                  </a:txBody>
+                  <a:tcPr>
+                    <a:solidFill>
+                      <a:schemeClr val="accent1"/>
+                    </a:solidFill>
+                  </a:tcPr>
+                </a:tc>
+                <a:tc>
+                  <a:txBody>
+                    <a:bodyPr/>
+                    <a:lstStyle/>
+                    <a:p>
+                      <a:endParaRPr lang="zh-CN" altLang="en-US" sz="1800" kern="1200" dirty="0">
+                        <a:solidFill>
+                          <a:schemeClr val="dk1"/>
+                        </a:solidFill>
+                        <a:latin typeface="+mn-lt"/>
+                        <a:ea typeface="+mn-ea"/>
+                        <a:cs typeface="+mn-cs"/>
+                      </a:endParaRPr>
+                    </a:p>
+                  </a:txBody>
+                  <a:tcPr>
+                    <a:solidFill>
+                      <a:schemeClr val="accent1"/>
+                    </a:solidFill>
+                  </a:tcPr>
+                </a:tc>
+                <a:tc>
+                  <a:txBody>
+                    <a:bodyPr/>
+                    <a:lstStyle/>
+                    <a:p>
+                      <a:endParaRPr lang="zh-CN" altLang="en-US" sz="1800" kern="1200" dirty="0">
+                        <a:solidFill>
+                          <a:schemeClr val="dk1"/>
+                        </a:solidFill>
+                        <a:latin typeface="+mn-lt"/>
+                        <a:ea typeface="+mn-ea"/>
+                        <a:cs typeface="+mn-cs"/>
+                      </a:endParaRPr>
+                    </a:p>
+                  </a:txBody>
+                  <a:tcPr>
+                    <a:solidFill>
+                      <a:schemeClr val="accent1"/>
+                    </a:solidFill>
+                  </a:tcPr>
+                </a:tc>
+                <a:tc>
+                  <a:txBody>
+                    <a:bodyPr/>
+                    <a:lstStyle/>
+                    <a:p>
+                      <a:endParaRPr lang="zh-CN" altLang="en-US" sz="1800" kern="1200" dirty="0">
+                        <a:solidFill>
+                          <a:schemeClr val="dk1"/>
+                        </a:solidFill>
+                        <a:latin typeface="+mn-lt"/>
+                        <a:ea typeface="+mn-ea"/>
+                        <a:cs typeface="+mn-cs"/>
+                      </a:endParaRPr>
+                    </a:p>
+                  </a:txBody>
+                  <a:tcPr>
+                    <a:solidFill>
+                      <a:schemeClr val="accent1"/>
+                    </a:solidFill>
+                  </a:tcPr>
+                </a:tc>
+                <a:extLst>
+                  <a:ext uri="{0D108BD9-81ED-4DB2-BD59-A6C34878D82A}">
+                    <a16:rowId xmlns:a16="http://schemas.microsoft.com/office/drawing/2014/main" val="2624301509"/>
+                  </a:ext>
+                </a:extLst>
+              </a:tr>
+            </a:tbl>
+          </a:graphicData>
+        </a:graphic>
+      </p:graphicFrame>
+      <p:sp>
+        <p:nvSpPr>
+          <p:cNvPr id="22" name="文本框 21">
+            <a:extLst>
+              <a:ext uri="{FF2B5EF4-FFF2-40B4-BE49-F238E27FC236}">
+                <a16:creationId xmlns:a16="http://schemas.microsoft.com/office/drawing/2014/main" id="{7A5470BE-24F3-435D-A651-C357C3BC49DF}"/>
+              </a:ext>
+            </a:extLst>
+          </p:cNvPr>
+          <p:cNvSpPr txBox="1"/>
+          <p:nvPr/>
+        </p:nvSpPr>
+        <p:spPr>
+          <a:xfrm>
+            <a:off x="11229449" y="2104643"/>
+            <a:ext cx="1295400" cy="827919"/>
+          </a:xfrm>
+          <a:prstGeom prst="rect">
+            <a:avLst/>
+          </a:prstGeom>
+          <a:noFill/>
+        </p:spPr>
+        <p:txBody>
+          <a:bodyPr wrap="square" rtlCol="0">
+            <a:spAutoFit/>
+          </a:bodyPr>
+          <a:lstStyle/>
+          <a:p>
+            <a:pPr>
+              <a:lnSpc>
+                <a:spcPct val="130000"/>
+              </a:lnSpc>
+              <a:spcBef>
+                <a:spcPts val="600"/>
+              </a:spcBef>
+            </a:pPr>
+            <a:r>
+              <a:rPr lang="en-US" altLang="zh-CN" sz="4000" kern="0" dirty="0">
+                <a:latin typeface="Calibri" panose="020F0502020204030204" pitchFamily="34" charset="0"/>
+                <a:ea typeface="微软雅黑" panose="020B0503020204020204" pitchFamily="34" charset="-122"/>
+                <a:cs typeface="Calibri" panose="020F0502020204030204" pitchFamily="34" charset="0"/>
+                <a:sym typeface="+mn-lt"/>
+              </a:rPr>
+              <a:t>…</a:t>
+            </a:r>
+            <a:endParaRPr lang="zh-CN" altLang="en-US" sz="4000" kern="0" dirty="0">
+              <a:latin typeface="Calibri" panose="020F0502020204030204" pitchFamily="34" charset="0"/>
+              <a:ea typeface="微软雅黑" panose="020B0503020204020204" pitchFamily="34" charset="-122"/>
+              <a:cs typeface="Calibri" panose="020F0502020204030204" pitchFamily="34" charset="0"/>
+              <a:sym typeface="+mn-lt"/>
+            </a:endParaRPr>
+          </a:p>
+        </p:txBody>
+      </p:sp>
+      <p:sp>
+        <p:nvSpPr>
+          <p:cNvPr id="35" name="文本框 34">
+            <a:extLst>
+              <a:ext uri="{FF2B5EF4-FFF2-40B4-BE49-F238E27FC236}">
+                <a16:creationId xmlns:a16="http://schemas.microsoft.com/office/drawing/2014/main" id="{300D12DC-8103-45F1-BB41-E04C263AAE24}"/>
+              </a:ext>
+            </a:extLst>
+          </p:cNvPr>
+          <p:cNvSpPr txBox="1"/>
+          <p:nvPr/>
+        </p:nvSpPr>
+        <p:spPr>
+          <a:xfrm>
+            <a:off x="634701" y="1398494"/>
+            <a:ext cx="3216876" cy="527709"/>
+          </a:xfrm>
+          <a:prstGeom prst="rect">
+            <a:avLst/>
+          </a:prstGeom>
+          <a:noFill/>
+        </p:spPr>
+        <p:txBody>
+          <a:bodyPr wrap="square" rtlCol="0">
+            <a:spAutoFit/>
+          </a:bodyPr>
+          <a:lstStyle/>
+          <a:p>
+            <a:pPr>
+              <a:lnSpc>
+                <a:spcPct val="130000"/>
+              </a:lnSpc>
+              <a:spcBef>
+                <a:spcPts val="600"/>
+              </a:spcBef>
+            </a:pPr>
+            <a:r>
+              <a:rPr lang="zh-CN" altLang="en-US" sz="2400" kern="0" dirty="0">
+                <a:latin typeface="Calibri" panose="020F0502020204030204" pitchFamily="34" charset="0"/>
+                <a:ea typeface="黑体" panose="02010609060101010101" pitchFamily="49" charset="-122"/>
+                <a:cs typeface="Calibri" panose="020F0502020204030204" pitchFamily="34" charset="0"/>
+                <a:sym typeface="+mn-lt"/>
+              </a:rPr>
+              <a:t>②</a:t>
+            </a:r>
+            <a:r>
+              <a:rPr lang="en-US" altLang="zh-CN" sz="2400" kern="0" dirty="0" err="1">
+                <a:latin typeface="Calibri" panose="020F0502020204030204" pitchFamily="34" charset="0"/>
+                <a:ea typeface="黑体" panose="02010609060101010101" pitchFamily="49" charset="-122"/>
+                <a:cs typeface="Calibri" panose="020F0502020204030204" pitchFamily="34" charset="0"/>
+                <a:sym typeface="+mn-lt"/>
+              </a:rPr>
+              <a:t>Inveted</a:t>
+            </a:r>
+            <a:r>
+              <a:rPr lang="en-US" altLang="zh-CN" sz="2400" kern="0" dirty="0">
+                <a:latin typeface="Calibri" panose="020F0502020204030204" pitchFamily="34" charset="0"/>
+                <a:ea typeface="黑体" panose="02010609060101010101" pitchFamily="49" charset="-122"/>
+                <a:cs typeface="Calibri" panose="020F0502020204030204" pitchFamily="34" charset="0"/>
+                <a:sym typeface="+mn-lt"/>
+              </a:rPr>
+              <a:t> index not hit</a:t>
+            </a:r>
+            <a:endParaRPr lang="zh-CN" altLang="en-US" sz="2400" kern="0" dirty="0">
+              <a:latin typeface="Calibri" panose="020F0502020204030204" pitchFamily="34" charset="0"/>
+              <a:ea typeface="微软雅黑" panose="020B0503020204020204" pitchFamily="34" charset="-122"/>
+              <a:cs typeface="Calibri" panose="020F0502020204030204" pitchFamily="34" charset="0"/>
+              <a:sym typeface="+mn-lt"/>
+            </a:endParaRPr>
+          </a:p>
+        </p:txBody>
+      </p:sp>
+      <p:sp>
+        <p:nvSpPr>
+          <p:cNvPr id="37" name="文本框 36">
+            <a:extLst>
+              <a:ext uri="{FF2B5EF4-FFF2-40B4-BE49-F238E27FC236}">
+                <a16:creationId xmlns:a16="http://schemas.microsoft.com/office/drawing/2014/main" id="{E60E6DBC-3F10-4736-8BF4-CFE53B640D00}"/>
+              </a:ext>
+            </a:extLst>
+          </p:cNvPr>
+          <p:cNvSpPr txBox="1"/>
+          <p:nvPr/>
+        </p:nvSpPr>
+        <p:spPr>
+          <a:xfrm>
+            <a:off x="7790051" y="3319782"/>
+            <a:ext cx="1216450" cy="438646"/>
+          </a:xfrm>
+          <a:prstGeom prst="rect">
+            <a:avLst/>
+          </a:prstGeom>
+          <a:noFill/>
+        </p:spPr>
+        <p:txBody>
+          <a:bodyPr wrap="square" rtlCol="0">
+            <a:spAutoFit/>
+          </a:bodyPr>
+          <a:lstStyle/>
+          <a:p>
+            <a:pPr>
+              <a:lnSpc>
+                <a:spcPts val="200"/>
+              </a:lnSpc>
+              <a:spcBef>
+                <a:spcPts val="600"/>
+              </a:spcBef>
+            </a:pPr>
+            <a:r>
+              <a:rPr lang="en-US" altLang="zh-CN" sz="3600" kern="0" dirty="0">
+                <a:latin typeface="Calibri" panose="020F0502020204030204" pitchFamily="34" charset="0"/>
+                <a:ea typeface="微软雅黑" panose="020B0503020204020204" pitchFamily="34" charset="-122"/>
+                <a:cs typeface="Calibri" panose="020F0502020204030204" pitchFamily="34" charset="0"/>
+                <a:sym typeface="+mn-lt"/>
+              </a:rPr>
+              <a:t>.</a:t>
+            </a:r>
+          </a:p>
+          <a:p>
+            <a:pPr>
+              <a:lnSpc>
+                <a:spcPts val="200"/>
+              </a:lnSpc>
+              <a:spcBef>
+                <a:spcPts val="600"/>
+              </a:spcBef>
+            </a:pPr>
+            <a:r>
+              <a:rPr lang="en-US" altLang="zh-CN" sz="3600" kern="0" dirty="0">
+                <a:latin typeface="Calibri" panose="020F0502020204030204" pitchFamily="34" charset="0"/>
+                <a:ea typeface="微软雅黑" panose="020B0503020204020204" pitchFamily="34" charset="-122"/>
+                <a:cs typeface="Calibri" panose="020F0502020204030204" pitchFamily="34" charset="0"/>
+                <a:sym typeface="+mn-lt"/>
+              </a:rPr>
+              <a:t>.</a:t>
+            </a:r>
+          </a:p>
+          <a:p>
+            <a:pPr>
+              <a:lnSpc>
+                <a:spcPts val="200"/>
+              </a:lnSpc>
+              <a:spcBef>
+                <a:spcPts val="600"/>
+              </a:spcBef>
+            </a:pPr>
+            <a:r>
+              <a:rPr lang="en-US" altLang="zh-CN" sz="3600" kern="0" dirty="0">
+                <a:latin typeface="Calibri" panose="020F0502020204030204" pitchFamily="34" charset="0"/>
+                <a:ea typeface="微软雅黑" panose="020B0503020204020204" pitchFamily="34" charset="-122"/>
+                <a:cs typeface="Calibri" panose="020F0502020204030204" pitchFamily="34" charset="0"/>
+                <a:sym typeface="+mn-lt"/>
+              </a:rPr>
+              <a:t>.</a:t>
+            </a:r>
+          </a:p>
+        </p:txBody>
+      </p:sp>
+      <p:cxnSp>
+        <p:nvCxnSpPr>
+          <p:cNvPr id="38" name="直接箭头连接符 37">
+            <a:extLst>
+              <a:ext uri="{FF2B5EF4-FFF2-40B4-BE49-F238E27FC236}">
+                <a16:creationId xmlns:a16="http://schemas.microsoft.com/office/drawing/2014/main" id="{AC75DC8F-E903-470E-9035-D0AE05D884A3}"/>
+              </a:ext>
+            </a:extLst>
+          </p:cNvPr>
+          <p:cNvCxnSpPr>
+            <a:cxnSpLocks/>
+            <a:endCxn id="21" idx="1"/>
+          </p:cNvCxnSpPr>
+          <p:nvPr/>
+        </p:nvCxnSpPr>
+        <p:spPr>
+          <a:xfrm flipV="1">
+            <a:off x="3293638" y="2666390"/>
+            <a:ext cx="2000011" cy="254538"/>
+          </a:xfrm>
+          <a:prstGeom prst="straightConnector1">
+            <a:avLst/>
+          </a:prstGeom>
+          <a:ln w="53975">
+            <a:tailEnd type="triangle"/>
+          </a:ln>
+        </p:spPr>
+        <p:style>
+          <a:lnRef idx="1">
+            <a:schemeClr val="accent1"/>
+          </a:lnRef>
+          <a:fillRef idx="0">
+            <a:schemeClr val="accent1"/>
+          </a:fillRef>
+          <a:effectRef idx="0">
+            <a:schemeClr val="accent1"/>
+          </a:effectRef>
+          <a:fontRef idx="minor">
+            <a:schemeClr val="tx1"/>
+          </a:fontRef>
+        </p:style>
+      </p:cxnSp>
+      <p:cxnSp>
+        <p:nvCxnSpPr>
+          <p:cNvPr id="42" name="直接箭头连接符 41">
+            <a:extLst>
+              <a:ext uri="{FF2B5EF4-FFF2-40B4-BE49-F238E27FC236}">
+                <a16:creationId xmlns:a16="http://schemas.microsoft.com/office/drawing/2014/main" id="{ED941EBC-C9FA-41BC-A0CB-DA2EF02E6D23}"/>
+              </a:ext>
+            </a:extLst>
+          </p:cNvPr>
+          <p:cNvCxnSpPr>
+            <a:cxnSpLocks/>
+            <a:endCxn id="44" idx="3"/>
+          </p:cNvCxnSpPr>
+          <p:nvPr/>
+        </p:nvCxnSpPr>
+        <p:spPr>
+          <a:xfrm flipH="1">
+            <a:off x="3438032" y="2772049"/>
+            <a:ext cx="1776950" cy="1425287"/>
+          </a:xfrm>
+          <a:prstGeom prst="straightConnector1">
+            <a:avLst/>
+          </a:prstGeom>
+          <a:ln w="53975">
+            <a:tailEnd type="triangle"/>
+          </a:ln>
+        </p:spPr>
+        <p:style>
+          <a:lnRef idx="1">
+            <a:schemeClr val="accent1"/>
+          </a:lnRef>
+          <a:fillRef idx="0">
+            <a:schemeClr val="accent1"/>
+          </a:fillRef>
+          <a:effectRef idx="0">
+            <a:schemeClr val="accent1"/>
+          </a:effectRef>
+          <a:fontRef idx="minor">
+            <a:schemeClr val="tx1"/>
+          </a:fontRef>
+        </p:style>
+      </p:cxnSp>
+      <p:graphicFrame>
+        <p:nvGraphicFramePr>
+          <p:cNvPr id="44" name="表格 43">
+            <a:extLst>
+              <a:ext uri="{FF2B5EF4-FFF2-40B4-BE49-F238E27FC236}">
+                <a16:creationId xmlns:a16="http://schemas.microsoft.com/office/drawing/2014/main" id="{DCBDE75E-4E8C-4582-9A3D-5570BC161C22}"/>
+              </a:ext>
+            </a:extLst>
+          </p:cNvPr>
+          <p:cNvGraphicFramePr>
+            <a:graphicFrameLocks noGrp="1"/>
+          </p:cNvGraphicFramePr>
+          <p:nvPr>
+            <p:extLst>
+              <p:ext uri="{D42A27DB-BD31-4B8C-83A1-F6EECF244321}">
+                <p14:modId xmlns:p14="http://schemas.microsoft.com/office/powerpoint/2010/main" val="1301859890"/>
+              </p:ext>
+            </p:extLst>
+          </p:nvPr>
+        </p:nvGraphicFramePr>
+        <p:xfrm>
+          <a:off x="955959" y="4014456"/>
+          <a:ext cx="2482073" cy="365760"/>
+        </p:xfrm>
+        <a:graphic>
+          <a:graphicData uri="http://schemas.openxmlformats.org/drawingml/2006/table">
+            <a:tbl>
+              <a:tblPr firstRow="1" bandRow="1">
+                <a:tableStyleId>{5C22544A-7EE6-4342-B048-85BDC9FD1C3A}</a:tableStyleId>
+              </a:tblPr>
+              <a:tblGrid>
+                <a:gridCol w="2482073">
+                  <a:extLst>
+                    <a:ext uri="{9D8B030D-6E8A-4147-A177-3AD203B41FA5}">
+                      <a16:colId xmlns:a16="http://schemas.microsoft.com/office/drawing/2014/main" val="409484730"/>
+                    </a:ext>
+                  </a:extLst>
+                </a:gridCol>
+              </a:tblGrid>
+              <a:tr h="322107">
+                <a:tc>
+                  <a:txBody>
+                    <a:bodyPr/>
+                    <a:lstStyle/>
+                    <a:p>
+                      <a:r>
+                        <a:rPr lang="en-US" altLang="zh-CN" dirty="0"/>
+                        <a:t>Trapdoor, File id(list)</a:t>
+                      </a:r>
+                      <a:endParaRPr lang="zh-CN" altLang="en-US" dirty="0"/>
+                    </a:p>
+                  </a:txBody>
+                  <a:tcPr/>
+                </a:tc>
+                <a:extLst>
+                  <a:ext uri="{0D108BD9-81ED-4DB2-BD59-A6C34878D82A}">
+                    <a16:rowId xmlns:a16="http://schemas.microsoft.com/office/drawing/2014/main" val="4232001770"/>
+                  </a:ext>
+                </a:extLst>
+              </a:tr>
+            </a:tbl>
+          </a:graphicData>
+        </a:graphic>
+      </p:graphicFrame>
+      <p:graphicFrame>
+        <p:nvGraphicFramePr>
+          <p:cNvPr id="46" name="表格 45">
+            <a:extLst>
+              <a:ext uri="{FF2B5EF4-FFF2-40B4-BE49-F238E27FC236}">
+                <a16:creationId xmlns:a16="http://schemas.microsoft.com/office/drawing/2014/main" id="{D79D5356-53DB-4D03-9D12-E3494AC13E5C}"/>
+              </a:ext>
+            </a:extLst>
+          </p:cNvPr>
+          <p:cNvGraphicFramePr>
+            <a:graphicFrameLocks noGrp="1"/>
+          </p:cNvGraphicFramePr>
+          <p:nvPr>
+            <p:extLst>
+              <p:ext uri="{D42A27DB-BD31-4B8C-83A1-F6EECF244321}">
+                <p14:modId xmlns:p14="http://schemas.microsoft.com/office/powerpoint/2010/main" val="1765700752"/>
+              </p:ext>
+            </p:extLst>
+          </p:nvPr>
+        </p:nvGraphicFramePr>
+        <p:xfrm>
+          <a:off x="5314814" y="4065577"/>
+          <a:ext cx="5119012" cy="1112520"/>
+        </p:xfrm>
+        <a:graphic>
+          <a:graphicData uri="http://schemas.openxmlformats.org/drawingml/2006/table">
+            <a:tbl>
+              <a:tblPr firstRow="1" bandRow="1">
+                <a:tableStyleId>{5C22544A-7EE6-4342-B048-85BDC9FD1C3A}</a:tableStyleId>
+              </a:tblPr>
+              <a:tblGrid>
+                <a:gridCol w="1279753">
+                  <a:extLst>
+                    <a:ext uri="{9D8B030D-6E8A-4147-A177-3AD203B41FA5}">
+                      <a16:colId xmlns:a16="http://schemas.microsoft.com/office/drawing/2014/main" val="3809872240"/>
+                    </a:ext>
+                  </a:extLst>
+                </a:gridCol>
+                <a:gridCol w="1279753">
+                  <a:extLst>
+                    <a:ext uri="{9D8B030D-6E8A-4147-A177-3AD203B41FA5}">
+                      <a16:colId xmlns:a16="http://schemas.microsoft.com/office/drawing/2014/main" val="2645634970"/>
+                    </a:ext>
+                  </a:extLst>
+                </a:gridCol>
+                <a:gridCol w="1279753">
+                  <a:extLst>
+                    <a:ext uri="{9D8B030D-6E8A-4147-A177-3AD203B41FA5}">
+                      <a16:colId xmlns:a16="http://schemas.microsoft.com/office/drawing/2014/main" val="2853645178"/>
+                    </a:ext>
+                  </a:extLst>
+                </a:gridCol>
+                <a:gridCol w="1279753">
+                  <a:extLst>
+                    <a:ext uri="{9D8B030D-6E8A-4147-A177-3AD203B41FA5}">
+                      <a16:colId xmlns:a16="http://schemas.microsoft.com/office/drawing/2014/main" val="1022787832"/>
+                    </a:ext>
+                  </a:extLst>
+                </a:gridCol>
+              </a:tblGrid>
+              <a:tr h="370840">
+                <a:tc>
+                  <a:txBody>
+                    <a:bodyPr/>
+                    <a:lstStyle/>
+                    <a:p>
+                      <a:r>
+                        <a:rPr lang="en-US" altLang="zh-CN" dirty="0"/>
+                        <a:t>Trapdoor</a:t>
+                      </a:r>
+                      <a:endParaRPr lang="zh-CN" altLang="en-US" dirty="0"/>
+                    </a:p>
+                  </a:txBody>
+                  <a:tcPr>
+                    <a:solidFill>
+                      <a:schemeClr val="accent1"/>
+                    </a:solidFill>
+                  </a:tcPr>
+                </a:tc>
+                <a:tc>
+                  <a:txBody>
+                    <a:bodyPr/>
+                    <a:lstStyle/>
+                    <a:p>
+                      <a:r>
+                        <a:rPr lang="en-US" altLang="zh-CN" dirty="0"/>
+                        <a:t>file 1</a:t>
+                      </a:r>
+                      <a:endParaRPr lang="zh-CN" altLang="en-US" dirty="0"/>
+                    </a:p>
+                  </a:txBody>
+                  <a:tcPr>
+                    <a:solidFill>
+                      <a:schemeClr val="accent1"/>
+                    </a:solidFill>
+                  </a:tcPr>
+                </a:tc>
+                <a:tc>
+                  <a:txBody>
+                    <a:bodyPr/>
+                    <a:lstStyle/>
+                    <a:p>
+                      <a:r>
+                        <a:rPr lang="en-US" altLang="zh-CN" dirty="0"/>
+                        <a:t>file 2</a:t>
+                      </a:r>
+                      <a:endParaRPr lang="zh-CN" altLang="en-US" dirty="0"/>
+                    </a:p>
+                  </a:txBody>
+                  <a:tcPr>
+                    <a:solidFill>
+                      <a:schemeClr val="accent1"/>
+                    </a:solidFill>
+                  </a:tcPr>
+                </a:tc>
+                <a:tc>
+                  <a:txBody>
+                    <a:bodyPr/>
+                    <a:lstStyle/>
+                    <a:p>
+                      <a:pPr marL="0" marR="0" lvl="0" indent="0" algn="l" defTabSz="914400" rtl="0" eaLnBrk="1" fontAlgn="auto" latinLnBrk="0" hangingPunct="1">
+                        <a:lnSpc>
+                          <a:spcPct val="100000"/>
+                        </a:lnSpc>
+                        <a:spcBef>
+                          <a:spcPts val="0"/>
+                        </a:spcBef>
+                        <a:spcAft>
+                          <a:spcPts val="0"/>
+                        </a:spcAft>
+                        <a:buClrTx/>
+                        <a:buSzTx/>
+                        <a:buFontTx/>
+                        <a:buNone/>
+                        <a:tabLst/>
+                        <a:defRPr/>
+                      </a:pPr>
+                      <a:r>
+                        <a:rPr lang="en-US" altLang="zh-CN" dirty="0"/>
+                        <a:t>file 3</a:t>
+                      </a:r>
+                      <a:endParaRPr lang="zh-CN" altLang="en-US" dirty="0"/>
+                    </a:p>
+                  </a:txBody>
+                  <a:tcPr>
+                    <a:solidFill>
+                      <a:schemeClr val="accent1"/>
+                    </a:solidFill>
+                  </a:tcPr>
+                </a:tc>
+                <a:extLst>
+                  <a:ext uri="{0D108BD9-81ED-4DB2-BD59-A6C34878D82A}">
+                    <a16:rowId xmlns:a16="http://schemas.microsoft.com/office/drawing/2014/main" val="645961219"/>
+                  </a:ext>
+                </a:extLst>
+              </a:tr>
+              <a:tr h="370840">
+                <a:tc>
+                  <a:txBody>
+                    <a:bodyPr/>
+                    <a:lstStyle/>
+                    <a:p>
+                      <a:endParaRPr lang="zh-CN" altLang="en-US" dirty="0"/>
+                    </a:p>
+                  </a:txBody>
+                  <a:tcPr>
+                    <a:solidFill>
+                      <a:schemeClr val="accent1"/>
+                    </a:solidFill>
+                  </a:tcPr>
+                </a:tc>
+                <a:tc>
+                  <a:txBody>
+                    <a:bodyPr/>
+                    <a:lstStyle/>
+                    <a:p>
+                      <a:endParaRPr lang="zh-CN" altLang="en-US" dirty="0"/>
+                    </a:p>
+                  </a:txBody>
+                  <a:tcPr>
+                    <a:solidFill>
+                      <a:schemeClr val="accent1"/>
+                    </a:solidFill>
+                  </a:tcPr>
+                </a:tc>
+                <a:tc>
+                  <a:txBody>
+                    <a:bodyPr/>
+                    <a:lstStyle/>
+                    <a:p>
+                      <a:endParaRPr lang="zh-CN" altLang="en-US" dirty="0"/>
+                    </a:p>
+                  </a:txBody>
+                  <a:tcPr>
+                    <a:solidFill>
+                      <a:schemeClr val="accent1"/>
+                    </a:solidFill>
+                  </a:tcPr>
+                </a:tc>
+                <a:tc>
+                  <a:txBody>
+                    <a:bodyPr/>
+                    <a:lstStyle/>
+                    <a:p>
+                      <a:endParaRPr lang="zh-CN" altLang="en-US" dirty="0"/>
+                    </a:p>
+                  </a:txBody>
+                  <a:tcPr>
+                    <a:solidFill>
+                      <a:schemeClr val="accent1"/>
+                    </a:solidFill>
+                  </a:tcPr>
+                </a:tc>
+                <a:extLst>
+                  <a:ext uri="{0D108BD9-81ED-4DB2-BD59-A6C34878D82A}">
+                    <a16:rowId xmlns:a16="http://schemas.microsoft.com/office/drawing/2014/main" val="3317916699"/>
+                  </a:ext>
+                </a:extLst>
+              </a:tr>
+              <a:tr h="370840">
+                <a:tc>
+                  <a:txBody>
+                    <a:bodyPr/>
+                    <a:lstStyle/>
+                    <a:p>
+                      <a:endParaRPr lang="zh-CN" altLang="en-US" dirty="0"/>
+                    </a:p>
+                  </a:txBody>
+                  <a:tcPr>
+                    <a:solidFill>
+                      <a:schemeClr val="accent1"/>
+                    </a:solidFill>
+                  </a:tcPr>
+                </a:tc>
+                <a:tc>
+                  <a:txBody>
+                    <a:bodyPr/>
+                    <a:lstStyle/>
+                    <a:p>
+                      <a:endParaRPr lang="zh-CN" altLang="en-US"/>
+                    </a:p>
+                  </a:txBody>
+                  <a:tcPr>
+                    <a:solidFill>
+                      <a:schemeClr val="accent1"/>
+                    </a:solidFill>
+                  </a:tcPr>
+                </a:tc>
+                <a:tc>
+                  <a:txBody>
+                    <a:bodyPr/>
+                    <a:lstStyle/>
+                    <a:p>
+                      <a:endParaRPr lang="zh-CN" altLang="en-US" dirty="0"/>
+                    </a:p>
+                  </a:txBody>
+                  <a:tcPr>
+                    <a:solidFill>
+                      <a:schemeClr val="accent1"/>
+                    </a:solidFill>
+                  </a:tcPr>
+                </a:tc>
+                <a:tc>
+                  <a:txBody>
+                    <a:bodyPr/>
+                    <a:lstStyle/>
+                    <a:p>
+                      <a:endParaRPr lang="zh-CN" altLang="en-US" dirty="0"/>
+                    </a:p>
+                  </a:txBody>
+                  <a:tcPr>
+                    <a:solidFill>
+                      <a:schemeClr val="accent1"/>
+                    </a:solidFill>
+                  </a:tcPr>
+                </a:tc>
+                <a:extLst>
+                  <a:ext uri="{0D108BD9-81ED-4DB2-BD59-A6C34878D82A}">
+                    <a16:rowId xmlns:a16="http://schemas.microsoft.com/office/drawing/2014/main" val="2706606378"/>
+                  </a:ext>
+                </a:extLst>
+              </a:tr>
+            </a:tbl>
+          </a:graphicData>
+        </a:graphic>
+      </p:graphicFrame>
+      <p:sp>
+        <p:nvSpPr>
+          <p:cNvPr id="51" name="文本框 50">
+            <a:extLst>
+              <a:ext uri="{FF2B5EF4-FFF2-40B4-BE49-F238E27FC236}">
+                <a16:creationId xmlns:a16="http://schemas.microsoft.com/office/drawing/2014/main" id="{F2A6F298-C74F-4374-8043-8A64476B8D49}"/>
+              </a:ext>
+            </a:extLst>
+          </p:cNvPr>
+          <p:cNvSpPr txBox="1"/>
+          <p:nvPr/>
+        </p:nvSpPr>
+        <p:spPr>
+          <a:xfrm>
+            <a:off x="7790051" y="5296071"/>
+            <a:ext cx="1216450" cy="438646"/>
+          </a:xfrm>
+          <a:prstGeom prst="rect">
+            <a:avLst/>
+          </a:prstGeom>
+          <a:noFill/>
+        </p:spPr>
+        <p:txBody>
+          <a:bodyPr wrap="square" rtlCol="0">
+            <a:spAutoFit/>
+          </a:bodyPr>
+          <a:lstStyle/>
+          <a:p>
+            <a:pPr>
+              <a:lnSpc>
+                <a:spcPts val="200"/>
+              </a:lnSpc>
+              <a:spcBef>
+                <a:spcPts val="600"/>
+              </a:spcBef>
+            </a:pPr>
+            <a:r>
+              <a:rPr lang="en-US" altLang="zh-CN" sz="3600" kern="0" dirty="0">
+                <a:latin typeface="Calibri" panose="020F0502020204030204" pitchFamily="34" charset="0"/>
+                <a:ea typeface="微软雅黑" panose="020B0503020204020204" pitchFamily="34" charset="-122"/>
+                <a:cs typeface="Calibri" panose="020F0502020204030204" pitchFamily="34" charset="0"/>
+                <a:sym typeface="+mn-lt"/>
+              </a:rPr>
+              <a:t>.</a:t>
+            </a:r>
+          </a:p>
+          <a:p>
+            <a:pPr>
+              <a:lnSpc>
+                <a:spcPts val="200"/>
+              </a:lnSpc>
+              <a:spcBef>
+                <a:spcPts val="600"/>
+              </a:spcBef>
+            </a:pPr>
+            <a:r>
+              <a:rPr lang="en-US" altLang="zh-CN" sz="3600" kern="0" dirty="0">
+                <a:latin typeface="Calibri" panose="020F0502020204030204" pitchFamily="34" charset="0"/>
+                <a:ea typeface="微软雅黑" panose="020B0503020204020204" pitchFamily="34" charset="-122"/>
+                <a:cs typeface="Calibri" panose="020F0502020204030204" pitchFamily="34" charset="0"/>
+                <a:sym typeface="+mn-lt"/>
+              </a:rPr>
+              <a:t>.</a:t>
+            </a:r>
+          </a:p>
+          <a:p>
+            <a:pPr>
+              <a:lnSpc>
+                <a:spcPts val="200"/>
+              </a:lnSpc>
+              <a:spcBef>
+                <a:spcPts val="600"/>
+              </a:spcBef>
+            </a:pPr>
+            <a:r>
+              <a:rPr lang="en-US" altLang="zh-CN" sz="3600" kern="0" dirty="0">
+                <a:latin typeface="Calibri" panose="020F0502020204030204" pitchFamily="34" charset="0"/>
+                <a:ea typeface="微软雅黑" panose="020B0503020204020204" pitchFamily="34" charset="-122"/>
+                <a:cs typeface="Calibri" panose="020F0502020204030204" pitchFamily="34" charset="0"/>
+                <a:sym typeface="+mn-lt"/>
+              </a:rPr>
+              <a:t>.</a:t>
+            </a:r>
+          </a:p>
+        </p:txBody>
+      </p:sp>
+      <p:sp>
+        <p:nvSpPr>
+          <p:cNvPr id="52" name="文本框 51">
+            <a:extLst>
+              <a:ext uri="{FF2B5EF4-FFF2-40B4-BE49-F238E27FC236}">
+                <a16:creationId xmlns:a16="http://schemas.microsoft.com/office/drawing/2014/main" id="{48799CC9-8075-42EF-BDB5-8141A4B6E4DA}"/>
+              </a:ext>
+            </a:extLst>
+          </p:cNvPr>
+          <p:cNvSpPr txBox="1"/>
+          <p:nvPr/>
+        </p:nvSpPr>
+        <p:spPr>
+          <a:xfrm>
+            <a:off x="10597042" y="4062997"/>
+            <a:ext cx="1295400" cy="827919"/>
+          </a:xfrm>
+          <a:prstGeom prst="rect">
+            <a:avLst/>
+          </a:prstGeom>
+          <a:noFill/>
+        </p:spPr>
+        <p:txBody>
+          <a:bodyPr wrap="square" rtlCol="0">
+            <a:spAutoFit/>
+          </a:bodyPr>
+          <a:lstStyle/>
+          <a:p>
+            <a:pPr>
+              <a:lnSpc>
+                <a:spcPct val="130000"/>
+              </a:lnSpc>
+              <a:spcBef>
+                <a:spcPts val="600"/>
+              </a:spcBef>
+            </a:pPr>
+            <a:r>
+              <a:rPr lang="en-US" altLang="zh-CN" sz="4000" kern="0" dirty="0">
+                <a:latin typeface="Calibri" panose="020F0502020204030204" pitchFamily="34" charset="0"/>
+                <a:ea typeface="微软雅黑" panose="020B0503020204020204" pitchFamily="34" charset="-122"/>
+                <a:cs typeface="Calibri" panose="020F0502020204030204" pitchFamily="34" charset="0"/>
+                <a:sym typeface="+mn-lt"/>
+              </a:rPr>
+              <a:t>…</a:t>
+            </a:r>
+            <a:endParaRPr lang="zh-CN" altLang="en-US" sz="4000" kern="0" dirty="0">
+              <a:latin typeface="Calibri" panose="020F0502020204030204" pitchFamily="34" charset="0"/>
+              <a:ea typeface="微软雅黑" panose="020B0503020204020204" pitchFamily="34" charset="-122"/>
+              <a:cs typeface="Calibri" panose="020F0502020204030204" pitchFamily="34" charset="0"/>
+              <a:sym typeface="+mn-lt"/>
+            </a:endParaRPr>
+          </a:p>
+        </p:txBody>
+      </p:sp>
+      <p:cxnSp>
+        <p:nvCxnSpPr>
+          <p:cNvPr id="53" name="直接箭头连接符 52">
+            <a:extLst>
+              <a:ext uri="{FF2B5EF4-FFF2-40B4-BE49-F238E27FC236}">
+                <a16:creationId xmlns:a16="http://schemas.microsoft.com/office/drawing/2014/main" id="{18AC628E-BF5A-459F-9588-99E65A60CD30}"/>
+              </a:ext>
+            </a:extLst>
+          </p:cNvPr>
+          <p:cNvCxnSpPr>
+            <a:cxnSpLocks/>
+            <a:stCxn id="44" idx="3"/>
+            <a:endCxn id="46" idx="1"/>
+          </p:cNvCxnSpPr>
+          <p:nvPr/>
+        </p:nvCxnSpPr>
+        <p:spPr>
+          <a:xfrm>
+            <a:off x="3438032" y="4197336"/>
+            <a:ext cx="1876782" cy="424501"/>
+          </a:xfrm>
+          <a:prstGeom prst="straightConnector1">
+            <a:avLst/>
+          </a:prstGeom>
+          <a:ln w="53975">
             <a:tailEnd type="triangle"/>
           </a:ln>
         </p:spPr>
@@ -21598,10 +24434,10 @@
       </p:cxnSp>
       <p:sp>
         <p:nvSpPr>
-          <p:cNvPr id="11" name="文本框 10">
+          <p:cNvPr id="60" name="文本框 59">
             <a:extLst>
               <a:ext uri="{FF2B5EF4-FFF2-40B4-BE49-F238E27FC236}">
-                <a16:creationId xmlns:a16="http://schemas.microsoft.com/office/drawing/2014/main" id="{FF7B1DA0-8178-4A57-BAE4-00978F47A44D}"/>
+                <a16:creationId xmlns:a16="http://schemas.microsoft.com/office/drawing/2014/main" id="{336E38CF-0B87-4EFB-99B8-3303335BD012}"/>
               </a:ext>
             </a:extLst>
           </p:cNvPr>
@@ -21610,8 +24446,8 @@
         </p:nvSpPr>
         <p:spPr>
           <a:xfrm>
-            <a:off x="1524000" y="3914775"/>
-            <a:ext cx="1152517" cy="349776"/>
+            <a:off x="4012942" y="2244327"/>
+            <a:ext cx="875893" cy="423321"/>
           </a:xfrm>
           <a:prstGeom prst="rect">
             <a:avLst/>
@@ -21633,33 +24469,15 @@
               </a:spcBef>
             </a:pPr>
             <a:r>
-              <a:rPr lang="en-US" altLang="zh-CN" sz="1400" kern="0" dirty="0" err="1">
+              <a:rPr lang="en-US" altLang="zh-CN" kern="0" dirty="0">
                 <a:latin typeface="Calibri" panose="020F0502020204030204" pitchFamily="34" charset="0"/>
                 <a:ea typeface="微软雅黑" panose="020B0503020204020204" pitchFamily="34" charset="-122"/>
                 <a:cs typeface="Calibri" panose="020F0502020204030204" pitchFamily="34" charset="0"/>
                 <a:sym typeface="+mn-lt"/>
               </a:rPr>
-              <a:t>F</a:t>
-            </a:r>
-            <a:r>
-              <a:rPr lang="en-US" altLang="zh-CN" sz="1400" kern="0" baseline="-25000" dirty="0" err="1">
-                <a:latin typeface="Calibri" panose="020F0502020204030204" pitchFamily="34" charset="0"/>
-                <a:ea typeface="微软雅黑" panose="020B0503020204020204" pitchFamily="34" charset="-122"/>
-                <a:cs typeface="Calibri" panose="020F0502020204030204" pitchFamily="34" charset="0"/>
-                <a:sym typeface="+mn-lt"/>
-              </a:rPr>
-              <a:t>k</a:t>
-            </a:r>
-            <a:r>
-              <a:rPr lang="en-US" altLang="zh-CN" sz="1400" kern="0" dirty="0">
-                <a:latin typeface="Calibri" panose="020F0502020204030204" pitchFamily="34" charset="0"/>
-                <a:ea typeface="微软雅黑" panose="020B0503020204020204" pitchFamily="34" charset="-122"/>
-                <a:cs typeface="Calibri" panose="020F0502020204030204" pitchFamily="34" charset="0"/>
-                <a:sym typeface="+mn-lt"/>
-              </a:rPr>
-              <a:t>(Keyword)</a:t>
-            </a:r>
-            <a:endParaRPr lang="zh-CN" altLang="en-US" sz="1400" kern="0" dirty="0">
+              <a:t>search</a:t>
+            </a:r>
+            <a:endParaRPr lang="zh-CN" altLang="en-US" kern="0" dirty="0">
               <a:latin typeface="Calibri" panose="020F0502020204030204" pitchFamily="34" charset="0"/>
               <a:ea typeface="微软雅黑" panose="020B0503020204020204" pitchFamily="34" charset="-122"/>
               <a:cs typeface="Calibri" panose="020F0502020204030204" pitchFamily="34" charset="0"/>
@@ -21670,10 +24488,10 @@
       </p:sp>
       <p:sp>
         <p:nvSpPr>
-          <p:cNvPr id="13" name="文本框 12">
+          <p:cNvPr id="61" name="文本框 60">
             <a:extLst>
               <a:ext uri="{FF2B5EF4-FFF2-40B4-BE49-F238E27FC236}">
-                <a16:creationId xmlns:a16="http://schemas.microsoft.com/office/drawing/2014/main" id="{3EDD70AD-37D4-498C-9FC4-85871FB478FE}"/>
+                <a16:creationId xmlns:a16="http://schemas.microsoft.com/office/drawing/2014/main" id="{05C95D99-9972-45E2-8AB2-75D11F0B60F0}"/>
               </a:ext>
             </a:extLst>
           </p:cNvPr>
@@ -21682,8 +24500,8 @@
         </p:nvSpPr>
         <p:spPr>
           <a:xfrm>
-            <a:off x="1158615" y="3041140"/>
-            <a:ext cx="1057275" cy="308995"/>
+            <a:off x="4339089" y="3327444"/>
+            <a:ext cx="875893" cy="423321"/>
           </a:xfrm>
           <a:prstGeom prst="rect">
             <a:avLst/>
@@ -21705,27 +24523,325 @@
               </a:spcBef>
             </a:pPr>
             <a:r>
-              <a:rPr lang="en-US" altLang="zh-CN" sz="1200" kern="0" dirty="0">
-                <a:latin typeface="微软雅黑" panose="020B0503020204020204" pitchFamily="34" charset="-122"/>
+              <a:rPr lang="en-US" altLang="zh-CN" kern="0" dirty="0">
+                <a:latin typeface="Calibri" panose="020F0502020204030204" pitchFamily="34" charset="0"/>
                 <a:ea typeface="微软雅黑" panose="020B0503020204020204" pitchFamily="34" charset="-122"/>
-                <a:cs typeface="+mn-ea"/>
+                <a:cs typeface="Calibri" panose="020F0502020204030204" pitchFamily="34" charset="0"/>
                 <a:sym typeface="+mn-lt"/>
               </a:rPr>
-              <a:t>Client</a:t>
-            </a:r>
-            <a:endParaRPr lang="zh-CN" altLang="en-US" sz="1200" kern="0" dirty="0">
-              <a:latin typeface="微软雅黑" panose="020B0503020204020204" pitchFamily="34" charset="-122"/>
+              <a:t>return</a:t>
+            </a:r>
+            <a:endParaRPr lang="zh-CN" altLang="en-US" kern="0" dirty="0">
+              <a:latin typeface="Calibri" panose="020F0502020204030204" pitchFamily="34" charset="0"/>
               <a:ea typeface="微软雅黑" panose="020B0503020204020204" pitchFamily="34" charset="-122"/>
-              <a:cs typeface="+mn-ea"/>
+              <a:cs typeface="Calibri" panose="020F0502020204030204" pitchFamily="34" charset="0"/>
               <a:sym typeface="+mn-lt"/>
             </a:endParaRPr>
           </a:p>
         </p:txBody>
       </p:sp>
+      <p:sp>
+        <p:nvSpPr>
+          <p:cNvPr id="62" name="文本框 61">
+            <a:extLst>
+              <a:ext uri="{FF2B5EF4-FFF2-40B4-BE49-F238E27FC236}">
+                <a16:creationId xmlns:a16="http://schemas.microsoft.com/office/drawing/2014/main" id="{B7DC040C-D706-436D-9C4D-25035267851E}"/>
+              </a:ext>
+            </a:extLst>
+          </p:cNvPr>
+          <p:cNvSpPr txBox="1"/>
+          <p:nvPr/>
+        </p:nvSpPr>
+        <p:spPr>
+          <a:xfrm>
+            <a:off x="4200927" y="3917815"/>
+            <a:ext cx="875893" cy="423321"/>
+          </a:xfrm>
+          <a:prstGeom prst="rect">
+            <a:avLst/>
+          </a:prstGeom>
+          <a:noFill/>
+        </p:spPr>
+        <p:txBody>
+          <a:bodyPr wrap="square" rtlCol="0">
+            <a:spAutoFit/>
+          </a:bodyPr>
+          <a:lstStyle/>
+          <a:p>
+            <a:pPr>
+              <a:lnSpc>
+                <a:spcPct val="130000"/>
+              </a:lnSpc>
+              <a:spcBef>
+                <a:spcPts val="600"/>
+              </a:spcBef>
+            </a:pPr>
+            <a:r>
+              <a:rPr lang="en-US" altLang="zh-CN" kern="0" dirty="0">
+                <a:latin typeface="Calibri" panose="020F0502020204030204" pitchFamily="34" charset="0"/>
+                <a:ea typeface="微软雅黑" panose="020B0503020204020204" pitchFamily="34" charset="-122"/>
+                <a:cs typeface="Calibri" panose="020F0502020204030204" pitchFamily="34" charset="0"/>
+                <a:sym typeface="+mn-lt"/>
+              </a:rPr>
+              <a:t>add</a:t>
+            </a:r>
+            <a:endParaRPr lang="zh-CN" altLang="en-US" kern="0" dirty="0">
+              <a:latin typeface="Calibri" panose="020F0502020204030204" pitchFamily="34" charset="0"/>
+              <a:ea typeface="微软雅黑" panose="020B0503020204020204" pitchFamily="34" charset="-122"/>
+              <a:cs typeface="Calibri" panose="020F0502020204030204" pitchFamily="34" charset="0"/>
+              <a:sym typeface="+mn-lt"/>
+            </a:endParaRPr>
+          </a:p>
+        </p:txBody>
+      </p:sp>
+      <p:graphicFrame>
+        <p:nvGraphicFramePr>
+          <p:cNvPr id="64" name="表格 63">
+            <a:extLst>
+              <a:ext uri="{FF2B5EF4-FFF2-40B4-BE49-F238E27FC236}">
+                <a16:creationId xmlns:a16="http://schemas.microsoft.com/office/drawing/2014/main" id="{F5CDDCC7-07E5-4088-BFE9-10E6B74EC2A9}"/>
+              </a:ext>
+            </a:extLst>
+          </p:cNvPr>
+          <p:cNvGraphicFramePr>
+            <a:graphicFrameLocks noGrp="1"/>
+          </p:cNvGraphicFramePr>
+          <p:nvPr>
+            <p:extLst>
+              <p:ext uri="{D42A27DB-BD31-4B8C-83A1-F6EECF244321}">
+                <p14:modId xmlns:p14="http://schemas.microsoft.com/office/powerpoint/2010/main" val="1183493392"/>
+              </p:ext>
+            </p:extLst>
+          </p:nvPr>
+        </p:nvGraphicFramePr>
+        <p:xfrm>
+          <a:off x="375621" y="5475415"/>
+          <a:ext cx="5632155" cy="370840"/>
+        </p:xfrm>
+        <a:graphic>
+          <a:graphicData uri="http://schemas.openxmlformats.org/drawingml/2006/table">
+            <a:tbl>
+              <a:tblPr firstRow="1" bandRow="1">
+                <a:tableStyleId>{5C22544A-7EE6-4342-B048-85BDC9FD1C3A}</a:tableStyleId>
+              </a:tblPr>
+              <a:tblGrid>
+                <a:gridCol w="1126431">
+                  <a:extLst>
+                    <a:ext uri="{9D8B030D-6E8A-4147-A177-3AD203B41FA5}">
+                      <a16:colId xmlns:a16="http://schemas.microsoft.com/office/drawing/2014/main" val="1612002391"/>
+                    </a:ext>
+                  </a:extLst>
+                </a:gridCol>
+                <a:gridCol w="1126431">
+                  <a:extLst>
+                    <a:ext uri="{9D8B030D-6E8A-4147-A177-3AD203B41FA5}">
+                      <a16:colId xmlns:a16="http://schemas.microsoft.com/office/drawing/2014/main" val="2754722710"/>
+                    </a:ext>
+                  </a:extLst>
+                </a:gridCol>
+                <a:gridCol w="1126431">
+                  <a:extLst>
+                    <a:ext uri="{9D8B030D-6E8A-4147-A177-3AD203B41FA5}">
+                      <a16:colId xmlns:a16="http://schemas.microsoft.com/office/drawing/2014/main" val="165097585"/>
+                    </a:ext>
+                  </a:extLst>
+                </a:gridCol>
+                <a:gridCol w="1126431">
+                  <a:extLst>
+                    <a:ext uri="{9D8B030D-6E8A-4147-A177-3AD203B41FA5}">
+                      <a16:colId xmlns:a16="http://schemas.microsoft.com/office/drawing/2014/main" val="19609632"/>
+                    </a:ext>
+                  </a:extLst>
+                </a:gridCol>
+                <a:gridCol w="1126431">
+                  <a:extLst>
+                    <a:ext uri="{9D8B030D-6E8A-4147-A177-3AD203B41FA5}">
+                      <a16:colId xmlns:a16="http://schemas.microsoft.com/office/drawing/2014/main" val="238565298"/>
+                    </a:ext>
+                  </a:extLst>
+                </a:gridCol>
+              </a:tblGrid>
+              <a:tr h="370840">
+                <a:tc>
+                  <a:txBody>
+                    <a:bodyPr/>
+                    <a:lstStyle/>
+                    <a:p>
+                      <a:r>
+                        <a:rPr lang="en-US" altLang="zh-CN" dirty="0"/>
+                        <a:t>File1</a:t>
+                      </a:r>
+                      <a:endParaRPr lang="zh-CN" altLang="en-US" dirty="0"/>
+                    </a:p>
+                  </a:txBody>
+                  <a:tcPr/>
+                </a:tc>
+                <a:tc>
+                  <a:txBody>
+                    <a:bodyPr/>
+                    <a:lstStyle/>
+                    <a:p>
+                      <a:r>
+                        <a:rPr lang="en-US" altLang="zh-CN" b="0" dirty="0"/>
+                        <a:t>File2</a:t>
+                      </a:r>
+                      <a:endParaRPr lang="zh-CN" altLang="en-US" b="0" dirty="0"/>
+                    </a:p>
+                  </a:txBody>
+                  <a:tcPr/>
+                </a:tc>
+                <a:tc>
+                  <a:txBody>
+                    <a:bodyPr/>
+                    <a:lstStyle/>
+                    <a:p>
+                      <a:r>
+                        <a:rPr lang="en-US" altLang="zh-CN" dirty="0"/>
+                        <a:t>File3</a:t>
+                      </a:r>
+                      <a:endParaRPr lang="zh-CN" altLang="en-US" dirty="0"/>
+                    </a:p>
+                  </a:txBody>
+                  <a:tcPr/>
+                </a:tc>
+                <a:tc>
+                  <a:txBody>
+                    <a:bodyPr/>
+                    <a:lstStyle/>
+                    <a:p>
+                      <a:r>
+                        <a:rPr lang="en-US" altLang="zh-CN" dirty="0"/>
+                        <a:t>File4</a:t>
+                      </a:r>
+                      <a:endParaRPr lang="zh-CN" altLang="en-US" dirty="0"/>
+                    </a:p>
+                  </a:txBody>
+                  <a:tcPr/>
+                </a:tc>
+                <a:tc>
+                  <a:txBody>
+                    <a:bodyPr/>
+                    <a:lstStyle/>
+                    <a:p>
+                      <a:r>
+                        <a:rPr lang="en-US" altLang="zh-CN" dirty="0"/>
+                        <a:t>file</a:t>
+                      </a:r>
+                      <a:endParaRPr lang="zh-CN" altLang="en-US" dirty="0"/>
+                    </a:p>
+                  </a:txBody>
+                  <a:tcPr/>
+                </a:tc>
+                <a:extLst>
+                  <a:ext uri="{0D108BD9-81ED-4DB2-BD59-A6C34878D82A}">
+                    <a16:rowId xmlns:a16="http://schemas.microsoft.com/office/drawing/2014/main" val="536247595"/>
+                  </a:ext>
+                </a:extLst>
+              </a:tr>
+            </a:tbl>
+          </a:graphicData>
+        </a:graphic>
+      </p:graphicFrame>
+      <p:sp>
+        <p:nvSpPr>
+          <p:cNvPr id="65" name="文本框 64">
+            <a:extLst>
+              <a:ext uri="{FF2B5EF4-FFF2-40B4-BE49-F238E27FC236}">
+                <a16:creationId xmlns:a16="http://schemas.microsoft.com/office/drawing/2014/main" id="{E1D2DF25-D9A1-4DFB-A7BE-FEBC6303AE5F}"/>
+              </a:ext>
+            </a:extLst>
+          </p:cNvPr>
+          <p:cNvSpPr txBox="1"/>
+          <p:nvPr/>
+        </p:nvSpPr>
+        <p:spPr>
+          <a:xfrm>
+            <a:off x="6007776" y="5101434"/>
+            <a:ext cx="1295400" cy="827919"/>
+          </a:xfrm>
+          <a:prstGeom prst="rect">
+            <a:avLst/>
+          </a:prstGeom>
+          <a:noFill/>
+        </p:spPr>
+        <p:txBody>
+          <a:bodyPr wrap="square" rtlCol="0">
+            <a:spAutoFit/>
+          </a:bodyPr>
+          <a:lstStyle/>
+          <a:p>
+            <a:pPr>
+              <a:lnSpc>
+                <a:spcPct val="130000"/>
+              </a:lnSpc>
+              <a:spcBef>
+                <a:spcPts val="600"/>
+              </a:spcBef>
+            </a:pPr>
+            <a:r>
+              <a:rPr lang="en-US" altLang="zh-CN" sz="4000" kern="0" dirty="0">
+                <a:latin typeface="Calibri" panose="020F0502020204030204" pitchFamily="34" charset="0"/>
+                <a:ea typeface="微软雅黑" panose="020B0503020204020204" pitchFamily="34" charset="-122"/>
+                <a:cs typeface="Calibri" panose="020F0502020204030204" pitchFamily="34" charset="0"/>
+                <a:sym typeface="+mn-lt"/>
+              </a:rPr>
+              <a:t>…</a:t>
+            </a:r>
+            <a:endParaRPr lang="zh-CN" altLang="en-US" sz="4000" kern="0" dirty="0">
+              <a:latin typeface="Calibri" panose="020F0502020204030204" pitchFamily="34" charset="0"/>
+              <a:ea typeface="微软雅黑" panose="020B0503020204020204" pitchFamily="34" charset="-122"/>
+              <a:cs typeface="Calibri" panose="020F0502020204030204" pitchFamily="34" charset="0"/>
+              <a:sym typeface="+mn-lt"/>
+            </a:endParaRPr>
+          </a:p>
+        </p:txBody>
+      </p:sp>
+      <p:cxnSp>
+        <p:nvCxnSpPr>
+          <p:cNvPr id="66" name="直接箭头连接符 65">
+            <a:extLst>
+              <a:ext uri="{FF2B5EF4-FFF2-40B4-BE49-F238E27FC236}">
+                <a16:creationId xmlns:a16="http://schemas.microsoft.com/office/drawing/2014/main" id="{5FBF6EDC-E534-4DA4-BE31-DF0C9A0F7E22}"/>
+              </a:ext>
+            </a:extLst>
+          </p:cNvPr>
+          <p:cNvCxnSpPr>
+            <a:cxnSpLocks/>
+            <a:stCxn id="44" idx="2"/>
+          </p:cNvCxnSpPr>
+          <p:nvPr/>
+        </p:nvCxnSpPr>
+        <p:spPr>
+          <a:xfrm flipH="1">
+            <a:off x="2184164" y="4380216"/>
+            <a:ext cx="12831" cy="1095199"/>
+          </a:xfrm>
+          <a:prstGeom prst="straightConnector1">
+            <a:avLst/>
+          </a:prstGeom>
+          <a:ln w="53975">
+            <a:tailEnd type="triangle"/>
+          </a:ln>
+        </p:spPr>
+        <p:style>
+          <a:lnRef idx="1">
+            <a:schemeClr val="accent1"/>
+          </a:lnRef>
+          <a:fillRef idx="0">
+            <a:schemeClr val="accent1"/>
+          </a:fillRef>
+          <a:effectRef idx="0">
+            <a:schemeClr val="accent1"/>
+          </a:effectRef>
+          <a:fontRef idx="minor">
+            <a:schemeClr val="tx1"/>
+          </a:fontRef>
+        </p:style>
+      </p:cxnSp>
     </p:spTree>
     <p:extLst>
       <p:ext uri="{BB962C8B-B14F-4D97-AF65-F5344CB8AC3E}">
-        <p14:creationId xmlns:p14="http://schemas.microsoft.com/office/powerpoint/2010/main" val="408101703"/>
+        <p14:creationId xmlns:p14="http://schemas.microsoft.com/office/powerpoint/2010/main" val="1553993540"/>
       </p:ext>
     </p:extLst>
   </p:cSld>
@@ -21735,7 +24851,7 @@
 </p:sld>
 </file>
 
-<file path=ppt/slides/slide15.xml><?xml version="1.0" encoding="utf-8"?>
+<file path=ppt/slides/slide16.xml><?xml version="1.0" encoding="utf-8"?>
 <p:sld xmlns:a="http://schemas.openxmlformats.org/drawingml/2006/main" xmlns:r="http://schemas.openxmlformats.org/officeDocument/2006/relationships" xmlns:p="http://schemas.openxmlformats.org/presentationml/2006/main">
   <p:cSld>
     <p:spTree>
@@ -21852,7 +24968,7 @@
 </p:sld>
 </file>
 
-<file path=ppt/slides/slide16.xml><?xml version="1.0" encoding="utf-8"?>
+<file path=ppt/slides/slide17.xml><?xml version="1.0" encoding="utf-8"?>
 <p:sld xmlns:a="http://schemas.openxmlformats.org/drawingml/2006/main" xmlns:r="http://schemas.openxmlformats.org/officeDocument/2006/relationships" xmlns:p="http://schemas.openxmlformats.org/presentationml/2006/main">
   <p:cSld>
     <p:spTree>
@@ -22192,7 +25308,7 @@
 </p:sld>
 </file>
 
-<file path=ppt/slides/slide17.xml><?xml version="1.0" encoding="utf-8"?>
+<file path=ppt/slides/slide18.xml><?xml version="1.0" encoding="utf-8"?>
 <p:sld xmlns:a="http://schemas.openxmlformats.org/drawingml/2006/main" xmlns:r="http://schemas.openxmlformats.org/officeDocument/2006/relationships" xmlns:p="http://schemas.openxmlformats.org/presentationml/2006/main">
   <p:cSld>
     <p:spTree>
@@ -22426,7 +25542,7 @@
 </p:sld>
 </file>
 
-<file path=ppt/slides/slide18.xml><?xml version="1.0" encoding="utf-8"?>
+<file path=ppt/slides/slide19.xml><?xml version="1.0" encoding="utf-8"?>
 <p:sld xmlns:a="http://schemas.openxmlformats.org/drawingml/2006/main" xmlns:r="http://schemas.openxmlformats.org/officeDocument/2006/relationships" xmlns:p="http://schemas.openxmlformats.org/presentationml/2006/main">
   <p:cSld>
     <p:spTree>
@@ -22543,243 +25659,6 @@
 </p:sld>
 </file>
 
-<file path=ppt/slides/slide19.xml><?xml version="1.0" encoding="utf-8"?>
-<p:sld xmlns:a="http://schemas.openxmlformats.org/drawingml/2006/main" xmlns:r="http://schemas.openxmlformats.org/officeDocument/2006/relationships" xmlns:p="http://schemas.openxmlformats.org/presentationml/2006/main">
-  <p:cSld>
-    <p:spTree>
-      <p:nvGrpSpPr>
-        <p:cNvPr id="1" name=""/>
-        <p:cNvGrpSpPr/>
-        <p:nvPr/>
-      </p:nvGrpSpPr>
-      <p:grpSpPr>
-        <a:xfrm>
-          <a:off x="0" y="0"/>
-          <a:ext cx="0" cy="0"/>
-          <a:chOff x="0" y="0"/>
-          <a:chExt cx="0" cy="0"/>
-        </a:xfrm>
-      </p:grpSpPr>
-      <p:sp>
-        <p:nvSpPr>
-          <p:cNvPr id="2" name="文本占位符 1">
-            <a:extLst>
-              <a:ext uri="{FF2B5EF4-FFF2-40B4-BE49-F238E27FC236}">
-                <a16:creationId xmlns:a16="http://schemas.microsoft.com/office/drawing/2014/main" id="{2662C375-D16B-41D2-82F2-7B5D3642E955}"/>
-              </a:ext>
-            </a:extLst>
-          </p:cNvPr>
-          <p:cNvSpPr>
-            <a:spLocks noGrp="1"/>
-          </p:cNvSpPr>
-          <p:nvPr>
-            <p:ph type="body" sz="quarter" idx="10"/>
-          </p:nvPr>
-        </p:nvSpPr>
-        <p:spPr/>
-        <p:txBody>
-          <a:bodyPr/>
-          <a:lstStyle/>
-          <a:p>
-            <a:r>
-              <a:rPr lang="en-US" altLang="zh-CN" dirty="0"/>
-              <a:t>04</a:t>
-            </a:r>
-            <a:endParaRPr lang="zh-CN" altLang="en-US" dirty="0"/>
-          </a:p>
-        </p:txBody>
-      </p:sp>
-      <p:sp>
-        <p:nvSpPr>
-          <p:cNvPr id="4" name="文本占位符 3">
-            <a:extLst>
-              <a:ext uri="{FF2B5EF4-FFF2-40B4-BE49-F238E27FC236}">
-                <a16:creationId xmlns:a16="http://schemas.microsoft.com/office/drawing/2014/main" id="{199B8678-227D-4286-8A5D-5DBC80C7759C}"/>
-              </a:ext>
-            </a:extLst>
-          </p:cNvPr>
-          <p:cNvSpPr>
-            <a:spLocks noGrp="1"/>
-          </p:cNvSpPr>
-          <p:nvPr>
-            <p:ph type="body" sz="quarter" idx="12"/>
-          </p:nvPr>
-        </p:nvSpPr>
-        <p:spPr/>
-        <p:txBody>
-          <a:bodyPr/>
-          <a:lstStyle/>
-          <a:p>
-            <a:r>
-              <a:rPr lang="en-US" altLang="zh-CN" dirty="0"/>
-              <a:t>Research plan</a:t>
-            </a:r>
-            <a:endParaRPr lang="zh-CN" altLang="en-US" dirty="0"/>
-          </a:p>
-        </p:txBody>
-      </p:sp>
-      <p:sp>
-        <p:nvSpPr>
-          <p:cNvPr id="9" name="文本框 8">
-            <a:extLst>
-              <a:ext uri="{FF2B5EF4-FFF2-40B4-BE49-F238E27FC236}">
-                <a16:creationId xmlns:a16="http://schemas.microsoft.com/office/drawing/2014/main" id="{52713D58-5894-40E1-B1F0-6B656A8667EE}"/>
-              </a:ext>
-            </a:extLst>
-          </p:cNvPr>
-          <p:cNvSpPr txBox="1"/>
-          <p:nvPr/>
-        </p:nvSpPr>
-        <p:spPr>
-          <a:xfrm>
-            <a:off x="749820" y="1520890"/>
-            <a:ext cx="10437584" cy="3645613"/>
-          </a:xfrm>
-          <a:prstGeom prst="rect">
-            <a:avLst/>
-          </a:prstGeom>
-          <a:noFill/>
-        </p:spPr>
-        <p:txBody>
-          <a:bodyPr wrap="square" rtlCol="0">
-            <a:spAutoFit/>
-          </a:bodyPr>
-          <a:lstStyle/>
-          <a:p>
-            <a:pPr>
-              <a:lnSpc>
-                <a:spcPct val="130000"/>
-              </a:lnSpc>
-              <a:spcBef>
-                <a:spcPts val="600"/>
-              </a:spcBef>
-            </a:pPr>
-            <a:r>
-              <a:rPr lang="en-US" altLang="zh-CN" sz="2000" kern="0" dirty="0">
-                <a:latin typeface="Calibri" panose="020F0502020204030204" pitchFamily="34" charset="0"/>
-                <a:ea typeface="微软雅黑" panose="020B0503020204020204" pitchFamily="34" charset="-122"/>
-                <a:cs typeface="Calibri" panose="020F0502020204030204" pitchFamily="34" charset="0"/>
-                <a:sym typeface="+mn-lt"/>
-              </a:rPr>
-              <a:t>Challenge 1:How the dynamic accumulator works in existing DSSE models.</a:t>
-            </a:r>
-          </a:p>
-          <a:p>
-            <a:pPr marL="342900" indent="-342900">
-              <a:lnSpc>
-                <a:spcPct val="130000"/>
-              </a:lnSpc>
-              <a:spcBef>
-                <a:spcPts val="600"/>
-              </a:spcBef>
-              <a:buFont typeface="Wingdings" panose="05000000000000000000" pitchFamily="2" charset="2"/>
-              <a:buChar char="n"/>
-            </a:pPr>
-            <a:r>
-              <a:rPr lang="en-US" altLang="zh-CN" sz="2000" kern="0" dirty="0">
-                <a:latin typeface="Calibri" panose="020F0502020204030204" pitchFamily="34" charset="0"/>
-                <a:ea typeface="微软雅黑" panose="020B0503020204020204" pitchFamily="34" charset="-122"/>
-                <a:cs typeface="Calibri" panose="020F0502020204030204" pitchFamily="34" charset="0"/>
-              </a:rPr>
-              <a:t>A cryptographic accumulator is a one way membership function. It answers a query as to whether a potential candidate is a member of a set without revealing the individual members of the set. </a:t>
-            </a:r>
-          </a:p>
-          <a:p>
-            <a:pPr marL="342900" indent="-342900">
-              <a:lnSpc>
-                <a:spcPct val="130000"/>
-              </a:lnSpc>
-              <a:spcBef>
-                <a:spcPts val="600"/>
-              </a:spcBef>
-              <a:buFont typeface="Wingdings" panose="05000000000000000000" pitchFamily="2" charset="2"/>
-              <a:buChar char="n"/>
-            </a:pPr>
-            <a:r>
-              <a:rPr lang="en-US" altLang="zh-CN" sz="2000" kern="0" dirty="0">
-                <a:latin typeface="Calibri" panose="020F0502020204030204" pitchFamily="34" charset="0"/>
-                <a:ea typeface="微软雅黑" panose="020B0503020204020204" pitchFamily="34" charset="-122"/>
-                <a:cs typeface="Calibri" panose="020F0502020204030204" pitchFamily="34" charset="0"/>
-                <a:sym typeface="+mn-lt"/>
-              </a:rPr>
-              <a:t>Dynamic accumulators can dynamically add and remove elements on existing accumulators</a:t>
-            </a:r>
-          </a:p>
-          <a:p>
-            <a:pPr marL="800089" lvl="1" indent="-342900">
-              <a:lnSpc>
-                <a:spcPct val="130000"/>
-              </a:lnSpc>
-              <a:spcBef>
-                <a:spcPts val="600"/>
-              </a:spcBef>
-              <a:buFont typeface="Wingdings" panose="05000000000000000000" pitchFamily="2" charset="2"/>
-              <a:buChar char="Ø"/>
-            </a:pPr>
-            <a:r>
-              <a:rPr lang="en-US" altLang="zh-CN" sz="2000" kern="0" dirty="0">
-                <a:latin typeface="Calibri" panose="020F0502020204030204" pitchFamily="34" charset="0"/>
-                <a:ea typeface="微软雅黑" panose="020B0503020204020204" pitchFamily="34" charset="-122"/>
-                <a:cs typeface="Calibri" panose="020F0502020204030204" pitchFamily="34" charset="0"/>
-                <a:sym typeface="+mn-lt"/>
-              </a:rPr>
-              <a:t>Dynamically add or remove elements</a:t>
-            </a:r>
-          </a:p>
-          <a:p>
-            <a:pPr marL="800089" lvl="1" indent="-342900">
-              <a:lnSpc>
-                <a:spcPct val="130000"/>
-              </a:lnSpc>
-              <a:spcBef>
-                <a:spcPts val="600"/>
-              </a:spcBef>
-              <a:buFont typeface="Wingdings" panose="05000000000000000000" pitchFamily="2" charset="2"/>
-              <a:buChar char="Ø"/>
-            </a:pPr>
-            <a:r>
-              <a:rPr lang="en-US" altLang="zh-CN" sz="2000" kern="0" dirty="0">
-                <a:latin typeface="Calibri" panose="020F0502020204030204" pitchFamily="34" charset="0"/>
-                <a:ea typeface="微软雅黑" panose="020B0503020204020204" pitchFamily="34" charset="-122"/>
-                <a:cs typeface="Calibri" panose="020F0502020204030204" pitchFamily="34" charset="0"/>
-                <a:sym typeface="+mn-lt"/>
-              </a:rPr>
-              <a:t>Will not expose collection members</a:t>
-            </a:r>
-          </a:p>
-          <a:p>
-            <a:pPr marL="800089" lvl="1" indent="-342900">
-              <a:lnSpc>
-                <a:spcPct val="130000"/>
-              </a:lnSpc>
-              <a:spcBef>
-                <a:spcPts val="600"/>
-              </a:spcBef>
-              <a:buFont typeface="Wingdings" panose="05000000000000000000" pitchFamily="2" charset="2"/>
-              <a:buChar char="n"/>
-            </a:pPr>
-            <a:endParaRPr lang="zh-CN" altLang="en-US" sz="2000" kern="0" dirty="0">
-              <a:latin typeface="Calibri" panose="020F0502020204030204" pitchFamily="34" charset="0"/>
-              <a:ea typeface="微软雅黑" panose="020B0503020204020204" pitchFamily="34" charset="-122"/>
-              <a:cs typeface="Calibri" panose="020F0502020204030204" pitchFamily="34" charset="0"/>
-              <a:sym typeface="+mn-lt"/>
-            </a:endParaRPr>
-          </a:p>
-        </p:txBody>
-      </p:sp>
-    </p:spTree>
-    <p:extLst>
-      <p:ext uri="{BB962C8B-B14F-4D97-AF65-F5344CB8AC3E}">
-        <p14:creationId xmlns:p14="http://schemas.microsoft.com/office/powerpoint/2010/main" val="2053921652"/>
-      </p:ext>
-    </p:extLst>
-  </p:cSld>
-  <p:clrMapOvr>
-    <a:masterClrMapping/>
-  </p:clrMapOvr>
-</p:sld>
-</file>
-
 <file path=ppt/slides/slide2.xml><?xml version="1.0" encoding="utf-8"?>
 <p:sld xmlns:a="http://schemas.openxmlformats.org/drawingml/2006/main" xmlns:r="http://schemas.openxmlformats.org/officeDocument/2006/relationships" xmlns:p="http://schemas.openxmlformats.org/presentationml/2006/main">
   <p:cSld>
@@ -22953,6 +25832,216 @@
               <a:rPr kumimoji="1" lang="en-US" altLang="zh-CN" dirty="0"/>
               <a:t>Research plan</a:t>
             </a:r>
+            <a:endParaRPr kumimoji="1" lang="zh-CN" altLang="en-US" dirty="0"/>
+          </a:p>
+        </p:txBody>
+      </p:sp>
+      <p:sp>
+        <p:nvSpPr>
+          <p:cNvPr id="7" name="文本占位符 5">
+            <a:extLst>
+              <a:ext uri="{FF2B5EF4-FFF2-40B4-BE49-F238E27FC236}">
+                <a16:creationId xmlns:a16="http://schemas.microsoft.com/office/drawing/2014/main" id="{D953FD7E-C177-4FBF-906C-06C6DA21105F}"/>
+              </a:ext>
+            </a:extLst>
+          </p:cNvPr>
+          <p:cNvSpPr txBox="1">
+            <a:spLocks/>
+          </p:cNvSpPr>
+          <p:nvPr/>
+        </p:nvSpPr>
+        <p:spPr>
+          <a:xfrm>
+            <a:off x="1442998" y="4913246"/>
+            <a:ext cx="5785627" cy="495054"/>
+          </a:xfrm>
+          <a:prstGeom prst="rect">
+            <a:avLst/>
+          </a:prstGeom>
+          <a:noFill/>
+        </p:spPr>
+        <p:txBody>
+          <a:bodyPr anchor="t"/>
+          <a:lstStyle>
+            <a:lvl1pPr marL="0" indent="0" algn="l" defTabSz="914400" rtl="0" eaLnBrk="1" latinLnBrk="0" hangingPunct="1">
+              <a:lnSpc>
+                <a:spcPct val="130000"/>
+              </a:lnSpc>
+              <a:spcBef>
+                <a:spcPts val="1000"/>
+              </a:spcBef>
+              <a:buFont typeface="Arial" panose="020B0604020202020204" pitchFamily="34" charset="0"/>
+              <a:buNone/>
+              <a:defRPr sz="1800" b="0" kern="1200">
+                <a:solidFill>
+                  <a:schemeClr val="bg1"/>
+                </a:solidFill>
+                <a:latin typeface="+mn-lt"/>
+                <a:ea typeface="+mn-ea"/>
+                <a:cs typeface="+mn-cs"/>
+              </a:defRPr>
+            </a:lvl1pPr>
+            <a:lvl2pPr marL="685800" indent="-228600" algn="l" defTabSz="914400" rtl="0" eaLnBrk="1" latinLnBrk="0" hangingPunct="1">
+              <a:lnSpc>
+                <a:spcPct val="90000"/>
+              </a:lnSpc>
+              <a:spcBef>
+                <a:spcPts val="500"/>
+              </a:spcBef>
+              <a:buFont typeface="Arial" panose="020B0604020202020204" pitchFamily="34" charset="0"/>
+              <a:buChar char="•"/>
+              <a:defRPr sz="2400" kern="1200">
+                <a:solidFill>
+                  <a:schemeClr val="tx1"/>
+                </a:solidFill>
+                <a:latin typeface="+mn-lt"/>
+                <a:ea typeface="+mn-ea"/>
+                <a:cs typeface="+mn-cs"/>
+              </a:defRPr>
+            </a:lvl2pPr>
+            <a:lvl3pPr marL="1143000" indent="-228600" algn="l" defTabSz="914400" rtl="0" eaLnBrk="1" latinLnBrk="0" hangingPunct="1">
+              <a:lnSpc>
+                <a:spcPct val="90000"/>
+              </a:lnSpc>
+              <a:spcBef>
+                <a:spcPts val="500"/>
+              </a:spcBef>
+              <a:buFont typeface="Arial" panose="020B0604020202020204" pitchFamily="34" charset="0"/>
+              <a:buChar char="•"/>
+              <a:defRPr sz="2000" kern="1200">
+                <a:solidFill>
+                  <a:schemeClr val="tx1"/>
+                </a:solidFill>
+                <a:latin typeface="+mn-lt"/>
+                <a:ea typeface="+mn-ea"/>
+                <a:cs typeface="+mn-cs"/>
+              </a:defRPr>
+            </a:lvl3pPr>
+            <a:lvl4pPr marL="1600200" indent="-228600" algn="l" defTabSz="914400" rtl="0" eaLnBrk="1" latinLnBrk="0" hangingPunct="1">
+              <a:lnSpc>
+                <a:spcPct val="90000"/>
+              </a:lnSpc>
+              <a:spcBef>
+                <a:spcPts val="500"/>
+              </a:spcBef>
+              <a:buFont typeface="Arial" panose="020B0604020202020204" pitchFamily="34" charset="0"/>
+              <a:buChar char="•"/>
+              <a:defRPr sz="1800" kern="1200">
+                <a:solidFill>
+                  <a:schemeClr val="tx1"/>
+                </a:solidFill>
+                <a:latin typeface="+mn-lt"/>
+                <a:ea typeface="+mn-ea"/>
+                <a:cs typeface="+mn-cs"/>
+              </a:defRPr>
+            </a:lvl4pPr>
+            <a:lvl5pPr marL="2057400" indent="-228600" algn="l" defTabSz="914400" rtl="0" eaLnBrk="1" latinLnBrk="0" hangingPunct="1">
+              <a:lnSpc>
+                <a:spcPct val="90000"/>
+              </a:lnSpc>
+              <a:spcBef>
+                <a:spcPts val="500"/>
+              </a:spcBef>
+              <a:buFont typeface="Arial" panose="020B0604020202020204" pitchFamily="34" charset="0"/>
+              <a:buChar char="•"/>
+              <a:defRPr sz="1800" kern="1200">
+                <a:solidFill>
+                  <a:schemeClr val="tx1"/>
+                </a:solidFill>
+                <a:latin typeface="+mn-lt"/>
+                <a:ea typeface="+mn-ea"/>
+                <a:cs typeface="+mn-cs"/>
+              </a:defRPr>
+            </a:lvl5pPr>
+            <a:lvl6pPr marL="2514600" indent="-228600" algn="l" defTabSz="914400" rtl="0" eaLnBrk="1" latinLnBrk="0" hangingPunct="1">
+              <a:lnSpc>
+                <a:spcPct val="90000"/>
+              </a:lnSpc>
+              <a:spcBef>
+                <a:spcPts val="500"/>
+              </a:spcBef>
+              <a:buFont typeface="Arial" panose="020B0604020202020204" pitchFamily="34" charset="0"/>
+              <a:buChar char="•"/>
+              <a:defRPr sz="1800" kern="1200">
+                <a:solidFill>
+                  <a:schemeClr val="tx1"/>
+                </a:solidFill>
+                <a:latin typeface="+mn-lt"/>
+                <a:ea typeface="+mn-ea"/>
+                <a:cs typeface="+mn-cs"/>
+              </a:defRPr>
+            </a:lvl6pPr>
+            <a:lvl7pPr marL="2971800" indent="-228600" algn="l" defTabSz="914400" rtl="0" eaLnBrk="1" latinLnBrk="0" hangingPunct="1">
+              <a:lnSpc>
+                <a:spcPct val="90000"/>
+              </a:lnSpc>
+              <a:spcBef>
+                <a:spcPts val="500"/>
+              </a:spcBef>
+              <a:buFont typeface="Arial" panose="020B0604020202020204" pitchFamily="34" charset="0"/>
+              <a:buChar char="•"/>
+              <a:defRPr sz="1800" kern="1200">
+                <a:solidFill>
+                  <a:schemeClr val="tx1"/>
+                </a:solidFill>
+                <a:latin typeface="+mn-lt"/>
+                <a:ea typeface="+mn-ea"/>
+                <a:cs typeface="+mn-cs"/>
+              </a:defRPr>
+            </a:lvl7pPr>
+            <a:lvl8pPr marL="3429000" indent="-228600" algn="l" defTabSz="914400" rtl="0" eaLnBrk="1" latinLnBrk="0" hangingPunct="1">
+              <a:lnSpc>
+                <a:spcPct val="90000"/>
+              </a:lnSpc>
+              <a:spcBef>
+                <a:spcPts val="500"/>
+              </a:spcBef>
+              <a:buFont typeface="Arial" panose="020B0604020202020204" pitchFamily="34" charset="0"/>
+              <a:buChar char="•"/>
+              <a:defRPr sz="1800" kern="1200">
+                <a:solidFill>
+                  <a:schemeClr val="tx1"/>
+                </a:solidFill>
+                <a:latin typeface="+mn-lt"/>
+                <a:ea typeface="+mn-ea"/>
+                <a:cs typeface="+mn-cs"/>
+              </a:defRPr>
+            </a:lvl8pPr>
+            <a:lvl9pPr marL="3886200" indent="-228600" algn="l" defTabSz="914400" rtl="0" eaLnBrk="1" latinLnBrk="0" hangingPunct="1">
+              <a:lnSpc>
+                <a:spcPct val="90000"/>
+              </a:lnSpc>
+              <a:spcBef>
+                <a:spcPts val="500"/>
+              </a:spcBef>
+              <a:buFont typeface="Arial" panose="020B0604020202020204" pitchFamily="34" charset="0"/>
+              <a:buChar char="•"/>
+              <a:defRPr sz="1800" kern="1200">
+                <a:solidFill>
+                  <a:schemeClr val="tx1"/>
+                </a:solidFill>
+                <a:latin typeface="+mn-lt"/>
+                <a:ea typeface="+mn-ea"/>
+                <a:cs typeface="+mn-cs"/>
+              </a:defRPr>
+            </a:lvl9pPr>
+          </a:lstStyle>
+          <a:p>
+            <a:r>
+              <a:rPr kumimoji="1" lang="en-US" altLang="zh-CN" dirty="0"/>
+              <a:t>05</a:t>
+            </a:r>
+            <a:r>
+              <a:rPr kumimoji="1" lang="zh-CN" altLang="en-US" dirty="0"/>
+              <a:t> </a:t>
+            </a:r>
+            <a:r>
+              <a:rPr kumimoji="1" lang="en-US" altLang="zh-CN" dirty="0"/>
+              <a:t>Overview and Schedule</a:t>
+            </a:r>
+            <a:endParaRPr kumimoji="1" lang="zh-CN" altLang="en-US" dirty="0"/>
+          </a:p>
+          <a:p>
             <a:endParaRPr kumimoji="1" lang="zh-CN" altLang="en-US" dirty="0"/>
           </a:p>
         </p:txBody>
@@ -22995,6 +26084,243 @@
           <p:cNvPr id="2" name="文本占位符 1">
             <a:extLst>
               <a:ext uri="{FF2B5EF4-FFF2-40B4-BE49-F238E27FC236}">
+                <a16:creationId xmlns:a16="http://schemas.microsoft.com/office/drawing/2014/main" id="{2662C375-D16B-41D2-82F2-7B5D3642E955}"/>
+              </a:ext>
+            </a:extLst>
+          </p:cNvPr>
+          <p:cNvSpPr>
+            <a:spLocks noGrp="1"/>
+          </p:cNvSpPr>
+          <p:nvPr>
+            <p:ph type="body" sz="quarter" idx="10"/>
+          </p:nvPr>
+        </p:nvSpPr>
+        <p:spPr/>
+        <p:txBody>
+          <a:bodyPr/>
+          <a:lstStyle/>
+          <a:p>
+            <a:r>
+              <a:rPr lang="en-US" altLang="zh-CN" dirty="0"/>
+              <a:t>04</a:t>
+            </a:r>
+            <a:endParaRPr lang="zh-CN" altLang="en-US" dirty="0"/>
+          </a:p>
+        </p:txBody>
+      </p:sp>
+      <p:sp>
+        <p:nvSpPr>
+          <p:cNvPr id="4" name="文本占位符 3">
+            <a:extLst>
+              <a:ext uri="{FF2B5EF4-FFF2-40B4-BE49-F238E27FC236}">
+                <a16:creationId xmlns:a16="http://schemas.microsoft.com/office/drawing/2014/main" id="{199B8678-227D-4286-8A5D-5DBC80C7759C}"/>
+              </a:ext>
+            </a:extLst>
+          </p:cNvPr>
+          <p:cNvSpPr>
+            <a:spLocks noGrp="1"/>
+          </p:cNvSpPr>
+          <p:nvPr>
+            <p:ph type="body" sz="quarter" idx="12"/>
+          </p:nvPr>
+        </p:nvSpPr>
+        <p:spPr/>
+        <p:txBody>
+          <a:bodyPr/>
+          <a:lstStyle/>
+          <a:p>
+            <a:r>
+              <a:rPr lang="en-US" altLang="zh-CN" dirty="0"/>
+              <a:t>Research plan</a:t>
+            </a:r>
+            <a:endParaRPr lang="zh-CN" altLang="en-US" dirty="0"/>
+          </a:p>
+        </p:txBody>
+      </p:sp>
+      <p:sp>
+        <p:nvSpPr>
+          <p:cNvPr id="9" name="文本框 8">
+            <a:extLst>
+              <a:ext uri="{FF2B5EF4-FFF2-40B4-BE49-F238E27FC236}">
+                <a16:creationId xmlns:a16="http://schemas.microsoft.com/office/drawing/2014/main" id="{52713D58-5894-40E1-B1F0-6B656A8667EE}"/>
+              </a:ext>
+            </a:extLst>
+          </p:cNvPr>
+          <p:cNvSpPr txBox="1"/>
+          <p:nvPr/>
+        </p:nvSpPr>
+        <p:spPr>
+          <a:xfrm>
+            <a:off x="749820" y="1520890"/>
+            <a:ext cx="10437584" cy="3645613"/>
+          </a:xfrm>
+          <a:prstGeom prst="rect">
+            <a:avLst/>
+          </a:prstGeom>
+          <a:noFill/>
+        </p:spPr>
+        <p:txBody>
+          <a:bodyPr wrap="square" rtlCol="0">
+            <a:spAutoFit/>
+          </a:bodyPr>
+          <a:lstStyle/>
+          <a:p>
+            <a:pPr>
+              <a:lnSpc>
+                <a:spcPct val="130000"/>
+              </a:lnSpc>
+              <a:spcBef>
+                <a:spcPts val="600"/>
+              </a:spcBef>
+            </a:pPr>
+            <a:r>
+              <a:rPr lang="en-US" altLang="zh-CN" sz="2000" kern="0" dirty="0">
+                <a:latin typeface="Calibri" panose="020F0502020204030204" pitchFamily="34" charset="0"/>
+                <a:ea typeface="微软雅黑" panose="020B0503020204020204" pitchFamily="34" charset="-122"/>
+                <a:cs typeface="Calibri" panose="020F0502020204030204" pitchFamily="34" charset="0"/>
+                <a:sym typeface="+mn-lt"/>
+              </a:rPr>
+              <a:t>Challenge 1:How the dynamic accumulator works in existing DSSE models.</a:t>
+            </a:r>
+          </a:p>
+          <a:p>
+            <a:pPr marL="342900" indent="-342900">
+              <a:lnSpc>
+                <a:spcPct val="130000"/>
+              </a:lnSpc>
+              <a:spcBef>
+                <a:spcPts val="600"/>
+              </a:spcBef>
+              <a:buFont typeface="Wingdings" panose="05000000000000000000" pitchFamily="2" charset="2"/>
+              <a:buChar char="n"/>
+            </a:pPr>
+            <a:r>
+              <a:rPr lang="en-US" altLang="zh-CN" sz="2000" kern="0" dirty="0">
+                <a:latin typeface="Calibri" panose="020F0502020204030204" pitchFamily="34" charset="0"/>
+                <a:ea typeface="微软雅黑" panose="020B0503020204020204" pitchFamily="34" charset="-122"/>
+                <a:cs typeface="Calibri" panose="020F0502020204030204" pitchFamily="34" charset="0"/>
+              </a:rPr>
+              <a:t>A cryptographic accumulator is a one way membership function. It answers a query as to whether a potential candidate is a member of a set without revealing the individual members of the set. </a:t>
+            </a:r>
+          </a:p>
+          <a:p>
+            <a:pPr marL="342900" indent="-342900">
+              <a:lnSpc>
+                <a:spcPct val="130000"/>
+              </a:lnSpc>
+              <a:spcBef>
+                <a:spcPts val="600"/>
+              </a:spcBef>
+              <a:buFont typeface="Wingdings" panose="05000000000000000000" pitchFamily="2" charset="2"/>
+              <a:buChar char="n"/>
+            </a:pPr>
+            <a:r>
+              <a:rPr lang="en-US" altLang="zh-CN" sz="2000" kern="0" dirty="0">
+                <a:latin typeface="Calibri" panose="020F0502020204030204" pitchFamily="34" charset="0"/>
+                <a:ea typeface="微软雅黑" panose="020B0503020204020204" pitchFamily="34" charset="-122"/>
+                <a:cs typeface="Calibri" panose="020F0502020204030204" pitchFamily="34" charset="0"/>
+                <a:sym typeface="+mn-lt"/>
+              </a:rPr>
+              <a:t>Dynamic accumulators can dynamically add and remove elements on existing accumulators</a:t>
+            </a:r>
+          </a:p>
+          <a:p>
+            <a:pPr marL="800089" lvl="1" indent="-342900">
+              <a:lnSpc>
+                <a:spcPct val="130000"/>
+              </a:lnSpc>
+              <a:spcBef>
+                <a:spcPts val="600"/>
+              </a:spcBef>
+              <a:buFont typeface="Wingdings" panose="05000000000000000000" pitchFamily="2" charset="2"/>
+              <a:buChar char="Ø"/>
+            </a:pPr>
+            <a:r>
+              <a:rPr lang="en-US" altLang="zh-CN" sz="2000" kern="0" dirty="0">
+                <a:latin typeface="Calibri" panose="020F0502020204030204" pitchFamily="34" charset="0"/>
+                <a:ea typeface="微软雅黑" panose="020B0503020204020204" pitchFamily="34" charset="-122"/>
+                <a:cs typeface="Calibri" panose="020F0502020204030204" pitchFamily="34" charset="0"/>
+                <a:sym typeface="+mn-lt"/>
+              </a:rPr>
+              <a:t>Dynamically add or remove elements</a:t>
+            </a:r>
+          </a:p>
+          <a:p>
+            <a:pPr marL="800089" lvl="1" indent="-342900">
+              <a:lnSpc>
+                <a:spcPct val="130000"/>
+              </a:lnSpc>
+              <a:spcBef>
+                <a:spcPts val="600"/>
+              </a:spcBef>
+              <a:buFont typeface="Wingdings" panose="05000000000000000000" pitchFamily="2" charset="2"/>
+              <a:buChar char="Ø"/>
+            </a:pPr>
+            <a:r>
+              <a:rPr lang="en-US" altLang="zh-CN" sz="2000" kern="0" dirty="0">
+                <a:latin typeface="Calibri" panose="020F0502020204030204" pitchFamily="34" charset="0"/>
+                <a:ea typeface="微软雅黑" panose="020B0503020204020204" pitchFamily="34" charset="-122"/>
+                <a:cs typeface="Calibri" panose="020F0502020204030204" pitchFamily="34" charset="0"/>
+                <a:sym typeface="+mn-lt"/>
+              </a:rPr>
+              <a:t>Will not expose collection members</a:t>
+            </a:r>
+          </a:p>
+          <a:p>
+            <a:pPr marL="800089" lvl="1" indent="-342900">
+              <a:lnSpc>
+                <a:spcPct val="130000"/>
+              </a:lnSpc>
+              <a:spcBef>
+                <a:spcPts val="600"/>
+              </a:spcBef>
+              <a:buFont typeface="Wingdings" panose="05000000000000000000" pitchFamily="2" charset="2"/>
+              <a:buChar char="n"/>
+            </a:pPr>
+            <a:endParaRPr lang="zh-CN" altLang="en-US" sz="2000" kern="0" dirty="0">
+              <a:latin typeface="Calibri" panose="020F0502020204030204" pitchFamily="34" charset="0"/>
+              <a:ea typeface="微软雅黑" panose="020B0503020204020204" pitchFamily="34" charset="-122"/>
+              <a:cs typeface="Calibri" panose="020F0502020204030204" pitchFamily="34" charset="0"/>
+              <a:sym typeface="+mn-lt"/>
+            </a:endParaRPr>
+          </a:p>
+        </p:txBody>
+      </p:sp>
+    </p:spTree>
+    <p:extLst>
+      <p:ext uri="{BB962C8B-B14F-4D97-AF65-F5344CB8AC3E}">
+        <p14:creationId xmlns:p14="http://schemas.microsoft.com/office/powerpoint/2010/main" val="2053921652"/>
+      </p:ext>
+    </p:extLst>
+  </p:cSld>
+  <p:clrMapOvr>
+    <a:masterClrMapping/>
+  </p:clrMapOvr>
+</p:sld>
+</file>
+
+<file path=ppt/slides/slide21.xml><?xml version="1.0" encoding="utf-8"?>
+<p:sld xmlns:a="http://schemas.openxmlformats.org/drawingml/2006/main" xmlns:r="http://schemas.openxmlformats.org/officeDocument/2006/relationships" xmlns:p="http://schemas.openxmlformats.org/presentationml/2006/main">
+  <p:cSld>
+    <p:spTree>
+      <p:nvGrpSpPr>
+        <p:cNvPr id="1" name=""/>
+        <p:cNvGrpSpPr/>
+        <p:nvPr/>
+      </p:nvGrpSpPr>
+      <p:grpSpPr>
+        <a:xfrm>
+          <a:off x="0" y="0"/>
+          <a:ext cx="0" cy="0"/>
+          <a:chOff x="0" y="0"/>
+          <a:chExt cx="0" cy="0"/>
+        </a:xfrm>
+      </p:grpSpPr>
+      <p:sp>
+        <p:nvSpPr>
+          <p:cNvPr id="2" name="文本占位符 1">
+            <a:extLst>
+              <a:ext uri="{FF2B5EF4-FFF2-40B4-BE49-F238E27FC236}">
                 <a16:creationId xmlns:a16="http://schemas.microsoft.com/office/drawing/2014/main" id="{1B840B98-C37C-4EEF-93BC-30075E23A574}"/>
               </a:ext>
             </a:extLst>
@@ -23063,7 +26389,7 @@
         <p:spPr>
           <a:xfrm>
             <a:off x="662473" y="1463846"/>
-            <a:ext cx="10692882" cy="3930307"/>
+            <a:ext cx="10692882" cy="4776692"/>
           </a:xfrm>
           <a:prstGeom prst="rect">
             <a:avLst/>
@@ -23114,7 +26440,70 @@
                 <a:cs typeface="Calibri" panose="020F0502020204030204" pitchFamily="34" charset="0"/>
                 <a:sym typeface="+mn-lt"/>
               </a:rPr>
-              <a:t>The DSSE model involves a large number of keyword matching processes in the search process. The comparison process involves a large number of hash operations, so reducing the keyword matching process can significantly improve the query speed.</a:t>
+              <a:t>The traditional method</a:t>
+            </a:r>
+          </a:p>
+          <a:p>
+            <a:pPr marL="1257277" lvl="2" indent="-342900">
+              <a:lnSpc>
+                <a:spcPct val="200000"/>
+              </a:lnSpc>
+              <a:spcBef>
+                <a:spcPts val="600"/>
+              </a:spcBef>
+              <a:buFont typeface="Wingdings" panose="05000000000000000000" pitchFamily="2" charset="2"/>
+              <a:buChar char="Ø"/>
+            </a:pPr>
+            <a:r>
+              <a:rPr lang="en-US" altLang="zh-CN" sz="2000" kern="0" dirty="0">
+                <a:latin typeface="Calibri" panose="020F0502020204030204" pitchFamily="34" charset="0"/>
+                <a:ea typeface="微软雅黑" panose="020B0503020204020204" pitchFamily="34" charset="-122"/>
+                <a:cs typeface="Calibri" panose="020F0502020204030204" pitchFamily="34" charset="0"/>
+                <a:sym typeface="+mn-lt"/>
+              </a:rPr>
+              <a:t>A large number of keyword matching processes</a:t>
+            </a:r>
+          </a:p>
+          <a:p>
+            <a:pPr marL="1257277" lvl="2" indent="-342900">
+              <a:lnSpc>
+                <a:spcPct val="200000"/>
+              </a:lnSpc>
+              <a:spcBef>
+                <a:spcPts val="600"/>
+              </a:spcBef>
+              <a:buFont typeface="Wingdings" panose="05000000000000000000" pitchFamily="2" charset="2"/>
+              <a:buChar char="Ø"/>
+            </a:pPr>
+            <a:r>
+              <a:rPr lang="en-US" altLang="zh-CN" sz="2000" kern="0" dirty="0">
+                <a:latin typeface="Calibri" panose="020F0502020204030204" pitchFamily="34" charset="0"/>
+                <a:ea typeface="微软雅黑" panose="020B0503020204020204" pitchFamily="34" charset="-122"/>
+                <a:cs typeface="Calibri" panose="020F0502020204030204" pitchFamily="34" charset="0"/>
+                <a:sym typeface="+mn-lt"/>
+              </a:rPr>
+              <a:t>Involves hash and encryption operations</a:t>
+            </a:r>
+          </a:p>
+          <a:p>
+            <a:pPr marL="800089" lvl="1" indent="-342900">
+              <a:lnSpc>
+                <a:spcPct val="200000"/>
+              </a:lnSpc>
+              <a:spcBef>
+                <a:spcPts val="600"/>
+              </a:spcBef>
+              <a:buFont typeface="Wingdings" panose="05000000000000000000" pitchFamily="2" charset="2"/>
+              <a:buChar char="l"/>
+            </a:pPr>
+            <a:r>
+              <a:rPr lang="en-US" altLang="zh-CN" sz="2000" kern="0" dirty="0">
+                <a:latin typeface="Calibri" panose="020F0502020204030204" pitchFamily="34" charset="0"/>
+                <a:ea typeface="微软雅黑" panose="020B0503020204020204" pitchFamily="34" charset="-122"/>
+                <a:cs typeface="Calibri" panose="020F0502020204030204" pitchFamily="34" charset="0"/>
+                <a:sym typeface="+mn-lt"/>
+              </a:rPr>
+              <a:t>New idea</a:t>
             </a:r>
           </a:p>
           <a:p>
@@ -23174,7 +26563,7 @@
 </p:sld>
 </file>
 
-<file path=ppt/slides/slide21.xml><?xml version="1.0" encoding="utf-8"?>
+<file path=ppt/slides/slide22.xml><?xml version="1.0" encoding="utf-8"?>
 <p:sld xmlns:a="http://schemas.openxmlformats.org/drawingml/2006/main" xmlns:r="http://schemas.openxmlformats.org/officeDocument/2006/relationships" xmlns:p="http://schemas.openxmlformats.org/presentationml/2006/main">
   <p:cSld>
     <p:spTree>
@@ -23222,31 +26611,6 @@
       </p:sp>
       <p:sp>
         <p:nvSpPr>
-          <p:cNvPr id="3" name="文本占位符 2">
-            <a:extLst>
-              <a:ext uri="{FF2B5EF4-FFF2-40B4-BE49-F238E27FC236}">
-                <a16:creationId xmlns:a16="http://schemas.microsoft.com/office/drawing/2014/main" id="{9C72D5D1-53CD-496F-BFD3-FEC604187988}"/>
-              </a:ext>
-            </a:extLst>
-          </p:cNvPr>
-          <p:cNvSpPr>
-            <a:spLocks noGrp="1"/>
-          </p:cNvSpPr>
-          <p:nvPr>
-            <p:ph type="body" sz="quarter" idx="11"/>
-          </p:nvPr>
-        </p:nvSpPr>
-        <p:spPr/>
-        <p:txBody>
-          <a:bodyPr/>
-          <a:lstStyle/>
-          <a:p>
-            <a:endParaRPr lang="zh-CN" altLang="en-US" dirty="0"/>
-          </a:p>
-        </p:txBody>
-      </p:sp>
-      <p:sp>
-        <p:nvSpPr>
           <p:cNvPr id="4" name="文本占位符 3">
             <a:extLst>
               <a:ext uri="{FF2B5EF4-FFF2-40B4-BE49-F238E27FC236}">
@@ -23266,7 +26630,11 @@
           <a:bodyPr/>
           <a:lstStyle/>
           <a:p>
-            <a:endParaRPr lang="zh-CN" altLang="en-US" dirty="0"/>
+            <a:r>
+              <a:rPr kumimoji="1" lang="en-US" altLang="zh-CN" dirty="0"/>
+              <a:t>Research plan</a:t>
+            </a:r>
+            <a:endParaRPr kumimoji="1" lang="zh-CN" altLang="en-US" dirty="0"/>
           </a:p>
         </p:txBody>
       </p:sp>
@@ -23285,7 +26653,7 @@
         <p:spPr>
           <a:xfrm>
             <a:off x="749820" y="1819469"/>
-            <a:ext cx="10692360" cy="3722558"/>
+            <a:ext cx="10692360" cy="2845394"/>
           </a:xfrm>
           <a:prstGeom prst="rect">
             <a:avLst/>
@@ -23351,27 +26719,6 @@
                 <a:sym typeface="+mn-lt"/>
               </a:rPr>
               <a:t>Create a new index table in the DSSE model to speed up the discovery process</a:t>
-            </a:r>
-          </a:p>
-          <a:p>
-            <a:pPr marL="800089" lvl="1" indent="-342900">
-              <a:lnSpc>
-                <a:spcPct val="130000"/>
-              </a:lnSpc>
-              <a:spcBef>
-                <a:spcPts val="600"/>
-              </a:spcBef>
-              <a:buFont typeface="Wingdings" panose="05000000000000000000" pitchFamily="2" charset="2"/>
-              <a:buChar char="Ø"/>
-            </a:pPr>
-            <a:r>
-              <a:rPr lang="en-US" altLang="zh-CN" sz="2000" kern="0" dirty="0">
-                <a:latin typeface="Calibri" panose="020F0502020204030204" pitchFamily="34" charset="0"/>
-                <a:ea typeface="微软雅黑" panose="020B0503020204020204" pitchFamily="34" charset="-122"/>
-                <a:cs typeface="Calibri" panose="020F0502020204030204" pitchFamily="34" charset="0"/>
-                <a:sym typeface="+mn-lt"/>
-              </a:rPr>
-              <a:t>The content is in the form of key-value, the key is the file identifier, and the value is the accumulated value of the file keyword.</a:t>
             </a:r>
           </a:p>
           <a:p>
@@ -23458,7 +26805,7 @@
 </p:sld>
 </file>
 
-<file path=ppt/slides/slide22.xml><?xml version="1.0" encoding="utf-8"?>
+<file path=ppt/slides/slide23.xml><?xml version="1.0" encoding="utf-8"?>
 <p:sld xmlns:a="http://schemas.openxmlformats.org/drawingml/2006/main" xmlns:r="http://schemas.openxmlformats.org/officeDocument/2006/relationships" xmlns:p="http://schemas.openxmlformats.org/presentationml/2006/main">
   <p:cSld>
     <p:spTree>
@@ -23506,31 +26853,6 @@
       </p:sp>
       <p:sp>
         <p:nvSpPr>
-          <p:cNvPr id="3" name="文本占位符 2">
-            <a:extLst>
-              <a:ext uri="{FF2B5EF4-FFF2-40B4-BE49-F238E27FC236}">
-                <a16:creationId xmlns:a16="http://schemas.microsoft.com/office/drawing/2014/main" id="{75DF4876-B7B2-4325-9C12-F42068252D7D}"/>
-              </a:ext>
-            </a:extLst>
-          </p:cNvPr>
-          <p:cNvSpPr>
-            <a:spLocks noGrp="1"/>
-          </p:cNvSpPr>
-          <p:nvPr>
-            <p:ph type="body" sz="quarter" idx="11"/>
-          </p:nvPr>
-        </p:nvSpPr>
-        <p:spPr/>
-        <p:txBody>
-          <a:bodyPr/>
-          <a:lstStyle/>
-          <a:p>
-            <a:endParaRPr lang="zh-CN" altLang="en-US" dirty="0"/>
-          </a:p>
-        </p:txBody>
-      </p:sp>
-      <p:sp>
-        <p:nvSpPr>
           <p:cNvPr id="4" name="文本占位符 3">
             <a:extLst>
               <a:ext uri="{FF2B5EF4-FFF2-40B4-BE49-F238E27FC236}">
@@ -23550,7 +26872,11 @@
           <a:bodyPr/>
           <a:lstStyle/>
           <a:p>
-            <a:endParaRPr lang="zh-CN" altLang="en-US"/>
+            <a:r>
+              <a:rPr kumimoji="1" lang="en-US" altLang="zh-CN" dirty="0"/>
+              <a:t>Research plan</a:t>
+            </a:r>
+            <a:endParaRPr kumimoji="1" lang="zh-CN" altLang="en-US" dirty="0"/>
           </a:p>
         </p:txBody>
       </p:sp>
@@ -24884,7 +28210,7 @@
 </p:sld>
 </file>
 
-<file path=ppt/slides/slide23.xml><?xml version="1.0" encoding="utf-8"?>
+<file path=ppt/slides/slide24.xml><?xml version="1.0" encoding="utf-8"?>
 <p:sld xmlns:a="http://schemas.openxmlformats.org/drawingml/2006/main" xmlns:r="http://schemas.openxmlformats.org/officeDocument/2006/relationships" xmlns:p="http://schemas.openxmlformats.org/presentationml/2006/main">
   <p:cSld>
     <p:spTree>
@@ -24932,31 +28258,6 @@
       </p:sp>
       <p:sp>
         <p:nvSpPr>
-          <p:cNvPr id="3" name="文本占位符 2">
-            <a:extLst>
-              <a:ext uri="{FF2B5EF4-FFF2-40B4-BE49-F238E27FC236}">
-                <a16:creationId xmlns:a16="http://schemas.microsoft.com/office/drawing/2014/main" id="{4C13658D-1E7D-407D-93FF-1FA4B99EAE37}"/>
-              </a:ext>
-            </a:extLst>
-          </p:cNvPr>
-          <p:cNvSpPr>
-            <a:spLocks noGrp="1"/>
-          </p:cNvSpPr>
-          <p:nvPr>
-            <p:ph type="body" sz="quarter" idx="11"/>
-          </p:nvPr>
-        </p:nvSpPr>
-        <p:spPr/>
-        <p:txBody>
-          <a:bodyPr/>
-          <a:lstStyle/>
-          <a:p>
-            <a:endParaRPr lang="zh-CN" altLang="en-US"/>
-          </a:p>
-        </p:txBody>
-      </p:sp>
-      <p:sp>
-        <p:nvSpPr>
           <p:cNvPr id="4" name="文本占位符 3">
             <a:extLst>
               <a:ext uri="{FF2B5EF4-FFF2-40B4-BE49-F238E27FC236}">
@@ -24976,7 +28277,11 @@
           <a:bodyPr/>
           <a:lstStyle/>
           <a:p>
-            <a:endParaRPr lang="zh-CN" altLang="en-US"/>
+            <a:r>
+              <a:rPr kumimoji="1" lang="en-US" altLang="zh-CN" dirty="0"/>
+              <a:t>Research plan</a:t>
+            </a:r>
+            <a:endParaRPr kumimoji="1" lang="zh-CN" altLang="en-US" dirty="0"/>
           </a:p>
         </p:txBody>
       </p:sp>
@@ -25800,7 +29105,7 @@
 </p:sld>
 </file>
 
-<file path=ppt/slides/slide24.xml><?xml version="1.0" encoding="utf-8"?>
+<file path=ppt/slides/slide25.xml><?xml version="1.0" encoding="utf-8"?>
 <p:sld xmlns:a="http://schemas.openxmlformats.org/drawingml/2006/main" xmlns:r="http://schemas.openxmlformats.org/officeDocument/2006/relationships" xmlns:p="http://schemas.openxmlformats.org/presentationml/2006/main">
   <p:cSld>
     <p:spTree>
@@ -25848,31 +29153,6 @@
       </p:sp>
       <p:sp>
         <p:nvSpPr>
-          <p:cNvPr id="3" name="文本占位符 2">
-            <a:extLst>
-              <a:ext uri="{FF2B5EF4-FFF2-40B4-BE49-F238E27FC236}">
-                <a16:creationId xmlns:a16="http://schemas.microsoft.com/office/drawing/2014/main" id="{7C9B6D87-EE68-4DD7-BEE3-65C7576F2336}"/>
-              </a:ext>
-            </a:extLst>
-          </p:cNvPr>
-          <p:cNvSpPr>
-            <a:spLocks noGrp="1"/>
-          </p:cNvSpPr>
-          <p:nvPr>
-            <p:ph type="body" sz="quarter" idx="11"/>
-          </p:nvPr>
-        </p:nvSpPr>
-        <p:spPr/>
-        <p:txBody>
-          <a:bodyPr/>
-          <a:lstStyle/>
-          <a:p>
-            <a:endParaRPr lang="zh-CN" altLang="en-US"/>
-          </a:p>
-        </p:txBody>
-      </p:sp>
-      <p:sp>
-        <p:nvSpPr>
           <p:cNvPr id="4" name="文本占位符 3">
             <a:extLst>
               <a:ext uri="{FF2B5EF4-FFF2-40B4-BE49-F238E27FC236}">
@@ -25892,7 +29172,11 @@
           <a:bodyPr/>
           <a:lstStyle/>
           <a:p>
-            <a:endParaRPr lang="zh-CN" altLang="en-US"/>
+            <a:r>
+              <a:rPr kumimoji="1" lang="en-US" altLang="zh-CN" dirty="0"/>
+              <a:t>Research plan</a:t>
+            </a:r>
+            <a:endParaRPr kumimoji="1" lang="zh-CN" altLang="en-US" dirty="0"/>
           </a:p>
         </p:txBody>
       </p:sp>
@@ -27045,7 +30329,7 @@
         </p:nvSpPr>
         <p:spPr>
           <a:xfrm>
-            <a:off x="634701" y="1398494"/>
+            <a:off x="546753" y="1292051"/>
             <a:ext cx="3216876" cy="527709"/>
           </a:xfrm>
           <a:prstGeom prst="rect">
@@ -28320,6 +31604,132 @@
           </a:fontRef>
         </p:style>
       </p:cxnSp>
+      <p:sp>
+        <p:nvSpPr>
+          <p:cNvPr id="30" name="文本框 29">
+            <a:extLst>
+              <a:ext uri="{FF2B5EF4-FFF2-40B4-BE49-F238E27FC236}">
+                <a16:creationId xmlns:a16="http://schemas.microsoft.com/office/drawing/2014/main" id="{BC7F4076-7D8A-4CC7-960E-CF5130D8A11D}"/>
+              </a:ext>
+            </a:extLst>
+          </p:cNvPr>
+          <p:cNvSpPr txBox="1"/>
+          <p:nvPr/>
+        </p:nvSpPr>
+        <p:spPr>
+          <a:xfrm>
+            <a:off x="6950307" y="4289938"/>
+            <a:ext cx="2442257" cy="460126"/>
+          </a:xfrm>
+          <a:prstGeom prst="rect">
+            <a:avLst/>
+          </a:prstGeom>
+          <a:noFill/>
+        </p:spPr>
+        <p:txBody>
+          <a:bodyPr wrap="square" rtlCol="0">
+            <a:spAutoFit/>
+          </a:bodyPr>
+          <a:lstStyle/>
+          <a:p>
+            <a:pPr>
+              <a:lnSpc>
+                <a:spcPct val="130000"/>
+              </a:lnSpc>
+              <a:spcBef>
+                <a:spcPts val="600"/>
+              </a:spcBef>
+            </a:pPr>
+            <a:r>
+              <a:rPr lang="en-US" altLang="zh-CN" sz="2000" kern="0" dirty="0">
+                <a:latin typeface="Calibri" panose="020F0502020204030204" pitchFamily="34" charset="0"/>
+                <a:ea typeface="微软雅黑" panose="020B0503020204020204" pitchFamily="34" charset="-122"/>
+                <a:cs typeface="Calibri" panose="020F0502020204030204" pitchFamily="34" charset="0"/>
+                <a:sym typeface="+mn-lt"/>
+              </a:rPr>
+              <a:t>Inverted Index</a:t>
+            </a:r>
+            <a:endParaRPr lang="zh-CN" altLang="en-US" sz="2000" kern="0" dirty="0">
+              <a:latin typeface="Calibri" panose="020F0502020204030204" pitchFamily="34" charset="0"/>
+              <a:ea typeface="微软雅黑" panose="020B0503020204020204" pitchFamily="34" charset="-122"/>
+              <a:cs typeface="Calibri" panose="020F0502020204030204" pitchFamily="34" charset="0"/>
+              <a:sym typeface="+mn-lt"/>
+            </a:endParaRPr>
+          </a:p>
+        </p:txBody>
+      </p:sp>
+      <p:sp>
+        <p:nvSpPr>
+          <p:cNvPr id="31" name="文本框 30">
+            <a:extLst>
+              <a:ext uri="{FF2B5EF4-FFF2-40B4-BE49-F238E27FC236}">
+                <a16:creationId xmlns:a16="http://schemas.microsoft.com/office/drawing/2014/main" id="{198A907F-32AF-402B-8E8E-D2456EF4CEC0}"/>
+              </a:ext>
+            </a:extLst>
+          </p:cNvPr>
+          <p:cNvSpPr txBox="1"/>
+          <p:nvPr/>
+        </p:nvSpPr>
+        <p:spPr>
+          <a:xfrm>
+            <a:off x="6723390" y="2335041"/>
+            <a:ext cx="2442257" cy="460126"/>
+          </a:xfrm>
+          <a:prstGeom prst="rect">
+            <a:avLst/>
+          </a:prstGeom>
+          <a:noFill/>
+        </p:spPr>
+        <p:txBody>
+          <a:bodyPr wrap="square" rtlCol="0">
+            <a:spAutoFit/>
+          </a:bodyPr>
+          <a:lstStyle/>
+          <a:p>
+            <a:pPr>
+              <a:lnSpc>
+                <a:spcPct val="130000"/>
+              </a:lnSpc>
+              <a:spcBef>
+                <a:spcPts val="600"/>
+              </a:spcBef>
+            </a:pPr>
+            <a:r>
+              <a:rPr lang="en-US" altLang="zh-CN" sz="2000" kern="0" dirty="0">
+                <a:latin typeface="Calibri" panose="020F0502020204030204" pitchFamily="34" charset="0"/>
+                <a:ea typeface="微软雅黑" panose="020B0503020204020204" pitchFamily="34" charset="-122"/>
+                <a:cs typeface="Calibri" panose="020F0502020204030204" pitchFamily="34" charset="0"/>
+                <a:sym typeface="+mn-lt"/>
+              </a:rPr>
+              <a:t>Data</a:t>
+            </a:r>
+            <a:r>
+              <a:rPr lang="zh-CN" altLang="en-US" sz="2000" kern="0" dirty="0">
+                <a:latin typeface="Calibri" panose="020F0502020204030204" pitchFamily="34" charset="0"/>
+                <a:ea typeface="微软雅黑" panose="020B0503020204020204" pitchFamily="34" charset="-122"/>
+                <a:cs typeface="Calibri" panose="020F0502020204030204" pitchFamily="34" charset="0"/>
+                <a:sym typeface="+mn-lt"/>
+              </a:rPr>
+              <a:t> </a:t>
+            </a:r>
+            <a:r>
+              <a:rPr lang="en-US" altLang="zh-CN" sz="2000" kern="0" dirty="0">
+                <a:latin typeface="Calibri" panose="020F0502020204030204" pitchFamily="34" charset="0"/>
+                <a:ea typeface="微软雅黑" panose="020B0503020204020204" pitchFamily="34" charset="-122"/>
+                <a:cs typeface="Calibri" panose="020F0502020204030204" pitchFamily="34" charset="0"/>
+                <a:sym typeface="+mn-lt"/>
+              </a:rPr>
+              <a:t>dictionary</a:t>
+            </a:r>
+            <a:endParaRPr lang="zh-CN" altLang="en-US" sz="2000" kern="0" dirty="0">
+              <a:latin typeface="Calibri" panose="020F0502020204030204" pitchFamily="34" charset="0"/>
+              <a:ea typeface="微软雅黑" panose="020B0503020204020204" pitchFamily="34" charset="-122"/>
+              <a:cs typeface="Calibri" panose="020F0502020204030204" pitchFamily="34" charset="0"/>
+              <a:sym typeface="+mn-lt"/>
+            </a:endParaRPr>
+          </a:p>
+        </p:txBody>
+      </p:sp>
     </p:spTree>
     <p:extLst>
       <p:ext uri="{BB962C8B-B14F-4D97-AF65-F5344CB8AC3E}">
@@ -28333,7 +31743,7 @@
 </p:sld>
 </file>
 
-<file path=ppt/slides/slide25.xml><?xml version="1.0" encoding="utf-8"?>
+<file path=ppt/slides/slide26.xml><?xml version="1.0" encoding="utf-8"?>
 <p:sld xmlns:a="http://schemas.openxmlformats.org/drawingml/2006/main" xmlns:r="http://schemas.openxmlformats.org/officeDocument/2006/relationships" xmlns:p="http://schemas.openxmlformats.org/presentationml/2006/main">
   <p:cSld>
     <p:spTree>
@@ -28652,7 +32062,7 @@
 </p:sld>
 </file>
 
-<file path=ppt/slides/slide26.xml><?xml version="1.0" encoding="utf-8"?>
+<file path=ppt/slides/slide27.xml><?xml version="1.0" encoding="utf-8"?>
 <p:sld xmlns:a="http://schemas.openxmlformats.org/drawingml/2006/main" xmlns:r="http://schemas.openxmlformats.org/officeDocument/2006/relationships" xmlns:p="http://schemas.openxmlformats.org/presentationml/2006/main">
   <p:cSld>
     <p:spTree>
@@ -28690,32 +32100,11 @@
           <a:bodyPr/>
           <a:lstStyle/>
           <a:p>
-            <a:endParaRPr lang="zh-CN" altLang="en-US"/>
-          </a:p>
-        </p:txBody>
-      </p:sp>
-      <p:sp>
-        <p:nvSpPr>
-          <p:cNvPr id="3" name="文本占位符 2">
-            <a:extLst>
-              <a:ext uri="{FF2B5EF4-FFF2-40B4-BE49-F238E27FC236}">
-                <a16:creationId xmlns:a16="http://schemas.microsoft.com/office/drawing/2014/main" id="{A1D06DE8-73B7-4C83-A60E-361B24660AD2}"/>
-              </a:ext>
-            </a:extLst>
-          </p:cNvPr>
-          <p:cNvSpPr>
-            <a:spLocks noGrp="1"/>
-          </p:cNvSpPr>
-          <p:nvPr>
-            <p:ph type="body" sz="quarter" idx="11"/>
-          </p:nvPr>
-        </p:nvSpPr>
-        <p:spPr/>
-        <p:txBody>
-          <a:bodyPr/>
-          <a:lstStyle/>
-          <a:p>
-            <a:endParaRPr lang="zh-CN" altLang="en-US"/>
+            <a:r>
+              <a:rPr lang="en-US" altLang="zh-CN" dirty="0"/>
+              <a:t>04</a:t>
+            </a:r>
+            <a:endParaRPr lang="zh-CN" altLang="en-US" dirty="0"/>
           </a:p>
         </p:txBody>
       </p:sp>
@@ -28740,7 +32129,11 @@
           <a:bodyPr/>
           <a:lstStyle/>
           <a:p>
-            <a:endParaRPr lang="zh-CN" altLang="en-US"/>
+            <a:r>
+              <a:rPr kumimoji="1" lang="en-US" altLang="zh-CN" dirty="0"/>
+              <a:t>Research plan</a:t>
+            </a:r>
+            <a:endParaRPr kumimoji="1" lang="zh-CN" altLang="en-US" dirty="0"/>
           </a:p>
         </p:txBody>
       </p:sp>
@@ -28813,7 +32206,7 @@
         <p:spPr>
           <a:xfrm>
             <a:off x="643812" y="2176777"/>
-            <a:ext cx="10748866" cy="2291397"/>
+            <a:ext cx="10748866" cy="3314754"/>
           </a:xfrm>
           <a:prstGeom prst="rect">
             <a:avLst/>
@@ -28828,7 +32221,7 @@
           <a:p>
             <a:pPr marL="342900" indent="-342900">
               <a:lnSpc>
-                <a:spcPct val="130000"/>
+                <a:spcPct val="200000"/>
               </a:lnSpc>
               <a:spcBef>
                 <a:spcPts val="600"/>
@@ -28849,7 +32242,7 @@
           <a:p>
             <a:pPr marL="800089" lvl="1" indent="-342900">
               <a:lnSpc>
-                <a:spcPct val="130000"/>
+                <a:spcPct val="200000"/>
               </a:lnSpc>
               <a:spcBef>
                 <a:spcPts val="600"/>
@@ -28870,7 +32263,7 @@
           <a:p>
             <a:pPr marL="800089" lvl="1" indent="-342900">
               <a:lnSpc>
-                <a:spcPct val="130000"/>
+                <a:spcPct val="200000"/>
               </a:lnSpc>
               <a:spcBef>
                 <a:spcPts val="600"/>
@@ -28891,7 +32284,7 @@
           <a:p>
             <a:pPr marL="800089" lvl="1" indent="-342900">
               <a:lnSpc>
-                <a:spcPct val="130000"/>
+                <a:spcPct val="200000"/>
               </a:lnSpc>
               <a:spcBef>
                 <a:spcPts val="600"/>
@@ -28930,7 +32323,7 @@
 </p:sld>
 </file>
 
-<file path=ppt/slides/slide27.xml><?xml version="1.0" encoding="utf-8"?>
+<file path=ppt/slides/slide28.xml><?xml version="1.0" encoding="utf-8"?>
 <p:sld xmlns:a="http://schemas.openxmlformats.org/drawingml/2006/main" xmlns:r="http://schemas.openxmlformats.org/officeDocument/2006/relationships" xmlns:p="http://schemas.openxmlformats.org/presentationml/2006/main">
   <p:cSld>
     <p:spTree>
@@ -28952,7 +32345,7 @@
           <p:cNvPr id="2" name="文本占位符 1">
             <a:extLst>
               <a:ext uri="{FF2B5EF4-FFF2-40B4-BE49-F238E27FC236}">
-                <a16:creationId xmlns:a16="http://schemas.microsoft.com/office/drawing/2014/main" id="{262D4056-C77E-44F7-8473-5C9AB079C7E2}"/>
+                <a16:creationId xmlns:a16="http://schemas.microsoft.com/office/drawing/2014/main" id="{44DB7F93-0C7D-4A1B-BB7F-81F44412360C}"/>
               </a:ext>
             </a:extLst>
           </p:cNvPr>
@@ -28981,7 +32374,7 @@
           <p:cNvPr id="4" name="文本占位符 3">
             <a:extLst>
               <a:ext uri="{FF2B5EF4-FFF2-40B4-BE49-F238E27FC236}">
-                <a16:creationId xmlns:a16="http://schemas.microsoft.com/office/drawing/2014/main" id="{653A5159-D134-4205-BEBD-5CE05F294F02}"/>
+                <a16:creationId xmlns:a16="http://schemas.microsoft.com/office/drawing/2014/main" id="{66468050-4866-4B7A-8761-AAE74C488C1C}"/>
               </a:ext>
             </a:extLst>
           </p:cNvPr>
@@ -28998,10 +32391,10 @@
           <a:lstStyle/>
           <a:p>
             <a:r>
-              <a:rPr lang="en-US" altLang="zh-CN" dirty="0"/>
+              <a:rPr kumimoji="1" lang="en-US" altLang="zh-CN" dirty="0"/>
               <a:t>Research plan</a:t>
             </a:r>
-            <a:endParaRPr lang="zh-CN" altLang="en-US" dirty="0"/>
+            <a:endParaRPr kumimoji="1" lang="zh-CN" altLang="en-US" dirty="0"/>
           </a:p>
         </p:txBody>
       </p:sp>
@@ -29010,7 +32403,7 @@
           <p:cNvPr id="5" name="文本框 4">
             <a:extLst>
               <a:ext uri="{FF2B5EF4-FFF2-40B4-BE49-F238E27FC236}">
-                <a16:creationId xmlns:a16="http://schemas.microsoft.com/office/drawing/2014/main" id="{B270941A-011A-4B71-88D9-2FED9C128830}"/>
+                <a16:creationId xmlns:a16="http://schemas.microsoft.com/office/drawing/2014/main" id="{5E41C8DC-738B-4781-9E49-0DE0F563F71F}"/>
               </a:ext>
             </a:extLst>
           </p:cNvPr>
@@ -29019,8 +32412,8 @@
         </p:nvSpPr>
         <p:spPr>
           <a:xfrm>
-            <a:off x="839755" y="1576873"/>
-            <a:ext cx="3993502" cy="308995"/>
+            <a:off x="654756" y="1399822"/>
+            <a:ext cx="10927644" cy="2284921"/>
           </a:xfrm>
           <a:prstGeom prst="rect">
             <a:avLst/>
@@ -29042,21 +32435,115 @@
               </a:spcBef>
             </a:pPr>
             <a:r>
-              <a:rPr lang="zh-CN" altLang="en-US" sz="1200" kern="0" dirty="0">
-                <a:latin typeface="微软雅黑" panose="020B0503020204020204" pitchFamily="34" charset="-122"/>
+              <a:rPr lang="en-US" altLang="zh-CN" sz="2800" kern="0" dirty="0">
+                <a:latin typeface="Calibri" panose="020F0502020204030204" pitchFamily="34" charset="0"/>
                 <a:ea typeface="微软雅黑" panose="020B0503020204020204" pitchFamily="34" charset="-122"/>
-                <a:cs typeface="+mn-ea"/>
+                <a:cs typeface="Calibri" panose="020F0502020204030204" pitchFamily="34" charset="0"/>
                 <a:sym typeface="+mn-lt"/>
               </a:rPr>
-              <a:t>架构图</a:t>
-            </a:r>
+              <a:t>New cloud storage system</a:t>
+            </a:r>
+          </a:p>
+          <a:p>
+            <a:pPr>
+              <a:lnSpc>
+                <a:spcPct val="130000"/>
+              </a:lnSpc>
+              <a:spcBef>
+                <a:spcPts val="600"/>
+              </a:spcBef>
+            </a:pPr>
+            <a:endParaRPr lang="en-US" altLang="zh-CN" sz="2400" kern="0" dirty="0">
+              <a:latin typeface="Calibri" panose="020F0502020204030204" pitchFamily="34" charset="0"/>
+              <a:ea typeface="微软雅黑" panose="020B0503020204020204" pitchFamily="34" charset="-122"/>
+              <a:cs typeface="Calibri" panose="020F0502020204030204" pitchFamily="34" charset="0"/>
+              <a:sym typeface="+mn-lt"/>
+            </a:endParaRPr>
+          </a:p>
+          <a:p>
+            <a:pPr marL="342900" indent="-342900">
+              <a:lnSpc>
+                <a:spcPct val="130000"/>
+              </a:lnSpc>
+              <a:spcBef>
+                <a:spcPts val="600"/>
+              </a:spcBef>
+              <a:buFont typeface="Wingdings" panose="05000000000000000000" pitchFamily="2" charset="2"/>
+              <a:buChar char="n"/>
+            </a:pPr>
+            <a:r>
+              <a:rPr lang="en-US" altLang="zh-CN" sz="2400" kern="0" dirty="0">
+                <a:latin typeface="Calibri" panose="020F0502020204030204" pitchFamily="34" charset="0"/>
+                <a:ea typeface="微软雅黑" panose="020B0503020204020204" pitchFamily="34" charset="-122"/>
+                <a:cs typeface="Calibri" panose="020F0502020204030204" pitchFamily="34" charset="0"/>
+                <a:sym typeface="+mn-lt"/>
+              </a:rPr>
+              <a:t>Taking into account the above requirements, we make the following design</a:t>
+            </a:r>
+          </a:p>
+          <a:p>
+            <a:pPr marL="800089" lvl="1" indent="-342900">
+              <a:lnSpc>
+                <a:spcPct val="130000"/>
+              </a:lnSpc>
+              <a:spcBef>
+                <a:spcPts val="600"/>
+              </a:spcBef>
+              <a:buFont typeface="Wingdings" panose="05000000000000000000" pitchFamily="2" charset="2"/>
+              <a:buChar char="Ø"/>
+            </a:pPr>
+            <a:r>
+              <a:rPr lang="en-US" altLang="zh-CN" sz="2000" kern="0" dirty="0">
+                <a:latin typeface="Calibri" panose="020F0502020204030204" pitchFamily="34" charset="0"/>
+                <a:ea typeface="微软雅黑" panose="020B0503020204020204" pitchFamily="34" charset="-122"/>
+                <a:cs typeface="Calibri" panose="020F0502020204030204" pitchFamily="34" charset="0"/>
+                <a:sym typeface="+mn-lt"/>
+              </a:rPr>
+              <a:t>Data is encrypted before uploaded, and decrypted after downloading</a:t>
+            </a:r>
+            <a:endParaRPr lang="zh-CN" altLang="en-US" sz="2000" kern="0" dirty="0">
+              <a:latin typeface="Calibri" panose="020F0502020204030204" pitchFamily="34" charset="0"/>
+              <a:ea typeface="微软雅黑" panose="020B0503020204020204" pitchFamily="34" charset="-122"/>
+              <a:cs typeface="Calibri" panose="020F0502020204030204" pitchFamily="34" charset="0"/>
+              <a:sym typeface="+mn-lt"/>
+            </a:endParaRPr>
           </a:p>
         </p:txBody>
       </p:sp>
+      <p:pic>
+        <p:nvPicPr>
+          <p:cNvPr id="9" name="图片 8">
+            <a:extLst>
+              <a:ext uri="{FF2B5EF4-FFF2-40B4-BE49-F238E27FC236}">
+                <a16:creationId xmlns:a16="http://schemas.microsoft.com/office/drawing/2014/main" id="{B5040391-7C4B-4AE7-9975-1B109FAFD574}"/>
+              </a:ext>
+            </a:extLst>
+          </p:cNvPr>
+          <p:cNvPicPr>
+            <a:picLocks noChangeAspect="1"/>
+          </p:cNvPicPr>
+          <p:nvPr/>
+        </p:nvPicPr>
+        <p:blipFill>
+          <a:blip r:embed="rId3"/>
+          <a:stretch>
+            <a:fillRect/>
+          </a:stretch>
+        </p:blipFill>
+        <p:spPr>
+          <a:xfrm>
+            <a:off x="1086523" y="3437296"/>
+            <a:ext cx="9694190" cy="3209111"/>
+          </a:xfrm>
+          <a:prstGeom prst="rect">
+            <a:avLst/>
+          </a:prstGeom>
+        </p:spPr>
+      </p:pic>
     </p:spTree>
     <p:extLst>
       <p:ext uri="{BB962C8B-B14F-4D97-AF65-F5344CB8AC3E}">
-        <p14:creationId xmlns:p14="http://schemas.microsoft.com/office/powerpoint/2010/main" val="2327172841"/>
+        <p14:creationId xmlns:p14="http://schemas.microsoft.com/office/powerpoint/2010/main" val="4281709456"/>
       </p:ext>
     </p:extLst>
   </p:cSld>
@@ -29066,7 +32553,7 @@
 </p:sld>
 </file>
 
-<file path=ppt/slides/slide28.xml><?xml version="1.0" encoding="utf-8"?>
+<file path=ppt/slides/slide29.xml><?xml version="1.0" encoding="utf-8"?>
 <p:sld xmlns:a="http://schemas.openxmlformats.org/drawingml/2006/main" xmlns:r="http://schemas.openxmlformats.org/officeDocument/2006/relationships" xmlns:p="http://schemas.openxmlformats.org/presentationml/2006/main">
   <p:cSld>
     <p:spTree>
@@ -29104,32 +32591,11 @@
           <a:bodyPr/>
           <a:lstStyle/>
           <a:p>
-            <a:endParaRPr lang="zh-CN" altLang="en-US"/>
-          </a:p>
-        </p:txBody>
-      </p:sp>
-      <p:sp>
-        <p:nvSpPr>
-          <p:cNvPr id="3" name="文本占位符 2">
-            <a:extLst>
-              <a:ext uri="{FF2B5EF4-FFF2-40B4-BE49-F238E27FC236}">
-                <a16:creationId xmlns:a16="http://schemas.microsoft.com/office/drawing/2014/main" id="{83D483E1-9592-4D41-8C87-1D008B838632}"/>
-              </a:ext>
-            </a:extLst>
-          </p:cNvPr>
-          <p:cNvSpPr>
-            <a:spLocks noGrp="1"/>
-          </p:cNvSpPr>
-          <p:nvPr>
-            <p:ph type="body" sz="quarter" idx="11"/>
-          </p:nvPr>
-        </p:nvSpPr>
-        <p:spPr/>
-        <p:txBody>
-          <a:bodyPr/>
-          <a:lstStyle/>
-          <a:p>
-            <a:endParaRPr lang="zh-CN" altLang="en-US"/>
+            <a:r>
+              <a:rPr lang="en-US" altLang="zh-CN" dirty="0"/>
+              <a:t>04</a:t>
+            </a:r>
+            <a:endParaRPr lang="zh-CN" altLang="en-US" dirty="0"/>
           </a:p>
         </p:txBody>
       </p:sp>
@@ -29154,7 +32620,11 @@
           <a:bodyPr/>
           <a:lstStyle/>
           <a:p>
-            <a:endParaRPr lang="zh-CN" altLang="en-US"/>
+            <a:r>
+              <a:rPr kumimoji="1" lang="en-US" altLang="zh-CN" dirty="0"/>
+              <a:t>Research plan</a:t>
+            </a:r>
+            <a:endParaRPr kumimoji="1" lang="zh-CN" altLang="en-US" dirty="0"/>
           </a:p>
         </p:txBody>
       </p:sp>
@@ -29172,8 +32642,8 @@
         </p:nvSpPr>
         <p:spPr>
           <a:xfrm>
-            <a:off x="970384" y="1903445"/>
-            <a:ext cx="3704253" cy="308995"/>
+            <a:off x="749820" y="1379197"/>
+            <a:ext cx="10577982" cy="1891287"/>
           </a:xfrm>
           <a:prstGeom prst="rect">
             <a:avLst/>
@@ -29186,26 +32656,127 @@
           </a:bodyPr>
           <a:lstStyle/>
           <a:p>
-            <a:pPr>
+            <a:pPr marL="342900" indent="-342900">
               <a:lnSpc>
                 <a:spcPct val="130000"/>
               </a:lnSpc>
               <a:spcBef>
                 <a:spcPts val="600"/>
               </a:spcBef>
+              <a:buFont typeface="Wingdings" panose="05000000000000000000" pitchFamily="2" charset="2"/>
+              <a:buChar char="Ø"/>
             </a:pPr>
             <a:r>
-              <a:rPr lang="zh-CN" altLang="en-US" sz="1200" kern="0" dirty="0">
-                <a:latin typeface="微软雅黑" panose="020B0503020204020204" pitchFamily="34" charset="-122"/>
+              <a:rPr lang="en-US" altLang="zh-CN" sz="2000" kern="0" dirty="0">
+                <a:latin typeface="Calibri" panose="020F0502020204030204" pitchFamily="34" charset="0"/>
                 <a:ea typeface="微软雅黑" panose="020B0503020204020204" pitchFamily="34" charset="-122"/>
-                <a:cs typeface="+mn-ea"/>
+                <a:cs typeface="Calibri" panose="020F0502020204030204" pitchFamily="34" charset="0"/>
                 <a:sym typeface="+mn-lt"/>
               </a:rPr>
-              <a:t>模块设计图</a:t>
-            </a:r>
+              <a:t>Design new transmission modules to ensure reliable and safe transmission process</a:t>
+            </a:r>
+          </a:p>
+          <a:p>
+            <a:pPr marL="800089" lvl="1" indent="-342900">
+              <a:lnSpc>
+                <a:spcPct val="130000"/>
+              </a:lnSpc>
+              <a:spcBef>
+                <a:spcPts val="600"/>
+              </a:spcBef>
+              <a:buFont typeface="Arial" panose="020B0604020202020204" pitchFamily="34" charset="0"/>
+              <a:buChar char="•"/>
+            </a:pPr>
+            <a:r>
+              <a:rPr lang="en-US" altLang="zh-CN" sz="2000" kern="0" dirty="0">
+                <a:latin typeface="Calibri" panose="020F0502020204030204" pitchFamily="34" charset="0"/>
+                <a:ea typeface="微软雅黑" panose="020B0503020204020204" pitchFamily="34" charset="-122"/>
+                <a:cs typeface="Calibri" panose="020F0502020204030204" pitchFamily="34" charset="0"/>
+                <a:sym typeface="+mn-lt"/>
+              </a:rPr>
+              <a:t>Based on UDP</a:t>
+            </a:r>
+          </a:p>
+          <a:p>
+            <a:pPr marL="800089" lvl="1" indent="-342900">
+              <a:lnSpc>
+                <a:spcPct val="130000"/>
+              </a:lnSpc>
+              <a:spcBef>
+                <a:spcPts val="600"/>
+              </a:spcBef>
+              <a:buFont typeface="Arial" panose="020B0604020202020204" pitchFamily="34" charset="0"/>
+              <a:buChar char="•"/>
+            </a:pPr>
+            <a:r>
+              <a:rPr lang="en-US" altLang="zh-CN" sz="2000" kern="0" dirty="0">
+                <a:latin typeface="Calibri" panose="020F0502020204030204" pitchFamily="34" charset="0"/>
+                <a:ea typeface="微软雅黑" panose="020B0503020204020204" pitchFamily="34" charset="-122"/>
+                <a:cs typeface="Calibri" panose="020F0502020204030204" pitchFamily="34" charset="0"/>
+                <a:sym typeface="+mn-lt"/>
+              </a:rPr>
+              <a:t>Encryption</a:t>
+            </a:r>
+          </a:p>
+          <a:p>
+            <a:pPr marL="800089" lvl="1" indent="-342900">
+              <a:lnSpc>
+                <a:spcPct val="130000"/>
+              </a:lnSpc>
+              <a:spcBef>
+                <a:spcPts val="600"/>
+              </a:spcBef>
+              <a:buFont typeface="Arial" panose="020B0604020202020204" pitchFamily="34" charset="0"/>
+              <a:buChar char="•"/>
+            </a:pPr>
+            <a:r>
+              <a:rPr lang="en-US" altLang="zh-CN" sz="2000" kern="0" dirty="0">
+                <a:latin typeface="Calibri" panose="020F0502020204030204" pitchFamily="34" charset="0"/>
+                <a:ea typeface="微软雅黑" panose="020B0503020204020204" pitchFamily="34" charset="-122"/>
+                <a:cs typeface="Calibri" panose="020F0502020204030204" pitchFamily="34" charset="0"/>
+                <a:sym typeface="+mn-lt"/>
+              </a:rPr>
+              <a:t>Calibration mechanism</a:t>
+            </a:r>
+            <a:endParaRPr lang="zh-CN" altLang="en-US" sz="2000" kern="0" dirty="0">
+              <a:latin typeface="Calibri" panose="020F0502020204030204" pitchFamily="34" charset="0"/>
+              <a:ea typeface="微软雅黑" panose="020B0503020204020204" pitchFamily="34" charset="-122"/>
+              <a:cs typeface="Calibri" panose="020F0502020204030204" pitchFamily="34" charset="0"/>
+              <a:sym typeface="+mn-lt"/>
+            </a:endParaRPr>
           </a:p>
         </p:txBody>
       </p:sp>
+      <p:pic>
+        <p:nvPicPr>
+          <p:cNvPr id="9" name="图片 8">
+            <a:extLst>
+              <a:ext uri="{FF2B5EF4-FFF2-40B4-BE49-F238E27FC236}">
+                <a16:creationId xmlns:a16="http://schemas.microsoft.com/office/drawing/2014/main" id="{D7443D4A-703B-4CE7-9FAA-431343960052}"/>
+              </a:ext>
+            </a:extLst>
+          </p:cNvPr>
+          <p:cNvPicPr>
+            <a:picLocks noChangeAspect="1"/>
+          </p:cNvPicPr>
+          <p:nvPr/>
+        </p:nvPicPr>
+        <p:blipFill>
+          <a:blip r:embed="rId2"/>
+          <a:stretch>
+            <a:fillRect/>
+          </a:stretch>
+        </p:blipFill>
+        <p:spPr>
+          <a:xfrm>
+            <a:off x="1096910" y="3139593"/>
+            <a:ext cx="10836536" cy="3264563"/>
+          </a:xfrm>
+          <a:prstGeom prst="rect">
+            <a:avLst/>
+          </a:prstGeom>
+        </p:spPr>
+      </p:pic>
     </p:spTree>
     <p:extLst>
       <p:ext uri="{BB962C8B-B14F-4D97-AF65-F5344CB8AC3E}">
@@ -29216,128 +32787,6 @@
   <p:clrMapOvr>
     <a:masterClrMapping/>
   </p:clrMapOvr>
-</p:sld>
-</file>
-
-<file path=ppt/slides/slide29.xml><?xml version="1.0" encoding="utf-8"?>
-<p:sld xmlns:a="http://schemas.openxmlformats.org/drawingml/2006/main" xmlns:r="http://schemas.openxmlformats.org/officeDocument/2006/relationships" xmlns:p="http://schemas.openxmlformats.org/presentationml/2006/main">
-  <p:cSld>
-    <p:spTree>
-      <p:nvGrpSpPr>
-        <p:cNvPr id="1" name=""/>
-        <p:cNvGrpSpPr/>
-        <p:nvPr/>
-      </p:nvGrpSpPr>
-      <p:grpSpPr>
-        <a:xfrm>
-          <a:off x="0" y="0"/>
-          <a:ext cx="0" cy="0"/>
-          <a:chOff x="0" y="0"/>
-          <a:chExt cx="0" cy="0"/>
-        </a:xfrm>
-      </p:grpSpPr>
-      <p:sp>
-        <p:nvSpPr>
-          <p:cNvPr id="2" name="文本占位符 1"/>
-          <p:cNvSpPr>
-            <a:spLocks noGrp="1"/>
-          </p:cNvSpPr>
-          <p:nvPr>
-            <p:ph type="body" sz="quarter" idx="10"/>
-          </p:nvPr>
-        </p:nvSpPr>
-        <p:spPr/>
-        <p:txBody>
-          <a:bodyPr/>
-          <a:lstStyle/>
-          <a:p>
-            <a:r>
-              <a:rPr lang="en-US" altLang="zh-CN" dirty="0">
-                <a:solidFill>
-                  <a:prstClr val="white"/>
-                </a:solidFill>
-              </a:rPr>
-              <a:t>Part Five</a:t>
-            </a:r>
-            <a:endParaRPr kumimoji="1" lang="zh-CN" altLang="en-US" dirty="0"/>
-          </a:p>
-        </p:txBody>
-      </p:sp>
-      <p:sp>
-        <p:nvSpPr>
-          <p:cNvPr id="3" name="文本占位符 2"/>
-          <p:cNvSpPr>
-            <a:spLocks noGrp="1"/>
-          </p:cNvSpPr>
-          <p:nvPr>
-            <p:ph type="body" sz="quarter" idx="11"/>
-          </p:nvPr>
-        </p:nvSpPr>
-        <p:spPr>
-          <a:xfrm>
-            <a:off x="939294" y="3936380"/>
-            <a:ext cx="7476916" cy="822360"/>
-          </a:xfrm>
-        </p:spPr>
-        <p:txBody>
-          <a:bodyPr/>
-          <a:lstStyle/>
-          <a:p>
-            <a:r>
-              <a:rPr kumimoji="1" lang="en-US" altLang="zh-CN" dirty="0"/>
-              <a:t>Overview and Schedule</a:t>
-            </a:r>
-            <a:endParaRPr kumimoji="1" lang="zh-CN" altLang="en-US" dirty="0"/>
-          </a:p>
-        </p:txBody>
-      </p:sp>
-      <p:cxnSp>
-        <p:nvCxnSpPr>
-          <p:cNvPr id="4" name="直接连接符 3"/>
-          <p:cNvCxnSpPr/>
-          <p:nvPr/>
-        </p:nvCxnSpPr>
-        <p:spPr>
-          <a:xfrm>
-            <a:off x="854293" y="3189169"/>
-            <a:ext cx="0" cy="1494421"/>
-          </a:xfrm>
-          <a:prstGeom prst="line">
-            <a:avLst/>
-          </a:prstGeom>
-          <a:noFill/>
-          <a:ln w="76200" cap="flat" cmpd="sng" algn="ctr">
-            <a:solidFill>
-              <a:sysClr val="window" lastClr="FFFFFF"/>
-            </a:solidFill>
-            <a:prstDash val="solid"/>
-            <a:miter lim="800000"/>
-          </a:ln>
-          <a:effectLst/>
-        </p:spPr>
-      </p:cxnSp>
-    </p:spTree>
-    <p:extLst>
-      <p:ext uri="{BB962C8B-B14F-4D97-AF65-F5344CB8AC3E}">
-        <p14:creationId xmlns:p14="http://schemas.microsoft.com/office/powerpoint/2010/main" val="1476307876"/>
-      </p:ext>
-    </p:extLst>
-  </p:cSld>
-  <p:clrMapOvr>
-    <a:masterClrMapping/>
-  </p:clrMapOvr>
-  <mc:AlternateContent xmlns:mc="http://schemas.openxmlformats.org/markup-compatibility/2006" xmlns:p14="http://schemas.microsoft.com/office/powerpoint/2010/main">
-    <mc:Choice Requires="p14">
-      <p:transition spd="slow" p14:dur="1600">
-        <p:blinds dir="vert"/>
-      </p:transition>
-    </mc:Choice>
-    <mc:Fallback xmlns="">
-      <p:transition spd="slow">
-        <p:blinds dir="vert"/>
-      </p:transition>
-    </mc:Fallback>
-  </mc:AlternateContent>
 </p:sld>
 </file>
 
@@ -29480,6 +32929,500 @@
           <p:cNvPr id="2" name="文本占位符 1">
             <a:extLst>
               <a:ext uri="{FF2B5EF4-FFF2-40B4-BE49-F238E27FC236}">
+                <a16:creationId xmlns:a16="http://schemas.microsoft.com/office/drawing/2014/main" id="{F01B892E-D49F-4E75-B51F-050C4C59F95C}"/>
+              </a:ext>
+            </a:extLst>
+          </p:cNvPr>
+          <p:cNvSpPr>
+            <a:spLocks noGrp="1"/>
+          </p:cNvSpPr>
+          <p:nvPr>
+            <p:ph type="body" sz="quarter" idx="10"/>
+          </p:nvPr>
+        </p:nvSpPr>
+        <p:spPr/>
+        <p:txBody>
+          <a:bodyPr/>
+          <a:lstStyle/>
+          <a:p>
+            <a:endParaRPr lang="zh-CN" altLang="en-US"/>
+          </a:p>
+        </p:txBody>
+      </p:sp>
+      <p:sp>
+        <p:nvSpPr>
+          <p:cNvPr id="3" name="文本占位符 2">
+            <a:extLst>
+              <a:ext uri="{FF2B5EF4-FFF2-40B4-BE49-F238E27FC236}">
+                <a16:creationId xmlns:a16="http://schemas.microsoft.com/office/drawing/2014/main" id="{3A18DF27-AB16-4487-B168-FDB7C128A929}"/>
+              </a:ext>
+            </a:extLst>
+          </p:cNvPr>
+          <p:cNvSpPr>
+            <a:spLocks noGrp="1"/>
+          </p:cNvSpPr>
+          <p:nvPr>
+            <p:ph type="body" sz="quarter" idx="11"/>
+          </p:nvPr>
+        </p:nvSpPr>
+        <p:spPr/>
+        <p:txBody>
+          <a:bodyPr/>
+          <a:lstStyle/>
+          <a:p>
+            <a:endParaRPr lang="zh-CN" altLang="en-US"/>
+          </a:p>
+        </p:txBody>
+      </p:sp>
+      <p:sp>
+        <p:nvSpPr>
+          <p:cNvPr id="4" name="文本占位符 3">
+            <a:extLst>
+              <a:ext uri="{FF2B5EF4-FFF2-40B4-BE49-F238E27FC236}">
+                <a16:creationId xmlns:a16="http://schemas.microsoft.com/office/drawing/2014/main" id="{0E479668-2D75-4641-885F-875FBA9E1CD5}"/>
+              </a:ext>
+            </a:extLst>
+          </p:cNvPr>
+          <p:cNvSpPr>
+            <a:spLocks noGrp="1"/>
+          </p:cNvSpPr>
+          <p:nvPr>
+            <p:ph type="body" sz="quarter" idx="12"/>
+          </p:nvPr>
+        </p:nvSpPr>
+        <p:spPr/>
+        <p:txBody>
+          <a:bodyPr/>
+          <a:lstStyle/>
+          <a:p>
+            <a:endParaRPr lang="zh-CN" altLang="en-US"/>
+          </a:p>
+        </p:txBody>
+      </p:sp>
+      <p:sp>
+        <p:nvSpPr>
+          <p:cNvPr id="5" name="文本框 4">
+            <a:extLst>
+              <a:ext uri="{FF2B5EF4-FFF2-40B4-BE49-F238E27FC236}">
+                <a16:creationId xmlns:a16="http://schemas.microsoft.com/office/drawing/2014/main" id="{5E1B5891-C734-40D2-9A5E-2FCE16439F5E}"/>
+              </a:ext>
+            </a:extLst>
+          </p:cNvPr>
+          <p:cNvSpPr txBox="1"/>
+          <p:nvPr/>
+        </p:nvSpPr>
+        <p:spPr>
+          <a:xfrm>
+            <a:off x="749820" y="1473798"/>
+            <a:ext cx="10481164" cy="460126"/>
+          </a:xfrm>
+          <a:prstGeom prst="rect">
+            <a:avLst/>
+          </a:prstGeom>
+          <a:noFill/>
+        </p:spPr>
+        <p:txBody>
+          <a:bodyPr wrap="square" rtlCol="0">
+            <a:spAutoFit/>
+          </a:bodyPr>
+          <a:lstStyle/>
+          <a:p>
+            <a:pPr marL="342900" indent="-342900">
+              <a:lnSpc>
+                <a:spcPct val="130000"/>
+              </a:lnSpc>
+              <a:spcBef>
+                <a:spcPts val="600"/>
+              </a:spcBef>
+              <a:buFont typeface="Wingdings" panose="05000000000000000000" pitchFamily="2" charset="2"/>
+              <a:buChar char="Ø"/>
+            </a:pPr>
+            <a:r>
+              <a:rPr lang="en-US" altLang="zh-CN" sz="2000" kern="0" dirty="0">
+                <a:latin typeface="Calibri" panose="020F0502020204030204" pitchFamily="34" charset="0"/>
+                <a:ea typeface="微软雅黑" panose="020B0503020204020204" pitchFamily="34" charset="-122"/>
+                <a:cs typeface="Calibri" panose="020F0502020204030204" pitchFamily="34" charset="0"/>
+                <a:sym typeface="+mn-lt"/>
+              </a:rPr>
+              <a:t>Support dynamic searchable encryption</a:t>
+            </a:r>
+            <a:endParaRPr lang="zh-CN" altLang="en-US" sz="2000" kern="0" dirty="0">
+              <a:latin typeface="Calibri" panose="020F0502020204030204" pitchFamily="34" charset="0"/>
+              <a:ea typeface="微软雅黑" panose="020B0503020204020204" pitchFamily="34" charset="-122"/>
+              <a:cs typeface="Calibri" panose="020F0502020204030204" pitchFamily="34" charset="0"/>
+              <a:sym typeface="+mn-lt"/>
+            </a:endParaRPr>
+          </a:p>
+        </p:txBody>
+      </p:sp>
+      <p:pic>
+        <p:nvPicPr>
+          <p:cNvPr id="6" name="图片 5">
+            <a:extLst>
+              <a:ext uri="{FF2B5EF4-FFF2-40B4-BE49-F238E27FC236}">
+                <a16:creationId xmlns:a16="http://schemas.microsoft.com/office/drawing/2014/main" id="{EDA1D15B-2E7B-47DA-86F5-CB89F6DEC522}"/>
+              </a:ext>
+            </a:extLst>
+          </p:cNvPr>
+          <p:cNvPicPr>
+            <a:picLocks noChangeAspect="1"/>
+          </p:cNvPicPr>
+          <p:nvPr/>
+        </p:nvPicPr>
+        <p:blipFill>
+          <a:blip r:embed="rId3">
+            <a:duotone>
+              <a:prstClr val="black"/>
+              <a:schemeClr val="bg1">
+                <a:lumMod val="85000"/>
+                <a:tint val="45000"/>
+                <a:satMod val="400000"/>
+              </a:schemeClr>
+            </a:duotone>
+          </a:blip>
+          <a:stretch>
+            <a:fillRect/>
+          </a:stretch>
+        </p:blipFill>
+        <p:spPr>
+          <a:xfrm>
+            <a:off x="5693870" y="778955"/>
+            <a:ext cx="5980011" cy="4989240"/>
+          </a:xfrm>
+          <a:prstGeom prst="rect">
+            <a:avLst/>
+          </a:prstGeom>
+        </p:spPr>
+      </p:pic>
+    </p:spTree>
+    <p:extLst>
+      <p:ext uri="{BB962C8B-B14F-4D97-AF65-F5344CB8AC3E}">
+        <p14:creationId xmlns:p14="http://schemas.microsoft.com/office/powerpoint/2010/main" val="4219085663"/>
+      </p:ext>
+    </p:extLst>
+  </p:cSld>
+  <p:clrMapOvr>
+    <a:masterClrMapping/>
+  </p:clrMapOvr>
+</p:sld>
+</file>
+
+<file path=ppt/slides/slide31.xml><?xml version="1.0" encoding="utf-8"?>
+<p:sld xmlns:a="http://schemas.openxmlformats.org/drawingml/2006/main" xmlns:r="http://schemas.openxmlformats.org/officeDocument/2006/relationships" xmlns:p="http://schemas.openxmlformats.org/presentationml/2006/main">
+  <p:cSld>
+    <p:spTree>
+      <p:nvGrpSpPr>
+        <p:cNvPr id="1" name=""/>
+        <p:cNvGrpSpPr/>
+        <p:nvPr/>
+      </p:nvGrpSpPr>
+      <p:grpSpPr>
+        <a:xfrm>
+          <a:off x="0" y="0"/>
+          <a:ext cx="0" cy="0"/>
+          <a:chOff x="0" y="0"/>
+          <a:chExt cx="0" cy="0"/>
+        </a:xfrm>
+      </p:grpSpPr>
+      <p:sp>
+        <p:nvSpPr>
+          <p:cNvPr id="2" name="文本占位符 1">
+            <a:extLst>
+              <a:ext uri="{FF2B5EF4-FFF2-40B4-BE49-F238E27FC236}">
+                <a16:creationId xmlns:a16="http://schemas.microsoft.com/office/drawing/2014/main" id="{262D4056-C77E-44F7-8473-5C9AB079C7E2}"/>
+              </a:ext>
+            </a:extLst>
+          </p:cNvPr>
+          <p:cNvSpPr>
+            <a:spLocks noGrp="1"/>
+          </p:cNvSpPr>
+          <p:nvPr>
+            <p:ph type="body" sz="quarter" idx="10"/>
+          </p:nvPr>
+        </p:nvSpPr>
+        <p:spPr/>
+        <p:txBody>
+          <a:bodyPr/>
+          <a:lstStyle/>
+          <a:p>
+            <a:r>
+              <a:rPr lang="en-US" altLang="zh-CN" dirty="0"/>
+              <a:t>04</a:t>
+            </a:r>
+            <a:endParaRPr lang="zh-CN" altLang="en-US" dirty="0"/>
+          </a:p>
+        </p:txBody>
+      </p:sp>
+      <p:sp>
+        <p:nvSpPr>
+          <p:cNvPr id="4" name="文本占位符 3">
+            <a:extLst>
+              <a:ext uri="{FF2B5EF4-FFF2-40B4-BE49-F238E27FC236}">
+                <a16:creationId xmlns:a16="http://schemas.microsoft.com/office/drawing/2014/main" id="{653A5159-D134-4205-BEBD-5CE05F294F02}"/>
+              </a:ext>
+            </a:extLst>
+          </p:cNvPr>
+          <p:cNvSpPr>
+            <a:spLocks noGrp="1"/>
+          </p:cNvSpPr>
+          <p:nvPr>
+            <p:ph type="body" sz="quarter" idx="12"/>
+          </p:nvPr>
+        </p:nvSpPr>
+        <p:spPr/>
+        <p:txBody>
+          <a:bodyPr/>
+          <a:lstStyle/>
+          <a:p>
+            <a:r>
+              <a:rPr lang="en-US" altLang="zh-CN" dirty="0"/>
+              <a:t>Research plan</a:t>
+            </a:r>
+            <a:endParaRPr lang="zh-CN" altLang="en-US" dirty="0"/>
+          </a:p>
+        </p:txBody>
+      </p:sp>
+      <p:pic>
+        <p:nvPicPr>
+          <p:cNvPr id="8" name="图片 7">
+            <a:extLst>
+              <a:ext uri="{FF2B5EF4-FFF2-40B4-BE49-F238E27FC236}">
+                <a16:creationId xmlns:a16="http://schemas.microsoft.com/office/drawing/2014/main" id="{25D58268-F79C-4A43-9001-B1DF15FF124C}"/>
+              </a:ext>
+            </a:extLst>
+          </p:cNvPr>
+          <p:cNvPicPr>
+            <a:picLocks noChangeAspect="1"/>
+          </p:cNvPicPr>
+          <p:nvPr/>
+        </p:nvPicPr>
+        <p:blipFill>
+          <a:blip r:embed="rId2"/>
+          <a:stretch>
+            <a:fillRect/>
+          </a:stretch>
+        </p:blipFill>
+        <p:spPr>
+          <a:xfrm>
+            <a:off x="4039562" y="712635"/>
+            <a:ext cx="9387625" cy="5994758"/>
+          </a:xfrm>
+          <a:prstGeom prst="rect">
+            <a:avLst/>
+          </a:prstGeom>
+        </p:spPr>
+      </p:pic>
+      <p:sp>
+        <p:nvSpPr>
+          <p:cNvPr id="9" name="文本框 8">
+            <a:extLst>
+              <a:ext uri="{FF2B5EF4-FFF2-40B4-BE49-F238E27FC236}">
+                <a16:creationId xmlns:a16="http://schemas.microsoft.com/office/drawing/2014/main" id="{8DCC28DA-40C3-45F3-ABBA-97AAFC59A649}"/>
+              </a:ext>
+            </a:extLst>
+          </p:cNvPr>
+          <p:cNvSpPr txBox="1"/>
+          <p:nvPr/>
+        </p:nvSpPr>
+        <p:spPr>
+          <a:xfrm>
+            <a:off x="693933" y="1646032"/>
+            <a:ext cx="3345629" cy="533672"/>
+          </a:xfrm>
+          <a:prstGeom prst="rect">
+            <a:avLst/>
+          </a:prstGeom>
+          <a:noFill/>
+        </p:spPr>
+        <p:txBody>
+          <a:bodyPr wrap="square" rtlCol="0">
+            <a:spAutoFit/>
+          </a:bodyPr>
+          <a:lstStyle/>
+          <a:p>
+            <a:pPr>
+              <a:lnSpc>
+                <a:spcPct val="130000"/>
+              </a:lnSpc>
+              <a:spcBef>
+                <a:spcPts val="600"/>
+              </a:spcBef>
+            </a:pPr>
+            <a:r>
+              <a:rPr lang="en-US" altLang="zh-CN" sz="2400" kern="0" dirty="0">
+                <a:latin typeface="Calibri" panose="020F0502020204030204" pitchFamily="34" charset="0"/>
+                <a:ea typeface="微软雅黑" panose="020B0503020204020204" pitchFamily="34" charset="-122"/>
+                <a:cs typeface="Calibri" panose="020F0502020204030204" pitchFamily="34" charset="0"/>
+                <a:sym typeface="+mn-lt"/>
+              </a:rPr>
+              <a:t>System prototype design</a:t>
+            </a:r>
+            <a:endParaRPr lang="zh-CN" altLang="en-US" sz="2400" kern="0" dirty="0">
+              <a:latin typeface="Calibri" panose="020F0502020204030204" pitchFamily="34" charset="0"/>
+              <a:ea typeface="微软雅黑" panose="020B0503020204020204" pitchFamily="34" charset="-122"/>
+              <a:cs typeface="Calibri" panose="020F0502020204030204" pitchFamily="34" charset="0"/>
+              <a:sym typeface="+mn-lt"/>
+            </a:endParaRPr>
+          </a:p>
+        </p:txBody>
+      </p:sp>
+    </p:spTree>
+    <p:extLst>
+      <p:ext uri="{BB962C8B-B14F-4D97-AF65-F5344CB8AC3E}">
+        <p14:creationId xmlns:p14="http://schemas.microsoft.com/office/powerpoint/2010/main" val="2327172841"/>
+      </p:ext>
+    </p:extLst>
+  </p:cSld>
+  <p:clrMapOvr>
+    <a:masterClrMapping/>
+  </p:clrMapOvr>
+</p:sld>
+</file>
+
+<file path=ppt/slides/slide32.xml><?xml version="1.0" encoding="utf-8"?>
+<p:sld xmlns:a="http://schemas.openxmlformats.org/drawingml/2006/main" xmlns:r="http://schemas.openxmlformats.org/officeDocument/2006/relationships" xmlns:p="http://schemas.openxmlformats.org/presentationml/2006/main">
+  <p:cSld>
+    <p:spTree>
+      <p:nvGrpSpPr>
+        <p:cNvPr id="1" name=""/>
+        <p:cNvGrpSpPr/>
+        <p:nvPr/>
+      </p:nvGrpSpPr>
+      <p:grpSpPr>
+        <a:xfrm>
+          <a:off x="0" y="0"/>
+          <a:ext cx="0" cy="0"/>
+          <a:chOff x="0" y="0"/>
+          <a:chExt cx="0" cy="0"/>
+        </a:xfrm>
+      </p:grpSpPr>
+      <p:sp>
+        <p:nvSpPr>
+          <p:cNvPr id="2" name="文本占位符 1"/>
+          <p:cNvSpPr>
+            <a:spLocks noGrp="1"/>
+          </p:cNvSpPr>
+          <p:nvPr>
+            <p:ph type="body" sz="quarter" idx="10"/>
+          </p:nvPr>
+        </p:nvSpPr>
+        <p:spPr/>
+        <p:txBody>
+          <a:bodyPr/>
+          <a:lstStyle/>
+          <a:p>
+            <a:r>
+              <a:rPr lang="en-US" altLang="zh-CN" dirty="0">
+                <a:solidFill>
+                  <a:prstClr val="white"/>
+                </a:solidFill>
+              </a:rPr>
+              <a:t>Part Five</a:t>
+            </a:r>
+            <a:endParaRPr kumimoji="1" lang="zh-CN" altLang="en-US" dirty="0"/>
+          </a:p>
+        </p:txBody>
+      </p:sp>
+      <p:sp>
+        <p:nvSpPr>
+          <p:cNvPr id="3" name="文本占位符 2"/>
+          <p:cNvSpPr>
+            <a:spLocks noGrp="1"/>
+          </p:cNvSpPr>
+          <p:nvPr>
+            <p:ph type="body" sz="quarter" idx="11"/>
+          </p:nvPr>
+        </p:nvSpPr>
+        <p:spPr>
+          <a:xfrm>
+            <a:off x="939294" y="3936380"/>
+            <a:ext cx="7476916" cy="822360"/>
+          </a:xfrm>
+        </p:spPr>
+        <p:txBody>
+          <a:bodyPr/>
+          <a:lstStyle/>
+          <a:p>
+            <a:r>
+              <a:rPr kumimoji="1" lang="en-US" altLang="zh-CN" dirty="0"/>
+              <a:t>Overview and Schedule</a:t>
+            </a:r>
+            <a:endParaRPr kumimoji="1" lang="zh-CN" altLang="en-US" dirty="0"/>
+          </a:p>
+        </p:txBody>
+      </p:sp>
+      <p:cxnSp>
+        <p:nvCxnSpPr>
+          <p:cNvPr id="4" name="直接连接符 3"/>
+          <p:cNvCxnSpPr/>
+          <p:nvPr/>
+        </p:nvCxnSpPr>
+        <p:spPr>
+          <a:xfrm>
+            <a:off x="854293" y="3189169"/>
+            <a:ext cx="0" cy="1494421"/>
+          </a:xfrm>
+          <a:prstGeom prst="line">
+            <a:avLst/>
+          </a:prstGeom>
+          <a:noFill/>
+          <a:ln w="76200" cap="flat" cmpd="sng" algn="ctr">
+            <a:solidFill>
+              <a:sysClr val="window" lastClr="FFFFFF"/>
+            </a:solidFill>
+            <a:prstDash val="solid"/>
+            <a:miter lim="800000"/>
+          </a:ln>
+          <a:effectLst/>
+        </p:spPr>
+      </p:cxnSp>
+    </p:spTree>
+    <p:extLst>
+      <p:ext uri="{BB962C8B-B14F-4D97-AF65-F5344CB8AC3E}">
+        <p14:creationId xmlns:p14="http://schemas.microsoft.com/office/powerpoint/2010/main" val="1476307876"/>
+      </p:ext>
+    </p:extLst>
+  </p:cSld>
+  <p:clrMapOvr>
+    <a:masterClrMapping/>
+  </p:clrMapOvr>
+  <mc:AlternateContent xmlns:mc="http://schemas.openxmlformats.org/markup-compatibility/2006" xmlns:p14="http://schemas.microsoft.com/office/powerpoint/2010/main">
+    <mc:Choice Requires="p14">
+      <p:transition spd="slow" p14:dur="1600">
+        <p:blinds dir="vert"/>
+      </p:transition>
+    </mc:Choice>
+    <mc:Fallback xmlns="">
+      <p:transition spd="slow">
+        <p:blinds dir="vert"/>
+      </p:transition>
+    </mc:Fallback>
+  </mc:AlternateContent>
+</p:sld>
+</file>
+
+<file path=ppt/slides/slide33.xml><?xml version="1.0" encoding="utf-8"?>
+<p:sld xmlns:a="http://schemas.openxmlformats.org/drawingml/2006/main" xmlns:r="http://schemas.openxmlformats.org/officeDocument/2006/relationships" xmlns:p="http://schemas.openxmlformats.org/presentationml/2006/main">
+  <p:cSld>
+    <p:spTree>
+      <p:nvGrpSpPr>
+        <p:cNvPr id="1" name=""/>
+        <p:cNvGrpSpPr/>
+        <p:nvPr/>
+      </p:nvGrpSpPr>
+      <p:grpSpPr>
+        <a:xfrm>
+          <a:off x="0" y="0"/>
+          <a:ext cx="0" cy="0"/>
+          <a:chOff x="0" y="0"/>
+          <a:chExt cx="0" cy="0"/>
+        </a:xfrm>
+      </p:grpSpPr>
+      <p:sp>
+        <p:nvSpPr>
+          <p:cNvPr id="2" name="文本占位符 1">
+            <a:extLst>
+              <a:ext uri="{FF2B5EF4-FFF2-40B4-BE49-F238E27FC236}">
                 <a16:creationId xmlns:a16="http://schemas.microsoft.com/office/drawing/2014/main" id="{BB2C1280-1052-4F8F-B20F-DC2EAB630937}"/>
               </a:ext>
             </a:extLst>
@@ -29710,7 +33653,7 @@
 </p:sld>
 </file>
 
-<file path=ppt/slides/slide31.xml><?xml version="1.0" encoding="utf-8"?>
+<file path=ppt/slides/slide34.xml><?xml version="1.0" encoding="utf-8"?>
 <p:sld xmlns:a="http://schemas.openxmlformats.org/drawingml/2006/main" xmlns:r="http://schemas.openxmlformats.org/officeDocument/2006/relationships" xmlns:p="http://schemas.openxmlformats.org/presentationml/2006/main">
   <p:cSld>
     <p:spTree>
@@ -29981,9 +33924,19 @@
 </p:sld>
 </file>
 
-<file path=ppt/slides/slide32.xml><?xml version="1.0" encoding="utf-8"?>
+<file path=ppt/slides/slide35.xml><?xml version="1.0" encoding="utf-8"?>
 <p:sld xmlns:a="http://schemas.openxmlformats.org/drawingml/2006/main" xmlns:r="http://schemas.openxmlformats.org/officeDocument/2006/relationships" xmlns:p="http://schemas.openxmlformats.org/presentationml/2006/main">
   <p:cSld>
+    <p:bg>
+      <p:bgPr>
+        <a:solidFill>
+          <a:schemeClr val="bg1">
+            <a:lumMod val="95000"/>
+          </a:schemeClr>
+        </a:solidFill>
+        <a:effectLst/>
+      </p:bgPr>
+    </p:bg>
     <p:spTree>
       <p:nvGrpSpPr>
         <p:cNvPr id="1" name=""/>
@@ -31270,7 +35223,7 @@
         <p:spPr>
           <a:xfrm>
             <a:off x="1004047" y="1470212"/>
-            <a:ext cx="10076329" cy="1657505"/>
+            <a:ext cx="10076329" cy="1297406"/>
           </a:xfrm>
           <a:prstGeom prst="rect">
             <a:avLst/>
@@ -31321,7 +35274,7 @@
                 <a:cs typeface="Calibri" panose="020F0502020204030204" pitchFamily="34" charset="0"/>
                 <a:sym typeface="+mn-lt"/>
               </a:rPr>
-              <a:t>Plain text data is more easily collected by the server or stolen by hackers, user personal data is also used by the service provider for analysis.</a:t>
+              <a:t>Plain text collected by the server or stolen by hackers</a:t>
             </a:r>
           </a:p>
           <a:p>
@@ -31510,7 +35463,7 @@
         <p:spPr>
           <a:xfrm>
             <a:off x="977153" y="1595718"/>
-            <a:ext cx="10157012" cy="4699748"/>
+            <a:ext cx="10157012" cy="4084195"/>
           </a:xfrm>
           <a:prstGeom prst="rect">
             <a:avLst/>
@@ -31643,7 +35596,7 @@
                 <a:ea typeface="微软雅黑" panose="020B0503020204020204" pitchFamily="34" charset="-122"/>
                 <a:cs typeface="Calibri" panose="020F0502020204030204" pitchFamily="34" charset="0"/>
               </a:rPr>
-              <a:t>The server returns all the user encrypted data, and the user retrieves it after decrypting it locally.</a:t>
+              <a:t>User decrypts locally for retrieval</a:t>
             </a:r>
           </a:p>
         </p:txBody>
@@ -32092,10 +36045,10 @@
           <a:lstStyle/>
           <a:p>
             <a:r>
-              <a:rPr lang="en-US" altLang="zh-CN" sz="1800" dirty="0"/>
+              <a:rPr lang="en-US" altLang="zh-CN" dirty="0"/>
               <a:t>02</a:t>
             </a:r>
-            <a:endParaRPr lang="zh-CN" altLang="en-US" sz="1800" dirty="0"/>
+            <a:endParaRPr lang="zh-CN" altLang="en-US" dirty="0"/>
           </a:p>
         </p:txBody>
       </p:sp>
@@ -32115,12 +36068,16 @@
             <p:ph type="body" sz="quarter" idx="12"/>
           </p:nvPr>
         </p:nvSpPr>
-        <p:spPr/>
+        <p:spPr>
+          <a:xfrm>
+            <a:off x="1579624" y="668905"/>
+            <a:ext cx="2442257" cy="399600"/>
+          </a:xfrm>
+        </p:spPr>
         <p:txBody>
           <a:bodyPr/>
           <a:lstStyle/>
           <a:p>
-            <a:pPr algn="ctr"/>
             <a:r>
               <a:rPr lang="en-US" altLang="zh-CN" dirty="0"/>
               <a:t>Related work</a:t>
@@ -32591,8 +36548,8 @@
         </p:nvSpPr>
         <p:spPr>
           <a:xfrm>
-            <a:off x="3401249" y="1378815"/>
-            <a:ext cx="1618044" cy="1657505"/>
+            <a:off x="3352363" y="1372258"/>
+            <a:ext cx="1895475" cy="1297406"/>
           </a:xfrm>
           <a:prstGeom prst="rect">
             <a:avLst/>
@@ -33492,35 +37449,6 @@
             <a:r>
               <a:rPr lang="en-US" altLang="zh-CN" dirty="0"/>
               <a:t>02</a:t>
-            </a:r>
-            <a:endParaRPr lang="zh-CN" altLang="en-US" dirty="0"/>
-          </a:p>
-        </p:txBody>
-      </p:sp>
-      <p:sp>
-        <p:nvSpPr>
-          <p:cNvPr id="3" name="文本占位符 2">
-            <a:extLst>
-              <a:ext uri="{FF2B5EF4-FFF2-40B4-BE49-F238E27FC236}">
-                <a16:creationId xmlns:a16="http://schemas.microsoft.com/office/drawing/2014/main" id="{1946E5D6-A710-444E-9D63-39B45B39CA17}"/>
-              </a:ext>
-            </a:extLst>
-          </p:cNvPr>
-          <p:cNvSpPr>
-            <a:spLocks noGrp="1"/>
-          </p:cNvSpPr>
-          <p:nvPr>
-            <p:ph type="body" sz="quarter" idx="11"/>
-          </p:nvPr>
-        </p:nvSpPr>
-        <p:spPr/>
-        <p:txBody>
-          <a:bodyPr/>
-          <a:lstStyle/>
-          <a:p>
-            <a:r>
-              <a:rPr lang="en-US" altLang="zh-CN" dirty="0"/>
-              <a:t>02-2</a:t>
             </a:r>
             <a:endParaRPr lang="zh-CN" altLang="en-US" dirty="0"/>
           </a:p>
